--- a/DataBridgePresentation.pptx
+++ b/DataBridgePresentation.pptx
@@ -10,6 +10,7 @@
     <p:sldId id="258" r:id="rId4"/>
     <p:sldId id="259" r:id="rId5"/>
     <p:sldId id="260" r:id="rId6"/>
+    <p:sldId id="261" r:id="rId7"/>
   </p:sldIdLst>
   <p:sldSz cx="12192000" cy="6858000"/>
   <p:notesSz cx="6858000" cy="9144000"/>
@@ -3192,7 +3193,7 @@
             <a:spLocks noGrp="1"/>
           </p:cNvSpPr>
           <p:nvPr>
-            <p:ph idx="1"/>
+            <p:ph sz="half" idx="1"/>
           </p:nvPr>
         </p:nvSpPr>
         <p:spPr/>
@@ -3215,6 +3216,35 @@
           </a:p>
         </p:txBody>
       </p:sp>
+      <p:pic>
+        <p:nvPicPr>
+          <p:cNvPr id="7" name="Content Placeholder 6"/>
+          <p:cNvPicPr>
+            <a:picLocks noGrp="1" noChangeAspect="1"/>
+          </p:cNvPicPr>
+          <p:nvPr>
+            <p:ph sz="half" idx="2"/>
+          </p:nvPr>
+        </p:nvPicPr>
+        <p:blipFill>
+          <a:blip r:embed="rId2" cstate="print">
+            <a:extLst>
+              <a:ext uri="{28A0092B-C50C-407E-A947-70E740481C1C}">
+                <a14:useLocalDpi xmlns:a14="http://schemas.microsoft.com/office/drawing/2010/main" val="0"/>
+              </a:ext>
+            </a:extLst>
+          </a:blip>
+          <a:stretch>
+            <a:fillRect/>
+          </a:stretch>
+        </p:blipFill>
+        <p:spPr>
+          <a:xfrm>
+            <a:off x="7539186" y="1825625"/>
+            <a:ext cx="2447627" cy="4351338"/>
+          </a:xfrm>
+        </p:spPr>
+      </p:pic>
     </p:spTree>
     <p:extLst>
       <p:ext uri="{BB962C8B-B14F-4D97-AF65-F5344CB8AC3E}">
@@ -3275,18 +3305,58 @@
             <a:spLocks noGrp="1"/>
           </p:cNvSpPr>
           <p:nvPr>
-            <p:ph idx="1"/>
-          </p:nvPr>
-        </p:nvSpPr>
-        <p:spPr/>
-        <p:txBody>
-          <a:bodyPr/>
-          <a:lstStyle/>
-          <a:p>
-            <a:endParaRPr lang="en-US"/>
-          </a:p>
-        </p:txBody>
-      </p:sp>
+            <p:ph sz="half" idx="1"/>
+          </p:nvPr>
+        </p:nvSpPr>
+        <p:spPr/>
+        <p:txBody>
+          <a:bodyPr/>
+          <a:lstStyle/>
+          <a:p>
+            <a:r>
+              <a:rPr lang="en-US" dirty="0" smtClean="0"/>
+              <a:t>Allows remote use of terminal.</a:t>
+            </a:r>
+          </a:p>
+          <a:p>
+            <a:pPr lvl="1"/>
+            <a:r>
+              <a:rPr lang="en-US" dirty="0" smtClean="0"/>
+              <a:t>Currently supports simple commands</a:t>
+            </a:r>
+            <a:endParaRPr lang="en-US" dirty="0"/>
+          </a:p>
+        </p:txBody>
+      </p:sp>
+      <p:pic>
+        <p:nvPicPr>
+          <p:cNvPr id="5" name="Content Placeholder 4"/>
+          <p:cNvPicPr>
+            <a:picLocks noGrp="1" noChangeAspect="1"/>
+          </p:cNvPicPr>
+          <p:nvPr>
+            <p:ph sz="half" idx="2"/>
+          </p:nvPr>
+        </p:nvPicPr>
+        <p:blipFill>
+          <a:blip r:embed="rId2" cstate="print">
+            <a:extLst>
+              <a:ext uri="{28A0092B-C50C-407E-A947-70E740481C1C}">
+                <a14:useLocalDpi xmlns:a14="http://schemas.microsoft.com/office/drawing/2010/main" val="0"/>
+              </a:ext>
+            </a:extLst>
+          </a:blip>
+          <a:stretch>
+            <a:fillRect/>
+          </a:stretch>
+        </p:blipFill>
+        <p:spPr>
+          <a:xfrm>
+            <a:off x="7539186" y="1825625"/>
+            <a:ext cx="2447627" cy="4351338"/>
+          </a:xfrm>
+        </p:spPr>
+      </p:pic>
     </p:spTree>
     <p:extLst>
       <p:ext uri="{BB962C8B-B14F-4D97-AF65-F5344CB8AC3E}">
@@ -3347,22 +3417,181 @@
             <a:spLocks noGrp="1"/>
           </p:cNvSpPr>
           <p:nvPr>
-            <p:ph idx="1"/>
-          </p:nvPr>
-        </p:nvSpPr>
-        <p:spPr/>
-        <p:txBody>
-          <a:bodyPr/>
-          <a:lstStyle/>
-          <a:p>
-            <a:endParaRPr lang="en-US"/>
-          </a:p>
-        </p:txBody>
-      </p:sp>
+            <p:ph sz="half" idx="1"/>
+          </p:nvPr>
+        </p:nvSpPr>
+        <p:spPr/>
+        <p:txBody>
+          <a:bodyPr/>
+          <a:lstStyle/>
+          <a:p>
+            <a:r>
+              <a:rPr lang="en-US" dirty="0" smtClean="0"/>
+              <a:t>Messages can be sent between client and server.</a:t>
+            </a:r>
+            <a:endParaRPr lang="en-US" dirty="0"/>
+          </a:p>
+        </p:txBody>
+      </p:sp>
+      <p:pic>
+        <p:nvPicPr>
+          <p:cNvPr id="5" name="Content Placeholder 4"/>
+          <p:cNvPicPr>
+            <a:picLocks noGrp="1" noChangeAspect="1"/>
+          </p:cNvPicPr>
+          <p:nvPr>
+            <p:ph sz="half" idx="2"/>
+          </p:nvPr>
+        </p:nvPicPr>
+        <p:blipFill>
+          <a:blip r:embed="rId2" cstate="print">
+            <a:extLst>
+              <a:ext uri="{28A0092B-C50C-407E-A947-70E740481C1C}">
+                <a14:useLocalDpi xmlns:a14="http://schemas.microsoft.com/office/drawing/2010/main" val="0"/>
+              </a:ext>
+            </a:extLst>
+          </a:blip>
+          <a:stretch>
+            <a:fillRect/>
+          </a:stretch>
+        </p:blipFill>
+        <p:spPr>
+          <a:xfrm>
+            <a:off x="7539186" y="1825625"/>
+            <a:ext cx="2447627" cy="4351338"/>
+          </a:xfrm>
+        </p:spPr>
+      </p:pic>
     </p:spTree>
     <p:extLst>
       <p:ext uri="{BB962C8B-B14F-4D97-AF65-F5344CB8AC3E}">
         <p14:creationId xmlns:p14="http://schemas.microsoft.com/office/powerpoint/2010/main" val="2132250628"/>
+      </p:ext>
+    </p:extLst>
+  </p:cSld>
+  <p:clrMapOvr>
+    <a:masterClrMapping/>
+  </p:clrMapOvr>
+</p:sld>
+</file>
+
+<file path=ppt/slides/slide6.xml><?xml version="1.0" encoding="utf-8"?>
+<p:sld xmlns:a="http://schemas.openxmlformats.org/drawingml/2006/main" xmlns:r="http://schemas.openxmlformats.org/officeDocument/2006/relationships" xmlns:p="http://schemas.openxmlformats.org/presentationml/2006/main">
+  <p:cSld>
+    <p:spTree>
+      <p:nvGrpSpPr>
+        <p:cNvPr id="1" name=""/>
+        <p:cNvGrpSpPr/>
+        <p:nvPr/>
+      </p:nvGrpSpPr>
+      <p:grpSpPr>
+        <a:xfrm>
+          <a:off x="0" y="0"/>
+          <a:ext cx="0" cy="0"/>
+          <a:chOff x="0" y="0"/>
+          <a:chExt cx="0" cy="0"/>
+        </a:xfrm>
+      </p:grpSpPr>
+      <p:sp>
+        <p:nvSpPr>
+          <p:cNvPr id="2" name="Title 1"/>
+          <p:cNvSpPr>
+            <a:spLocks noGrp="1"/>
+          </p:cNvSpPr>
+          <p:nvPr>
+            <p:ph type="title"/>
+          </p:nvPr>
+        </p:nvSpPr>
+        <p:spPr/>
+        <p:txBody>
+          <a:bodyPr/>
+          <a:lstStyle/>
+          <a:p>
+            <a:r>
+              <a:rPr lang="en-US" dirty="0" smtClean="0"/>
+              <a:t>Settings</a:t>
+            </a:r>
+            <a:endParaRPr lang="en-US" dirty="0"/>
+          </a:p>
+        </p:txBody>
+      </p:sp>
+      <p:sp>
+        <p:nvSpPr>
+          <p:cNvPr id="3" name="Content Placeholder 2"/>
+          <p:cNvSpPr>
+            <a:spLocks noGrp="1"/>
+          </p:cNvSpPr>
+          <p:nvPr>
+            <p:ph sz="half" idx="1"/>
+          </p:nvPr>
+        </p:nvSpPr>
+        <p:spPr/>
+        <p:txBody>
+          <a:bodyPr/>
+          <a:lstStyle/>
+          <a:p>
+            <a:r>
+              <a:rPr lang="en-US" dirty="0" smtClean="0"/>
+              <a:t>Page that is first opened when app is launched.</a:t>
+            </a:r>
+          </a:p>
+          <a:p>
+            <a:pPr lvl="1"/>
+            <a:r>
+              <a:rPr lang="en-US" dirty="0" smtClean="0"/>
+              <a:t>Change Server Address.</a:t>
+            </a:r>
+          </a:p>
+          <a:p>
+            <a:pPr lvl="1"/>
+            <a:r>
+              <a:rPr lang="en-US" dirty="0" smtClean="0"/>
+              <a:t>Change TCP/UDP port numbers.</a:t>
+            </a:r>
+          </a:p>
+          <a:p>
+            <a:pPr lvl="1"/>
+            <a:r>
+              <a:rPr lang="en-US" dirty="0" smtClean="0"/>
+              <a:t>Enter Authentication for UDP</a:t>
+            </a:r>
+            <a:endParaRPr lang="en-US" dirty="0"/>
+          </a:p>
+        </p:txBody>
+      </p:sp>
+      <p:pic>
+        <p:nvPicPr>
+          <p:cNvPr id="9" name="Content Placeholder 8"/>
+          <p:cNvPicPr>
+            <a:picLocks noGrp="1" noChangeAspect="1"/>
+          </p:cNvPicPr>
+          <p:nvPr>
+            <p:ph sz="half" idx="2"/>
+          </p:nvPr>
+        </p:nvPicPr>
+        <p:blipFill>
+          <a:blip r:embed="rId2" cstate="print">
+            <a:extLst>
+              <a:ext uri="{28A0092B-C50C-407E-A947-70E740481C1C}">
+                <a14:useLocalDpi xmlns:a14="http://schemas.microsoft.com/office/drawing/2010/main" val="0"/>
+              </a:ext>
+            </a:extLst>
+          </a:blip>
+          <a:stretch>
+            <a:fillRect/>
+          </a:stretch>
+        </p:blipFill>
+        <p:spPr>
+          <a:xfrm>
+            <a:off x="7539186" y="1825625"/>
+            <a:ext cx="2447627" cy="4351338"/>
+          </a:xfrm>
+        </p:spPr>
+      </p:pic>
+    </p:spTree>
+    <p:extLst>
+      <p:ext uri="{BB962C8B-B14F-4D97-AF65-F5344CB8AC3E}">
+        <p14:creationId xmlns:p14="http://schemas.microsoft.com/office/powerpoint/2010/main" val="1567769392"/>
       </p:ext>
     </p:extLst>
   </p:cSld>

--- a/DataBridgePresentation.pptx
+++ b/DataBridgePresentation.pptx
@@ -7,10 +7,11 @@
   <p:sldIdLst>
     <p:sldId id="256" r:id="rId2"/>
     <p:sldId id="257" r:id="rId3"/>
-    <p:sldId id="258" r:id="rId4"/>
-    <p:sldId id="259" r:id="rId5"/>
-    <p:sldId id="260" r:id="rId6"/>
-    <p:sldId id="261" r:id="rId7"/>
+    <p:sldId id="262" r:id="rId4"/>
+    <p:sldId id="258" r:id="rId5"/>
+    <p:sldId id="259" r:id="rId6"/>
+    <p:sldId id="260" r:id="rId7"/>
+    <p:sldId id="261" r:id="rId8"/>
   </p:sldIdLst>
   <p:sldSz cx="12192000" cy="6858000"/>
   <p:notesSz cx="6858000" cy="9144000"/>
@@ -3040,6 +3041,13 @@
   <p:clrMapOvr>
     <a:masterClrMapping/>
   </p:clrMapOvr>
+  <p:timing>
+    <p:tnLst>
+      <p:par>
+        <p:cTn id="1" dur="indefinite" restart="never" nodeType="tmRoot"/>
+      </p:par>
+    </p:tnLst>
+  </p:timing>
 </p:sld>
 </file>
 
@@ -3143,10 +3151,119 @@
   <p:clrMapOvr>
     <a:masterClrMapping/>
   </p:clrMapOvr>
+  <p:timing>
+    <p:tnLst>
+      <p:par>
+        <p:cTn id="1" dur="indefinite" restart="never" nodeType="tmRoot"/>
+      </p:par>
+    </p:tnLst>
+  </p:timing>
 </p:sld>
 </file>
 
 <file path=ppt/slides/slide3.xml><?xml version="1.0" encoding="utf-8"?>
+<p:sld xmlns:a="http://schemas.openxmlformats.org/drawingml/2006/main" xmlns:r="http://schemas.openxmlformats.org/officeDocument/2006/relationships" xmlns:p="http://schemas.openxmlformats.org/presentationml/2006/main">
+  <p:cSld>
+    <p:spTree>
+      <p:nvGrpSpPr>
+        <p:cNvPr id="1" name=""/>
+        <p:cNvGrpSpPr/>
+        <p:nvPr/>
+      </p:nvGrpSpPr>
+      <p:grpSpPr>
+        <a:xfrm>
+          <a:off x="0" y="0"/>
+          <a:ext cx="0" cy="0"/>
+          <a:chOff x="0" y="0"/>
+          <a:chExt cx="0" cy="0"/>
+        </a:xfrm>
+      </p:grpSpPr>
+      <p:sp>
+        <p:nvSpPr>
+          <p:cNvPr id="2" name="Title 1"/>
+          <p:cNvSpPr>
+            <a:spLocks noGrp="1"/>
+          </p:cNvSpPr>
+          <p:nvPr>
+            <p:ph type="title"/>
+          </p:nvPr>
+        </p:nvSpPr>
+        <p:spPr/>
+        <p:txBody>
+          <a:bodyPr/>
+          <a:lstStyle/>
+          <a:p>
+            <a:r>
+              <a:rPr lang="en-US" dirty="0" smtClean="0"/>
+              <a:t>Possible Uses</a:t>
+            </a:r>
+            <a:endParaRPr lang="en-US" dirty="0"/>
+          </a:p>
+        </p:txBody>
+      </p:sp>
+      <p:sp>
+        <p:nvSpPr>
+          <p:cNvPr id="3" name="Content Placeholder 2"/>
+          <p:cNvSpPr>
+            <a:spLocks noGrp="1"/>
+          </p:cNvSpPr>
+          <p:nvPr>
+            <p:ph idx="1"/>
+          </p:nvPr>
+        </p:nvSpPr>
+        <p:spPr/>
+        <p:txBody>
+          <a:bodyPr/>
+          <a:lstStyle/>
+          <a:p>
+            <a:r>
+              <a:rPr lang="en-US" dirty="0" smtClean="0"/>
+              <a:t>Controlling Netflix on laptop when plugged into TV across the room</a:t>
+            </a:r>
+          </a:p>
+          <a:p>
+            <a:r>
+              <a:rPr lang="en-US" dirty="0" smtClean="0"/>
+              <a:t>Chatting with whoever is on your home computer </a:t>
+            </a:r>
+          </a:p>
+          <a:p>
+            <a:pPr lvl="1"/>
+            <a:r>
+              <a:rPr lang="en-US" dirty="0" smtClean="0"/>
+              <a:t>Parents talk to children from work</a:t>
+            </a:r>
+          </a:p>
+          <a:p>
+            <a:pPr lvl="1"/>
+            <a:r>
+              <a:rPr lang="en-US" dirty="0" smtClean="0"/>
+              <a:t>Help family members with computer issues while not on a computer</a:t>
+            </a:r>
+          </a:p>
+          <a:p>
+            <a:r>
+              <a:rPr lang="en-US" dirty="0" smtClean="0"/>
+              <a:t>Find basic information on computer on the go.</a:t>
+            </a:r>
+            <a:endParaRPr lang="en-US" dirty="0"/>
+          </a:p>
+        </p:txBody>
+      </p:sp>
+    </p:spTree>
+    <p:extLst>
+      <p:ext uri="{BB962C8B-B14F-4D97-AF65-F5344CB8AC3E}">
+        <p14:creationId xmlns:p14="http://schemas.microsoft.com/office/powerpoint/2010/main" val="4198086196"/>
+      </p:ext>
+    </p:extLst>
+  </p:cSld>
+  <p:clrMapOvr>
+    <a:masterClrMapping/>
+  </p:clrMapOvr>
+</p:sld>
+</file>
+
+<file path=ppt/slides/slide4.xml><?xml version="1.0" encoding="utf-8"?>
 <p:sld xmlns:a="http://schemas.openxmlformats.org/drawingml/2006/main" xmlns:r="http://schemas.openxmlformats.org/officeDocument/2006/relationships" xmlns:p="http://schemas.openxmlformats.org/presentationml/2006/main">
   <p:cSld>
     <p:spTree>
@@ -3255,10 +3372,17 @@
   <p:clrMapOvr>
     <a:masterClrMapping/>
   </p:clrMapOvr>
+  <p:timing>
+    <p:tnLst>
+      <p:par>
+        <p:cTn id="1" dur="indefinite" restart="never" nodeType="tmRoot"/>
+      </p:par>
+    </p:tnLst>
+  </p:timing>
 </p:sld>
 </file>
 
-<file path=ppt/slides/slide4.xml><?xml version="1.0" encoding="utf-8"?>
+<file path=ppt/slides/slide5.xml><?xml version="1.0" encoding="utf-8"?>
 <p:sld xmlns:a="http://schemas.openxmlformats.org/drawingml/2006/main" xmlns:r="http://schemas.openxmlformats.org/officeDocument/2006/relationships" xmlns:p="http://schemas.openxmlformats.org/presentationml/2006/main">
   <p:cSld>
     <p:spTree>
@@ -3367,10 +3491,17 @@
   <p:clrMapOvr>
     <a:masterClrMapping/>
   </p:clrMapOvr>
+  <p:timing>
+    <p:tnLst>
+      <p:par>
+        <p:cTn id="1" dur="indefinite" restart="never" nodeType="tmRoot"/>
+      </p:par>
+    </p:tnLst>
+  </p:timing>
 </p:sld>
 </file>
 
-<file path=ppt/slides/slide5.xml><?xml version="1.0" encoding="utf-8"?>
+<file path=ppt/slides/slide6.xml><?xml version="1.0" encoding="utf-8"?>
 <p:sld xmlns:a="http://schemas.openxmlformats.org/drawingml/2006/main" xmlns:r="http://schemas.openxmlformats.org/officeDocument/2006/relationships" xmlns:p="http://schemas.openxmlformats.org/presentationml/2006/main">
   <p:cSld>
     <p:spTree>
@@ -3472,10 +3603,17 @@
   <p:clrMapOvr>
     <a:masterClrMapping/>
   </p:clrMapOvr>
+  <p:timing>
+    <p:tnLst>
+      <p:par>
+        <p:cTn id="1" dur="indefinite" restart="never" nodeType="tmRoot"/>
+      </p:par>
+    </p:tnLst>
+  </p:timing>
 </p:sld>
 </file>
 
-<file path=ppt/slides/slide6.xml><?xml version="1.0" encoding="utf-8"?>
+<file path=ppt/slides/slide7.xml><?xml version="1.0" encoding="utf-8"?>
 <p:sld xmlns:a="http://schemas.openxmlformats.org/drawingml/2006/main" xmlns:r="http://schemas.openxmlformats.org/officeDocument/2006/relationships" xmlns:p="http://schemas.openxmlformats.org/presentationml/2006/main">
   <p:cSld>
     <p:spTree>
@@ -3598,6 +3736,13 @@
   <p:clrMapOvr>
     <a:masterClrMapping/>
   </p:clrMapOvr>
+  <p:timing>
+    <p:tnLst>
+      <p:par>
+        <p:cTn id="1" dur="indefinite" restart="never" nodeType="tmRoot"/>
+      </p:par>
+    </p:tnLst>
+  </p:timing>
 </p:sld>
 </file>
 
@@ -3856,7 +4001,7 @@
   <a:extraClrSchemeLst/>
   <a:extLst>
     <a:ext uri="{05A4C25C-085E-4340-85A3-A5531E510DB2}">
-      <thm15:themeFamily xmlns:thm15="http://schemas.microsoft.com/office/thememl/2012/main" name="Office Theme" id="{62F939B6-93AF-4DB8-9C6B-D6C7DFDC589F}" vid="{4A3C46E8-61CC-4603-A589-7422A47A8E4A}"/>
+      <thm15:themeFamily xmlns:thm15="http://schemas.microsoft.com/office/thememl/2012/main" xmlns="" name="Office Theme" id="{62F939B6-93AF-4DB8-9C6B-D6C7DFDC589F}" vid="{4A3C46E8-61CC-4603-A589-7422A47A8E4A}"/>
     </a:ext>
   </a:extLst>
 </a:theme>

--- a/DataBridgePresentation.pptx
+++ b/DataBridgePresentation.pptx
@@ -110,6 +110,22 @@
       </a:defRPr>
     </a:lvl9pPr>
   </p:defaultTextStyle>
+  <p:extLst>
+    <p:ext uri="{EFAFB233-063F-42B5-8137-9DF3F51BA10A}">
+      <p15:sldGuideLst xmlns:p15="http://schemas.microsoft.com/office/powerpoint/2012/main">
+        <p15:guide id="1" orient="horz" pos="2160">
+          <p15:clr>
+            <a:srgbClr val="A4A3A4"/>
+          </p15:clr>
+        </p15:guide>
+        <p15:guide id="2" pos="3840">
+          <p15:clr>
+            <a:srgbClr val="A4A3A4"/>
+          </p15:clr>
+        </p15:guide>
+      </p15:sldGuideLst>
+    </p:ext>
+  </p:extLst>
 </p:presentation>
 </file>
 
@@ -3476,9 +3492,33 @@
         </p:blipFill>
         <p:spPr>
           <a:xfrm>
-            <a:off x="7539186" y="1825625"/>
+            <a:off x="6289936" y="1825625"/>
             <a:ext cx="2447627" cy="4351338"/>
           </a:xfrm>
+        </p:spPr>
+      </p:pic>
+      <p:pic>
+        <p:nvPicPr>
+          <p:cNvPr id="4" name="Picture 3"/>
+          <p:cNvPicPr>
+            <a:picLocks noChangeAspect="1"/>
+          </p:cNvPicPr>
+          <p:nvPr/>
+        </p:nvPicPr>
+        <p:blipFill>
+          <a:blip r:embed="rId3"/>
+          <a:stretch>
+            <a:fillRect/>
+          </a:stretch>
+        </p:blipFill>
+        <p:spPr>
+          <a:xfrm>
+            <a:off x="9007699" y="1825625"/>
+            <a:ext cx="2629431" cy="4337050"/>
+          </a:xfrm>
+          <a:prstGeom prst="rect">
+            <a:avLst/>
+          </a:prstGeom>
         </p:spPr>
       </p:pic>
     </p:spTree>
@@ -3588,9 +3628,33 @@
         </p:blipFill>
         <p:spPr>
           <a:xfrm>
-            <a:off x="7539186" y="1825625"/>
+            <a:off x="6019800" y="1825625"/>
             <a:ext cx="2447627" cy="4351338"/>
           </a:xfrm>
+        </p:spPr>
+      </p:pic>
+      <p:pic>
+        <p:nvPicPr>
+          <p:cNvPr id="6" name="Picture 5"/>
+          <p:cNvPicPr>
+            <a:picLocks noChangeAspect="1"/>
+          </p:cNvPicPr>
+          <p:nvPr/>
+        </p:nvPicPr>
+        <p:blipFill>
+          <a:blip r:embed="rId3"/>
+          <a:stretch>
+            <a:fillRect/>
+          </a:stretch>
+        </p:blipFill>
+        <p:spPr>
+          <a:xfrm>
+            <a:off x="8743667" y="1825625"/>
+            <a:ext cx="2610133" cy="4327525"/>
+          </a:xfrm>
+          <a:prstGeom prst="rect">
+            <a:avLst/>
+          </a:prstGeom>
         </p:spPr>
       </p:pic>
     </p:spTree>
@@ -4001,7 +4065,7 @@
   <a:extraClrSchemeLst/>
   <a:extLst>
     <a:ext uri="{05A4C25C-085E-4340-85A3-A5531E510DB2}">
-      <thm15:themeFamily xmlns:thm15="http://schemas.microsoft.com/office/thememl/2012/main" xmlns="" name="Office Theme" id="{62F939B6-93AF-4DB8-9C6B-D6C7DFDC589F}" vid="{4A3C46E8-61CC-4603-A589-7422A47A8E4A}"/>
+      <thm15:themeFamily xmlns:thm15="http://schemas.microsoft.com/office/thememl/2012/main" name="Office Theme" id="{62F939B6-93AF-4DB8-9C6B-D6C7DFDC589F}" vid="{4A3C46E8-61CC-4603-A589-7422A47A8E4A}"/>
     </a:ext>
   </a:extLst>
 </a:theme>

--- a/DataBridgePresentation.pptx
+++ b/DataBridgePresentation.pptx
@@ -12,6 +12,7 @@
     <p:sldId id="259" r:id="rId6"/>
     <p:sldId id="260" r:id="rId7"/>
     <p:sldId id="261" r:id="rId8"/>
+    <p:sldId id="263" r:id="rId9"/>
   </p:sldIdLst>
   <p:sldSz cx="12192000" cy="6858000"/>
   <p:notesSz cx="6858000" cy="9144000"/>
@@ -112,7 +113,7 @@
   </p:defaultTextStyle>
   <p:extLst>
     <p:ext uri="{EFAFB233-063F-42B5-8137-9DF3F51BA10A}">
-      <p15:sldGuideLst xmlns:p15="http://schemas.microsoft.com/office/powerpoint/2012/main">
+      <p15:sldGuideLst xmlns:p15="http://schemas.microsoft.com/office/powerpoint/2012/main" xmlns="">
         <p15:guide id="1" orient="horz" pos="2160">
           <p15:clr>
             <a:srgbClr val="A4A3A4"/>
@@ -260,6 +261,7 @@
           <a:p>
             <a:fld id="{0AE88629-A717-430A-A4D5-955241148433}" type="datetimeFigureOut">
               <a:rPr lang="en-US" smtClean="0"/>
+              <a:pPr/>
               <a:t>12/3/2013</a:t>
             </a:fld>
             <a:endParaRPr lang="en-US"/>
@@ -302,6 +304,7 @@
           <a:p>
             <a:fld id="{D3358083-9D44-423B-A7B7-11D2DC27AA82}" type="slidenum">
               <a:rPr lang="en-US" smtClean="0"/>
+              <a:pPr/>
               <a:t>‹#›</a:t>
             </a:fld>
             <a:endParaRPr lang="en-US"/>
@@ -311,7 +314,7 @@
     </p:spTree>
     <p:extLst>
       <p:ext uri="{BB962C8B-B14F-4D97-AF65-F5344CB8AC3E}">
-        <p14:creationId xmlns:p14="http://schemas.microsoft.com/office/powerpoint/2010/main" val="3535354416"/>
+        <p14:creationId xmlns:p14="http://schemas.microsoft.com/office/powerpoint/2010/main" xmlns="" val="3535354416"/>
       </p:ext>
     </p:extLst>
   </p:cSld>
@@ -430,6 +433,7 @@
           <a:p>
             <a:fld id="{0AE88629-A717-430A-A4D5-955241148433}" type="datetimeFigureOut">
               <a:rPr lang="en-US" smtClean="0"/>
+              <a:pPr/>
               <a:t>12/3/2013</a:t>
             </a:fld>
             <a:endParaRPr lang="en-US"/>
@@ -472,6 +476,7 @@
           <a:p>
             <a:fld id="{D3358083-9D44-423B-A7B7-11D2DC27AA82}" type="slidenum">
               <a:rPr lang="en-US" smtClean="0"/>
+              <a:pPr/>
               <a:t>‹#›</a:t>
             </a:fld>
             <a:endParaRPr lang="en-US"/>
@@ -481,7 +486,7 @@
     </p:spTree>
     <p:extLst>
       <p:ext uri="{BB962C8B-B14F-4D97-AF65-F5344CB8AC3E}">
-        <p14:creationId xmlns:p14="http://schemas.microsoft.com/office/powerpoint/2010/main" val="3976073012"/>
+        <p14:creationId xmlns:p14="http://schemas.microsoft.com/office/powerpoint/2010/main" xmlns="" val="3976073012"/>
       </p:ext>
     </p:extLst>
   </p:cSld>
@@ -610,6 +615,7 @@
           <a:p>
             <a:fld id="{0AE88629-A717-430A-A4D5-955241148433}" type="datetimeFigureOut">
               <a:rPr lang="en-US" smtClean="0"/>
+              <a:pPr/>
               <a:t>12/3/2013</a:t>
             </a:fld>
             <a:endParaRPr lang="en-US"/>
@@ -652,6 +658,7 @@
           <a:p>
             <a:fld id="{D3358083-9D44-423B-A7B7-11D2DC27AA82}" type="slidenum">
               <a:rPr lang="en-US" smtClean="0"/>
+              <a:pPr/>
               <a:t>‹#›</a:t>
             </a:fld>
             <a:endParaRPr lang="en-US"/>
@@ -661,7 +668,7 @@
     </p:spTree>
     <p:extLst>
       <p:ext uri="{BB962C8B-B14F-4D97-AF65-F5344CB8AC3E}">
-        <p14:creationId xmlns:p14="http://schemas.microsoft.com/office/powerpoint/2010/main" val="278890098"/>
+        <p14:creationId xmlns:p14="http://schemas.microsoft.com/office/powerpoint/2010/main" xmlns="" val="278890098"/>
       </p:ext>
     </p:extLst>
   </p:cSld>
@@ -780,6 +787,7 @@
           <a:p>
             <a:fld id="{0AE88629-A717-430A-A4D5-955241148433}" type="datetimeFigureOut">
               <a:rPr lang="en-US" smtClean="0"/>
+              <a:pPr/>
               <a:t>12/3/2013</a:t>
             </a:fld>
             <a:endParaRPr lang="en-US"/>
@@ -822,6 +830,7 @@
           <a:p>
             <a:fld id="{D3358083-9D44-423B-A7B7-11D2DC27AA82}" type="slidenum">
               <a:rPr lang="en-US" smtClean="0"/>
+              <a:pPr/>
               <a:t>‹#›</a:t>
             </a:fld>
             <a:endParaRPr lang="en-US"/>
@@ -831,7 +840,7 @@
     </p:spTree>
     <p:extLst>
       <p:ext uri="{BB962C8B-B14F-4D97-AF65-F5344CB8AC3E}">
-        <p14:creationId xmlns:p14="http://schemas.microsoft.com/office/powerpoint/2010/main" val="869121869"/>
+        <p14:creationId xmlns:p14="http://schemas.microsoft.com/office/powerpoint/2010/main" xmlns="" val="869121869"/>
       </p:ext>
     </p:extLst>
   </p:cSld>
@@ -1026,6 +1035,7 @@
           <a:p>
             <a:fld id="{0AE88629-A717-430A-A4D5-955241148433}" type="datetimeFigureOut">
               <a:rPr lang="en-US" smtClean="0"/>
+              <a:pPr/>
               <a:t>12/3/2013</a:t>
             </a:fld>
             <a:endParaRPr lang="en-US"/>
@@ -1068,6 +1078,7 @@
           <a:p>
             <a:fld id="{D3358083-9D44-423B-A7B7-11D2DC27AA82}" type="slidenum">
               <a:rPr lang="en-US" smtClean="0"/>
+              <a:pPr/>
               <a:t>‹#›</a:t>
             </a:fld>
             <a:endParaRPr lang="en-US"/>
@@ -1077,7 +1088,7 @@
     </p:spTree>
     <p:extLst>
       <p:ext uri="{BB962C8B-B14F-4D97-AF65-F5344CB8AC3E}">
-        <p14:creationId xmlns:p14="http://schemas.microsoft.com/office/powerpoint/2010/main" val="4106276498"/>
+        <p14:creationId xmlns:p14="http://schemas.microsoft.com/office/powerpoint/2010/main" xmlns="" val="4106276498"/>
       </p:ext>
     </p:extLst>
   </p:cSld>
@@ -1258,6 +1269,7 @@
           <a:p>
             <a:fld id="{0AE88629-A717-430A-A4D5-955241148433}" type="datetimeFigureOut">
               <a:rPr lang="en-US" smtClean="0"/>
+              <a:pPr/>
               <a:t>12/3/2013</a:t>
             </a:fld>
             <a:endParaRPr lang="en-US"/>
@@ -1300,6 +1312,7 @@
           <a:p>
             <a:fld id="{D3358083-9D44-423B-A7B7-11D2DC27AA82}" type="slidenum">
               <a:rPr lang="en-US" smtClean="0"/>
+              <a:pPr/>
               <a:t>‹#›</a:t>
             </a:fld>
             <a:endParaRPr lang="en-US"/>
@@ -1309,7 +1322,7 @@
     </p:spTree>
     <p:extLst>
       <p:ext uri="{BB962C8B-B14F-4D97-AF65-F5344CB8AC3E}">
-        <p14:creationId xmlns:p14="http://schemas.microsoft.com/office/powerpoint/2010/main" val="1050142482"/>
+        <p14:creationId xmlns:p14="http://schemas.microsoft.com/office/powerpoint/2010/main" xmlns="" val="1050142482"/>
       </p:ext>
     </p:extLst>
   </p:cSld>
@@ -1625,6 +1638,7 @@
           <a:p>
             <a:fld id="{0AE88629-A717-430A-A4D5-955241148433}" type="datetimeFigureOut">
               <a:rPr lang="en-US" smtClean="0"/>
+              <a:pPr/>
               <a:t>12/3/2013</a:t>
             </a:fld>
             <a:endParaRPr lang="en-US"/>
@@ -1667,6 +1681,7 @@
           <a:p>
             <a:fld id="{D3358083-9D44-423B-A7B7-11D2DC27AA82}" type="slidenum">
               <a:rPr lang="en-US" smtClean="0"/>
+              <a:pPr/>
               <a:t>‹#›</a:t>
             </a:fld>
             <a:endParaRPr lang="en-US"/>
@@ -1676,7 +1691,7 @@
     </p:spTree>
     <p:extLst>
       <p:ext uri="{BB962C8B-B14F-4D97-AF65-F5344CB8AC3E}">
-        <p14:creationId xmlns:p14="http://schemas.microsoft.com/office/powerpoint/2010/main" val="732675160"/>
+        <p14:creationId xmlns:p14="http://schemas.microsoft.com/office/powerpoint/2010/main" xmlns="" val="732675160"/>
       </p:ext>
     </p:extLst>
   </p:cSld>
@@ -1743,6 +1758,7 @@
           <a:p>
             <a:fld id="{0AE88629-A717-430A-A4D5-955241148433}" type="datetimeFigureOut">
               <a:rPr lang="en-US" smtClean="0"/>
+              <a:pPr/>
               <a:t>12/3/2013</a:t>
             </a:fld>
             <a:endParaRPr lang="en-US"/>
@@ -1785,6 +1801,7 @@
           <a:p>
             <a:fld id="{D3358083-9D44-423B-A7B7-11D2DC27AA82}" type="slidenum">
               <a:rPr lang="en-US" smtClean="0"/>
+              <a:pPr/>
               <a:t>‹#›</a:t>
             </a:fld>
             <a:endParaRPr lang="en-US"/>
@@ -1794,7 +1811,7 @@
     </p:spTree>
     <p:extLst>
       <p:ext uri="{BB962C8B-B14F-4D97-AF65-F5344CB8AC3E}">
-        <p14:creationId xmlns:p14="http://schemas.microsoft.com/office/powerpoint/2010/main" val="1933049676"/>
+        <p14:creationId xmlns:p14="http://schemas.microsoft.com/office/powerpoint/2010/main" xmlns="" val="1933049676"/>
       </p:ext>
     </p:extLst>
   </p:cSld>
@@ -1838,6 +1855,7 @@
           <a:p>
             <a:fld id="{0AE88629-A717-430A-A4D5-955241148433}" type="datetimeFigureOut">
               <a:rPr lang="en-US" smtClean="0"/>
+              <a:pPr/>
               <a:t>12/3/2013</a:t>
             </a:fld>
             <a:endParaRPr lang="en-US"/>
@@ -1880,6 +1898,7 @@
           <a:p>
             <a:fld id="{D3358083-9D44-423B-A7B7-11D2DC27AA82}" type="slidenum">
               <a:rPr lang="en-US" smtClean="0"/>
+              <a:pPr/>
               <a:t>‹#›</a:t>
             </a:fld>
             <a:endParaRPr lang="en-US"/>
@@ -1889,7 +1908,7 @@
     </p:spTree>
     <p:extLst>
       <p:ext uri="{BB962C8B-B14F-4D97-AF65-F5344CB8AC3E}">
-        <p14:creationId xmlns:p14="http://schemas.microsoft.com/office/powerpoint/2010/main" val="154065328"/>
+        <p14:creationId xmlns:p14="http://schemas.microsoft.com/office/powerpoint/2010/main" xmlns="" val="154065328"/>
       </p:ext>
     </p:extLst>
   </p:cSld>
@@ -2115,6 +2134,7 @@
           <a:p>
             <a:fld id="{0AE88629-A717-430A-A4D5-955241148433}" type="datetimeFigureOut">
               <a:rPr lang="en-US" smtClean="0"/>
+              <a:pPr/>
               <a:t>12/3/2013</a:t>
             </a:fld>
             <a:endParaRPr lang="en-US"/>
@@ -2157,6 +2177,7 @@
           <a:p>
             <a:fld id="{D3358083-9D44-423B-A7B7-11D2DC27AA82}" type="slidenum">
               <a:rPr lang="en-US" smtClean="0"/>
+              <a:pPr/>
               <a:t>‹#›</a:t>
             </a:fld>
             <a:endParaRPr lang="en-US"/>
@@ -2166,7 +2187,7 @@
     </p:spTree>
     <p:extLst>
       <p:ext uri="{BB962C8B-B14F-4D97-AF65-F5344CB8AC3E}">
-        <p14:creationId xmlns:p14="http://schemas.microsoft.com/office/powerpoint/2010/main" val="2360534092"/>
+        <p14:creationId xmlns:p14="http://schemas.microsoft.com/office/powerpoint/2010/main" xmlns="" val="2360534092"/>
       </p:ext>
     </p:extLst>
   </p:cSld>
@@ -2368,6 +2389,7 @@
           <a:p>
             <a:fld id="{0AE88629-A717-430A-A4D5-955241148433}" type="datetimeFigureOut">
               <a:rPr lang="en-US" smtClean="0"/>
+              <a:pPr/>
               <a:t>12/3/2013</a:t>
             </a:fld>
             <a:endParaRPr lang="en-US"/>
@@ -2410,6 +2432,7 @@
           <a:p>
             <a:fld id="{D3358083-9D44-423B-A7B7-11D2DC27AA82}" type="slidenum">
               <a:rPr lang="en-US" smtClean="0"/>
+              <a:pPr/>
               <a:t>‹#›</a:t>
             </a:fld>
             <a:endParaRPr lang="en-US"/>
@@ -2419,7 +2442,7 @@
     </p:spTree>
     <p:extLst>
       <p:ext uri="{BB962C8B-B14F-4D97-AF65-F5344CB8AC3E}">
-        <p14:creationId xmlns:p14="http://schemas.microsoft.com/office/powerpoint/2010/main" val="1842929531"/>
+        <p14:creationId xmlns:p14="http://schemas.microsoft.com/office/powerpoint/2010/main" xmlns="" val="1842929531"/>
       </p:ext>
     </p:extLst>
   </p:cSld>
@@ -2581,6 +2604,7 @@
           <a:p>
             <a:fld id="{0AE88629-A717-430A-A4D5-955241148433}" type="datetimeFigureOut">
               <a:rPr lang="en-US" smtClean="0"/>
+              <a:pPr/>
               <a:t>12/3/2013</a:t>
             </a:fld>
             <a:endParaRPr lang="en-US"/>
@@ -2659,6 +2683,7 @@
           <a:p>
             <a:fld id="{D3358083-9D44-423B-A7B7-11D2DC27AA82}" type="slidenum">
               <a:rPr lang="en-US" smtClean="0"/>
+              <a:pPr/>
               <a:t>‹#›</a:t>
             </a:fld>
             <a:endParaRPr lang="en-US"/>
@@ -2668,7 +2693,7 @@
     </p:spTree>
     <p:extLst>
       <p:ext uri="{BB962C8B-B14F-4D97-AF65-F5344CB8AC3E}">
-        <p14:creationId xmlns:p14="http://schemas.microsoft.com/office/powerpoint/2010/main" val="4222296200"/>
+        <p14:creationId xmlns:p14="http://schemas.microsoft.com/office/powerpoint/2010/main" xmlns="" val="4222296200"/>
       </p:ext>
     </p:extLst>
   </p:cSld>
@@ -3050,7 +3075,7 @@
     </p:spTree>
     <p:extLst>
       <p:ext uri="{BB962C8B-B14F-4D97-AF65-F5344CB8AC3E}">
-        <p14:creationId xmlns:p14="http://schemas.microsoft.com/office/powerpoint/2010/main" val="2018534654"/>
+        <p14:creationId xmlns:p14="http://schemas.microsoft.com/office/powerpoint/2010/main" xmlns="" val="2018534654"/>
       </p:ext>
     </p:extLst>
   </p:cSld>
@@ -3160,7 +3185,7 @@
     </p:spTree>
     <p:extLst>
       <p:ext uri="{BB962C8B-B14F-4D97-AF65-F5344CB8AC3E}">
-        <p14:creationId xmlns:p14="http://schemas.microsoft.com/office/powerpoint/2010/main" val="1346543847"/>
+        <p14:creationId xmlns:p14="http://schemas.microsoft.com/office/powerpoint/2010/main" xmlns="" val="1346543847"/>
       </p:ext>
     </p:extLst>
   </p:cSld>
@@ -3269,7 +3294,7 @@
     </p:spTree>
     <p:extLst>
       <p:ext uri="{BB962C8B-B14F-4D97-AF65-F5344CB8AC3E}">
-        <p14:creationId xmlns:p14="http://schemas.microsoft.com/office/powerpoint/2010/main" val="4198086196"/>
+        <p14:creationId xmlns:p14="http://schemas.microsoft.com/office/powerpoint/2010/main" xmlns="" val="4198086196"/>
       </p:ext>
     </p:extLst>
   </p:cSld>
@@ -3363,7 +3388,7 @@
           <a:blip r:embed="rId2" cstate="print">
             <a:extLst>
               <a:ext uri="{28A0092B-C50C-407E-A947-70E740481C1C}">
-                <a14:useLocalDpi xmlns:a14="http://schemas.microsoft.com/office/drawing/2010/main" val="0"/>
+                <a14:useLocalDpi xmlns:a14="http://schemas.microsoft.com/office/drawing/2010/main" xmlns="" val="0"/>
               </a:ext>
             </a:extLst>
           </a:blip>
@@ -3381,7 +3406,7 @@
     </p:spTree>
     <p:extLst>
       <p:ext uri="{BB962C8B-B14F-4D97-AF65-F5344CB8AC3E}">
-        <p14:creationId xmlns:p14="http://schemas.microsoft.com/office/powerpoint/2010/main" val="1150150330"/>
+        <p14:creationId xmlns:p14="http://schemas.microsoft.com/office/powerpoint/2010/main" xmlns="" val="1150150330"/>
       </p:ext>
     </p:extLst>
   </p:cSld>
@@ -3482,7 +3507,7 @@
           <a:blip r:embed="rId2" cstate="print">
             <a:extLst>
               <a:ext uri="{28A0092B-C50C-407E-A947-70E740481C1C}">
-                <a14:useLocalDpi xmlns:a14="http://schemas.microsoft.com/office/drawing/2010/main" val="0"/>
+                <a14:useLocalDpi xmlns:a14="http://schemas.microsoft.com/office/drawing/2010/main" xmlns="" val="0"/>
               </a:ext>
             </a:extLst>
           </a:blip>
@@ -3506,7 +3531,7 @@
           <p:nvPr/>
         </p:nvPicPr>
         <p:blipFill>
-          <a:blip r:embed="rId3"/>
+          <a:blip r:embed="rId3" cstate="print"/>
           <a:stretch>
             <a:fillRect/>
           </a:stretch>
@@ -3524,7 +3549,7 @@
     </p:spTree>
     <p:extLst>
       <p:ext uri="{BB962C8B-B14F-4D97-AF65-F5344CB8AC3E}">
-        <p14:creationId xmlns:p14="http://schemas.microsoft.com/office/powerpoint/2010/main" val="2750992887"/>
+        <p14:creationId xmlns:p14="http://schemas.microsoft.com/office/powerpoint/2010/main" xmlns="" val="2750992887"/>
       </p:ext>
     </p:extLst>
   </p:cSld>
@@ -3618,7 +3643,7 @@
           <a:blip r:embed="rId2" cstate="print">
             <a:extLst>
               <a:ext uri="{28A0092B-C50C-407E-A947-70E740481C1C}">
-                <a14:useLocalDpi xmlns:a14="http://schemas.microsoft.com/office/drawing/2010/main" val="0"/>
+                <a14:useLocalDpi xmlns:a14="http://schemas.microsoft.com/office/drawing/2010/main" xmlns="" val="0"/>
               </a:ext>
             </a:extLst>
           </a:blip>
@@ -3642,7 +3667,7 @@
           <p:nvPr/>
         </p:nvPicPr>
         <p:blipFill>
-          <a:blip r:embed="rId3"/>
+          <a:blip r:embed="rId3" cstate="print"/>
           <a:stretch>
             <a:fillRect/>
           </a:stretch>
@@ -3660,7 +3685,7 @@
     </p:spTree>
     <p:extLst>
       <p:ext uri="{BB962C8B-B14F-4D97-AF65-F5344CB8AC3E}">
-        <p14:creationId xmlns:p14="http://schemas.microsoft.com/office/powerpoint/2010/main" val="2132250628"/>
+        <p14:creationId xmlns:p14="http://schemas.microsoft.com/office/powerpoint/2010/main" xmlns="" val="2132250628"/>
       </p:ext>
     </p:extLst>
   </p:cSld>
@@ -3775,7 +3800,7 @@
           <a:blip r:embed="rId2" cstate="print">
             <a:extLst>
               <a:ext uri="{28A0092B-C50C-407E-A947-70E740481C1C}">
-                <a14:useLocalDpi xmlns:a14="http://schemas.microsoft.com/office/drawing/2010/main" val="0"/>
+                <a14:useLocalDpi xmlns:a14="http://schemas.microsoft.com/office/drawing/2010/main" xmlns="" val="0"/>
               </a:ext>
             </a:extLst>
           </a:blip>
@@ -3793,7 +3818,7 @@
     </p:spTree>
     <p:extLst>
       <p:ext uri="{BB962C8B-B14F-4D97-AF65-F5344CB8AC3E}">
-        <p14:creationId xmlns:p14="http://schemas.microsoft.com/office/powerpoint/2010/main" val="1567769392"/>
+        <p14:creationId xmlns:p14="http://schemas.microsoft.com/office/powerpoint/2010/main" xmlns="" val="1567769392"/>
       </p:ext>
     </p:extLst>
   </p:cSld>
@@ -3807,6 +3832,114 @@
       </p:par>
     </p:tnLst>
   </p:timing>
+</p:sld>
+</file>
+
+<file path=ppt/slides/slide8.xml><?xml version="1.0" encoding="utf-8"?>
+<p:sld xmlns:a="http://schemas.openxmlformats.org/drawingml/2006/main" xmlns:r="http://schemas.openxmlformats.org/officeDocument/2006/relationships" xmlns:p="http://schemas.openxmlformats.org/presentationml/2006/main">
+  <p:cSld>
+    <p:spTree>
+      <p:nvGrpSpPr>
+        <p:cNvPr id="1" name=""/>
+        <p:cNvGrpSpPr/>
+        <p:nvPr/>
+      </p:nvGrpSpPr>
+      <p:grpSpPr>
+        <a:xfrm>
+          <a:off x="0" y="0"/>
+          <a:ext cx="0" cy="0"/>
+          <a:chOff x="0" y="0"/>
+          <a:chExt cx="0" cy="0"/>
+        </a:xfrm>
+      </p:grpSpPr>
+      <p:sp>
+        <p:nvSpPr>
+          <p:cNvPr id="2" name="Title 1"/>
+          <p:cNvSpPr>
+            <a:spLocks noGrp="1"/>
+          </p:cNvSpPr>
+          <p:nvPr>
+            <p:ph type="title"/>
+          </p:nvPr>
+        </p:nvSpPr>
+        <p:spPr/>
+        <p:txBody>
+          <a:bodyPr/>
+          <a:lstStyle/>
+          <a:p>
+            <a:r>
+              <a:rPr lang="en-US" dirty="0" smtClean="0"/>
+              <a:t>Server Control Center</a:t>
+            </a:r>
+            <a:endParaRPr lang="en-US" dirty="0"/>
+          </a:p>
+        </p:txBody>
+      </p:sp>
+      <p:sp>
+        <p:nvSpPr>
+          <p:cNvPr id="3" name="Content Placeholder 2"/>
+          <p:cNvSpPr>
+            <a:spLocks noGrp="1"/>
+          </p:cNvSpPr>
+          <p:nvPr>
+            <p:ph sz="half" idx="1"/>
+          </p:nvPr>
+        </p:nvSpPr>
+        <p:spPr>
+          <a:xfrm>
+            <a:off x="838200" y="1733266"/>
+            <a:ext cx="3938516" cy="4443697"/>
+          </a:xfrm>
+        </p:spPr>
+        <p:txBody>
+          <a:bodyPr/>
+          <a:lstStyle/>
+          <a:p>
+            <a:r>
+              <a:rPr lang="en-US" dirty="0" smtClean="0"/>
+              <a:t>Terminal command logs</a:t>
+            </a:r>
+          </a:p>
+          <a:p>
+            <a:r>
+              <a:rPr lang="en-US" dirty="0" smtClean="0"/>
+              <a:t>Chatting with your android phone</a:t>
+            </a:r>
+            <a:endParaRPr lang="en-US" dirty="0"/>
+          </a:p>
+        </p:txBody>
+      </p:sp>
+      <p:pic>
+        <p:nvPicPr>
+          <p:cNvPr id="1026" name="Picture 2" descr="C:\Users\Annie Wong\Desktop\Server2.png"/>
+          <p:cNvPicPr>
+            <a:picLocks noChangeAspect="1" noChangeArrowheads="1"/>
+          </p:cNvPicPr>
+          <p:nvPr/>
+        </p:nvPicPr>
+        <p:blipFill>
+          <a:blip r:embed="rId2" cstate="print"/>
+          <a:srcRect/>
+          <a:stretch>
+            <a:fillRect/>
+          </a:stretch>
+        </p:blipFill>
+        <p:spPr bwMode="auto">
+          <a:xfrm>
+            <a:off x="4984041" y="1596789"/>
+            <a:ext cx="6871824" cy="4640238"/>
+          </a:xfrm>
+          <a:prstGeom prst="rect">
+            <a:avLst/>
+          </a:prstGeom>
+          <a:noFill/>
+        </p:spPr>
+      </p:pic>
+    </p:spTree>
+  </p:cSld>
+  <p:clrMapOvr>
+    <a:masterClrMapping/>
+  </p:clrMapOvr>
 </p:sld>
 </file>
 
@@ -3853,7 +3986,7 @@
     </a:clrScheme>
     <a:fontScheme name="Office">
       <a:majorFont>
-        <a:latin typeface="Calibri Light" panose="020F0302020204030204"/>
+        <a:latin typeface="Calibri Light"/>
         <a:ea typeface=""/>
         <a:cs typeface=""/>
         <a:font script="Jpan" typeface="ＭＳ Ｐゴシック"/>
@@ -3888,7 +4021,7 @@
         <a:font script="Geor" typeface="Sylfaen"/>
       </a:majorFont>
       <a:minorFont>
-        <a:latin typeface="Calibri" panose="020F0502020204030204"/>
+        <a:latin typeface="Calibri"/>
         <a:ea typeface=""/>
         <a:cs typeface=""/>
         <a:font script="Jpan" typeface="ＭＳ Ｐゴシック"/>
@@ -4065,7 +4198,7 @@
   <a:extraClrSchemeLst/>
   <a:extLst>
     <a:ext uri="{05A4C25C-085E-4340-85A3-A5531E510DB2}">
-      <thm15:themeFamily xmlns:thm15="http://schemas.microsoft.com/office/thememl/2012/main" name="Office Theme" id="{62F939B6-93AF-4DB8-9C6B-D6C7DFDC589F}" vid="{4A3C46E8-61CC-4603-A589-7422A47A8E4A}"/>
+      <thm15:themeFamily xmlns:thm15="http://schemas.microsoft.com/office/thememl/2012/main" xmlns="" name="Office Theme" id="{62F939B6-93AF-4DB8-9C6B-D6C7DFDC589F}" vid="{4A3C46E8-61CC-4603-A589-7422A47A8E4A}"/>
     </a:ext>
   </a:extLst>
 </a:theme>

--- a/DataBridgePresentation.pptx
+++ b/DataBridgePresentation.pptx
@@ -13,6 +13,7 @@
     <p:sldId id="260" r:id="rId7"/>
     <p:sldId id="261" r:id="rId8"/>
     <p:sldId id="263" r:id="rId9"/>
+    <p:sldId id="264" r:id="rId10"/>
   </p:sldIdLst>
   <p:sldSz cx="12192000" cy="6858000"/>
   <p:notesSz cx="6858000" cy="9144000"/>
@@ -113,7 +114,7 @@
   </p:defaultTextStyle>
   <p:extLst>
     <p:ext uri="{EFAFB233-063F-42B5-8137-9DF3F51BA10A}">
-      <p15:sldGuideLst xmlns:p15="http://schemas.microsoft.com/office/powerpoint/2012/main" xmlns="">
+      <p15:sldGuideLst xmlns="" xmlns:p15="http://schemas.microsoft.com/office/powerpoint/2012/main">
         <p15:guide id="1" orient="horz" pos="2160">
           <p15:clr>
             <a:srgbClr val="A4A3A4"/>
@@ -314,7 +315,7 @@
     </p:spTree>
     <p:extLst>
       <p:ext uri="{BB962C8B-B14F-4D97-AF65-F5344CB8AC3E}">
-        <p14:creationId xmlns:p14="http://schemas.microsoft.com/office/powerpoint/2010/main" xmlns="" val="3535354416"/>
+        <p14:creationId xmlns="" xmlns:p14="http://schemas.microsoft.com/office/powerpoint/2010/main" val="3535354416"/>
       </p:ext>
     </p:extLst>
   </p:cSld>
@@ -486,7 +487,7 @@
     </p:spTree>
     <p:extLst>
       <p:ext uri="{BB962C8B-B14F-4D97-AF65-F5344CB8AC3E}">
-        <p14:creationId xmlns:p14="http://schemas.microsoft.com/office/powerpoint/2010/main" xmlns="" val="3976073012"/>
+        <p14:creationId xmlns="" xmlns:p14="http://schemas.microsoft.com/office/powerpoint/2010/main" val="3976073012"/>
       </p:ext>
     </p:extLst>
   </p:cSld>
@@ -668,7 +669,7 @@
     </p:spTree>
     <p:extLst>
       <p:ext uri="{BB962C8B-B14F-4D97-AF65-F5344CB8AC3E}">
-        <p14:creationId xmlns:p14="http://schemas.microsoft.com/office/powerpoint/2010/main" xmlns="" val="278890098"/>
+        <p14:creationId xmlns="" xmlns:p14="http://schemas.microsoft.com/office/powerpoint/2010/main" val="278890098"/>
       </p:ext>
     </p:extLst>
   </p:cSld>
@@ -840,7 +841,7 @@
     </p:spTree>
     <p:extLst>
       <p:ext uri="{BB962C8B-B14F-4D97-AF65-F5344CB8AC3E}">
-        <p14:creationId xmlns:p14="http://schemas.microsoft.com/office/powerpoint/2010/main" xmlns="" val="869121869"/>
+        <p14:creationId xmlns="" xmlns:p14="http://schemas.microsoft.com/office/powerpoint/2010/main" val="869121869"/>
       </p:ext>
     </p:extLst>
   </p:cSld>
@@ -1088,7 +1089,7 @@
     </p:spTree>
     <p:extLst>
       <p:ext uri="{BB962C8B-B14F-4D97-AF65-F5344CB8AC3E}">
-        <p14:creationId xmlns:p14="http://schemas.microsoft.com/office/powerpoint/2010/main" xmlns="" val="4106276498"/>
+        <p14:creationId xmlns="" xmlns:p14="http://schemas.microsoft.com/office/powerpoint/2010/main" val="4106276498"/>
       </p:ext>
     </p:extLst>
   </p:cSld>
@@ -1322,7 +1323,7 @@
     </p:spTree>
     <p:extLst>
       <p:ext uri="{BB962C8B-B14F-4D97-AF65-F5344CB8AC3E}">
-        <p14:creationId xmlns:p14="http://schemas.microsoft.com/office/powerpoint/2010/main" xmlns="" val="1050142482"/>
+        <p14:creationId xmlns="" xmlns:p14="http://schemas.microsoft.com/office/powerpoint/2010/main" val="1050142482"/>
       </p:ext>
     </p:extLst>
   </p:cSld>
@@ -1691,7 +1692,7 @@
     </p:spTree>
     <p:extLst>
       <p:ext uri="{BB962C8B-B14F-4D97-AF65-F5344CB8AC3E}">
-        <p14:creationId xmlns:p14="http://schemas.microsoft.com/office/powerpoint/2010/main" xmlns="" val="732675160"/>
+        <p14:creationId xmlns="" xmlns:p14="http://schemas.microsoft.com/office/powerpoint/2010/main" val="732675160"/>
       </p:ext>
     </p:extLst>
   </p:cSld>
@@ -1811,7 +1812,7 @@
     </p:spTree>
     <p:extLst>
       <p:ext uri="{BB962C8B-B14F-4D97-AF65-F5344CB8AC3E}">
-        <p14:creationId xmlns:p14="http://schemas.microsoft.com/office/powerpoint/2010/main" xmlns="" val="1933049676"/>
+        <p14:creationId xmlns="" xmlns:p14="http://schemas.microsoft.com/office/powerpoint/2010/main" val="1933049676"/>
       </p:ext>
     </p:extLst>
   </p:cSld>
@@ -1908,7 +1909,7 @@
     </p:spTree>
     <p:extLst>
       <p:ext uri="{BB962C8B-B14F-4D97-AF65-F5344CB8AC3E}">
-        <p14:creationId xmlns:p14="http://schemas.microsoft.com/office/powerpoint/2010/main" xmlns="" val="154065328"/>
+        <p14:creationId xmlns="" xmlns:p14="http://schemas.microsoft.com/office/powerpoint/2010/main" val="154065328"/>
       </p:ext>
     </p:extLst>
   </p:cSld>
@@ -2187,7 +2188,7 @@
     </p:spTree>
     <p:extLst>
       <p:ext uri="{BB962C8B-B14F-4D97-AF65-F5344CB8AC3E}">
-        <p14:creationId xmlns:p14="http://schemas.microsoft.com/office/powerpoint/2010/main" xmlns="" val="2360534092"/>
+        <p14:creationId xmlns="" xmlns:p14="http://schemas.microsoft.com/office/powerpoint/2010/main" val="2360534092"/>
       </p:ext>
     </p:extLst>
   </p:cSld>
@@ -2442,7 +2443,7 @@
     </p:spTree>
     <p:extLst>
       <p:ext uri="{BB962C8B-B14F-4D97-AF65-F5344CB8AC3E}">
-        <p14:creationId xmlns:p14="http://schemas.microsoft.com/office/powerpoint/2010/main" xmlns="" val="1842929531"/>
+        <p14:creationId xmlns="" xmlns:p14="http://schemas.microsoft.com/office/powerpoint/2010/main" val="1842929531"/>
       </p:ext>
     </p:extLst>
   </p:cSld>
@@ -2693,7 +2694,7 @@
     </p:spTree>
     <p:extLst>
       <p:ext uri="{BB962C8B-B14F-4D97-AF65-F5344CB8AC3E}">
-        <p14:creationId xmlns:p14="http://schemas.microsoft.com/office/powerpoint/2010/main" xmlns="" val="4222296200"/>
+        <p14:creationId xmlns="" xmlns:p14="http://schemas.microsoft.com/office/powerpoint/2010/main" val="4222296200"/>
       </p:ext>
     </p:extLst>
   </p:cSld>
@@ -3075,7 +3076,7 @@
     </p:spTree>
     <p:extLst>
       <p:ext uri="{BB962C8B-B14F-4D97-AF65-F5344CB8AC3E}">
-        <p14:creationId xmlns:p14="http://schemas.microsoft.com/office/powerpoint/2010/main" xmlns="" val="2018534654"/>
+        <p14:creationId xmlns="" xmlns:p14="http://schemas.microsoft.com/office/powerpoint/2010/main" val="2018534654"/>
       </p:ext>
     </p:extLst>
   </p:cSld>
@@ -3185,7 +3186,7 @@
     </p:spTree>
     <p:extLst>
       <p:ext uri="{BB962C8B-B14F-4D97-AF65-F5344CB8AC3E}">
-        <p14:creationId xmlns:p14="http://schemas.microsoft.com/office/powerpoint/2010/main" xmlns="" val="1346543847"/>
+        <p14:creationId xmlns="" xmlns:p14="http://schemas.microsoft.com/office/powerpoint/2010/main" val="1346543847"/>
       </p:ext>
     </p:extLst>
   </p:cSld>
@@ -3294,7 +3295,7 @@
     </p:spTree>
     <p:extLst>
       <p:ext uri="{BB962C8B-B14F-4D97-AF65-F5344CB8AC3E}">
-        <p14:creationId xmlns:p14="http://schemas.microsoft.com/office/powerpoint/2010/main" xmlns="" val="4198086196"/>
+        <p14:creationId xmlns="" xmlns:p14="http://schemas.microsoft.com/office/powerpoint/2010/main" val="4198086196"/>
       </p:ext>
     </p:extLst>
   </p:cSld>
@@ -3388,7 +3389,7 @@
           <a:blip r:embed="rId2" cstate="print">
             <a:extLst>
               <a:ext uri="{28A0092B-C50C-407E-A947-70E740481C1C}">
-                <a14:useLocalDpi xmlns:a14="http://schemas.microsoft.com/office/drawing/2010/main" xmlns="" val="0"/>
+                <a14:useLocalDpi xmlns="" xmlns:a14="http://schemas.microsoft.com/office/drawing/2010/main" val="0"/>
               </a:ext>
             </a:extLst>
           </a:blip>
@@ -3406,7 +3407,7 @@
     </p:spTree>
     <p:extLst>
       <p:ext uri="{BB962C8B-B14F-4D97-AF65-F5344CB8AC3E}">
-        <p14:creationId xmlns:p14="http://schemas.microsoft.com/office/powerpoint/2010/main" xmlns="" val="1150150330"/>
+        <p14:creationId xmlns="" xmlns:p14="http://schemas.microsoft.com/office/powerpoint/2010/main" val="1150150330"/>
       </p:ext>
     </p:extLst>
   </p:cSld>
@@ -3507,7 +3508,7 @@
           <a:blip r:embed="rId2" cstate="print">
             <a:extLst>
               <a:ext uri="{28A0092B-C50C-407E-A947-70E740481C1C}">
-                <a14:useLocalDpi xmlns:a14="http://schemas.microsoft.com/office/drawing/2010/main" xmlns="" val="0"/>
+                <a14:useLocalDpi xmlns="" xmlns:a14="http://schemas.microsoft.com/office/drawing/2010/main" val="0"/>
               </a:ext>
             </a:extLst>
           </a:blip>
@@ -3549,7 +3550,7 @@
     </p:spTree>
     <p:extLst>
       <p:ext uri="{BB962C8B-B14F-4D97-AF65-F5344CB8AC3E}">
-        <p14:creationId xmlns:p14="http://schemas.microsoft.com/office/powerpoint/2010/main" xmlns="" val="2750992887"/>
+        <p14:creationId xmlns="" xmlns:p14="http://schemas.microsoft.com/office/powerpoint/2010/main" val="2750992887"/>
       </p:ext>
     </p:extLst>
   </p:cSld>
@@ -3643,7 +3644,7 @@
           <a:blip r:embed="rId2" cstate="print">
             <a:extLst>
               <a:ext uri="{28A0092B-C50C-407E-A947-70E740481C1C}">
-                <a14:useLocalDpi xmlns:a14="http://schemas.microsoft.com/office/drawing/2010/main" xmlns="" val="0"/>
+                <a14:useLocalDpi xmlns="" xmlns:a14="http://schemas.microsoft.com/office/drawing/2010/main" val="0"/>
               </a:ext>
             </a:extLst>
           </a:blip>
@@ -3685,7 +3686,7 @@
     </p:spTree>
     <p:extLst>
       <p:ext uri="{BB962C8B-B14F-4D97-AF65-F5344CB8AC3E}">
-        <p14:creationId xmlns:p14="http://schemas.microsoft.com/office/powerpoint/2010/main" xmlns="" val="2132250628"/>
+        <p14:creationId xmlns="" xmlns:p14="http://schemas.microsoft.com/office/powerpoint/2010/main" val="2132250628"/>
       </p:ext>
     </p:extLst>
   </p:cSld>
@@ -3800,7 +3801,7 @@
           <a:blip r:embed="rId2" cstate="print">
             <a:extLst>
               <a:ext uri="{28A0092B-C50C-407E-A947-70E740481C1C}">
-                <a14:useLocalDpi xmlns:a14="http://schemas.microsoft.com/office/drawing/2010/main" xmlns="" val="0"/>
+                <a14:useLocalDpi xmlns="" xmlns:a14="http://schemas.microsoft.com/office/drawing/2010/main" val="0"/>
               </a:ext>
             </a:extLst>
           </a:blip>
@@ -3818,7 +3819,7 @@
     </p:spTree>
     <p:extLst>
       <p:ext uri="{BB962C8B-B14F-4D97-AF65-F5344CB8AC3E}">
-        <p14:creationId xmlns:p14="http://schemas.microsoft.com/office/powerpoint/2010/main" xmlns="" val="1567769392"/>
+        <p14:creationId xmlns="" xmlns:p14="http://schemas.microsoft.com/office/powerpoint/2010/main" val="1567769392"/>
       </p:ext>
     </p:extLst>
   </p:cSld>
@@ -3935,6 +3936,205 @@
           <a:noFill/>
         </p:spPr>
       </p:pic>
+    </p:spTree>
+  </p:cSld>
+  <p:clrMapOvr>
+    <a:masterClrMapping/>
+  </p:clrMapOvr>
+</p:sld>
+</file>
+
+<file path=ppt/slides/slide9.xml><?xml version="1.0" encoding="utf-8"?>
+<p:sld xmlns:a="http://schemas.openxmlformats.org/drawingml/2006/main" xmlns:r="http://schemas.openxmlformats.org/officeDocument/2006/relationships" xmlns:p="http://schemas.openxmlformats.org/presentationml/2006/main">
+  <p:cSld>
+    <p:spTree>
+      <p:nvGrpSpPr>
+        <p:cNvPr id="1" name=""/>
+        <p:cNvGrpSpPr/>
+        <p:nvPr/>
+      </p:nvGrpSpPr>
+      <p:grpSpPr>
+        <a:xfrm>
+          <a:off x="0" y="0"/>
+          <a:ext cx="0" cy="0"/>
+          <a:chOff x="0" y="0"/>
+          <a:chExt cx="0" cy="0"/>
+        </a:xfrm>
+      </p:grpSpPr>
+      <p:sp>
+        <p:nvSpPr>
+          <p:cNvPr id="2" name="Title 1"/>
+          <p:cNvSpPr>
+            <a:spLocks noGrp="1"/>
+          </p:cNvSpPr>
+          <p:nvPr>
+            <p:ph type="title"/>
+          </p:nvPr>
+        </p:nvSpPr>
+        <p:spPr/>
+        <p:txBody>
+          <a:bodyPr/>
+          <a:lstStyle/>
+          <a:p>
+            <a:r>
+              <a:rPr lang="en-US" dirty="0" err="1" smtClean="0"/>
+              <a:t>GitHubs</a:t>
+            </a:r>
+            <a:endParaRPr lang="en-US" dirty="0"/>
+          </a:p>
+        </p:txBody>
+      </p:sp>
+      <p:sp>
+        <p:nvSpPr>
+          <p:cNvPr id="3" name="Content Placeholder 2"/>
+          <p:cNvSpPr>
+            <a:spLocks noGrp="1"/>
+          </p:cNvSpPr>
+          <p:nvPr>
+            <p:ph sz="half" idx="1"/>
+          </p:nvPr>
+        </p:nvSpPr>
+        <p:spPr>
+          <a:xfrm>
+            <a:off x="838199" y="1825625"/>
+            <a:ext cx="10161897" cy="4351338"/>
+          </a:xfrm>
+        </p:spPr>
+        <p:txBody>
+          <a:bodyPr/>
+          <a:lstStyle/>
+          <a:p>
+            <a:pPr marL="514350" indent="-514350">
+              <a:buAutoNum type="arabicPeriod"/>
+            </a:pPr>
+            <a:r>
+              <a:rPr lang="en-US" dirty="0" smtClean="0">
+                <a:hlinkClick r:id="rId2"/>
+              </a:rPr>
+              <a:t>https</a:t>
+            </a:r>
+            <a:r>
+              <a:rPr lang="en-US" dirty="0" smtClean="0">
+                <a:hlinkClick r:id="rId2"/>
+              </a:rPr>
+              <a:t>://</a:t>
+            </a:r>
+            <a:r>
+              <a:rPr lang="en-US" dirty="0" smtClean="0">
+                <a:hlinkClick r:id="rId2"/>
+              </a:rPr>
+              <a:t>github.com/rferrance/DataBridge</a:t>
+            </a:r>
+            <a:endParaRPr lang="en-US" dirty="0" smtClean="0"/>
+          </a:p>
+          <a:p>
+            <a:pPr marL="971550" lvl="1" indent="-514350"/>
+            <a:r>
+              <a:rPr lang="en-US" dirty="0" smtClean="0"/>
+              <a:t>Final Application Repo</a:t>
+            </a:r>
+          </a:p>
+          <a:p>
+            <a:pPr marL="514350" indent="-514350">
+              <a:buAutoNum type="arabicPeriod"/>
+            </a:pPr>
+            <a:r>
+              <a:rPr lang="en-US" dirty="0" smtClean="0">
+                <a:hlinkClick r:id="rId3"/>
+              </a:rPr>
+              <a:t>https://</a:t>
+            </a:r>
+            <a:r>
+              <a:rPr lang="en-US" dirty="0" smtClean="0">
+                <a:hlinkClick r:id="rId3"/>
+              </a:rPr>
+              <a:t>github.com/castlebravo/DataBridgeServer</a:t>
+            </a:r>
+            <a:endParaRPr lang="en-US" dirty="0" smtClean="0"/>
+          </a:p>
+          <a:p>
+            <a:pPr marL="971550" lvl="1" indent="-514350"/>
+            <a:r>
+              <a:rPr lang="en-US" dirty="0" smtClean="0"/>
+              <a:t>Final Server Repo</a:t>
+            </a:r>
+          </a:p>
+          <a:p>
+            <a:pPr marL="514350" indent="-514350">
+              <a:buAutoNum type="arabicPeriod"/>
+            </a:pPr>
+            <a:r>
+              <a:rPr lang="en-US" dirty="0" smtClean="0">
+                <a:solidFill>
+                  <a:schemeClr val="bg2">
+                    <a:lumMod val="50000"/>
+                  </a:schemeClr>
+                </a:solidFill>
+                <a:hlinkClick r:id="rId4"/>
+              </a:rPr>
+              <a:t>https</a:t>
+            </a:r>
+            <a:r>
+              <a:rPr lang="en-US" dirty="0" smtClean="0">
+                <a:solidFill>
+                  <a:schemeClr val="bg2">
+                    <a:lumMod val="50000"/>
+                  </a:schemeClr>
+                </a:solidFill>
+                <a:hlinkClick r:id="rId4"/>
+              </a:rPr>
+              <a:t>://</a:t>
+            </a:r>
+            <a:r>
+              <a:rPr lang="en-US" dirty="0" smtClean="0">
+                <a:solidFill>
+                  <a:schemeClr val="bg2">
+                    <a:lumMod val="50000"/>
+                  </a:schemeClr>
+                </a:solidFill>
+                <a:hlinkClick r:id="rId4"/>
+              </a:rPr>
+              <a:t>github.com/aywong/finalServer</a:t>
+            </a:r>
+            <a:endParaRPr lang="en-US" dirty="0" smtClean="0">
+              <a:solidFill>
+                <a:schemeClr val="bg2">
+                  <a:lumMod val="50000"/>
+                </a:schemeClr>
+              </a:solidFill>
+            </a:endParaRPr>
+          </a:p>
+          <a:p>
+            <a:pPr marL="971550" lvl="1" indent="-514350"/>
+            <a:r>
+              <a:rPr lang="en-US" smtClean="0">
+                <a:solidFill>
+                  <a:schemeClr val="bg2">
+                    <a:lumMod val="50000"/>
+                  </a:schemeClr>
+                </a:solidFill>
+              </a:rPr>
+              <a:t>Working repo, </a:t>
+            </a:r>
+            <a:r>
+              <a:rPr lang="en-US" dirty="0" smtClean="0">
+                <a:solidFill>
+                  <a:schemeClr val="bg2">
+                    <a:lumMod val="50000"/>
+                  </a:schemeClr>
+                </a:solidFill>
+              </a:rPr>
+              <a:t>not final</a:t>
+            </a:r>
+          </a:p>
+          <a:p>
+            <a:pPr>
+              <a:buNone/>
+            </a:pPr>
+            <a:endParaRPr lang="en-US" dirty="0"/>
+          </a:p>
+        </p:txBody>
+      </p:sp>
     </p:spTree>
   </p:cSld>
   <p:clrMapOvr>
@@ -4198,7 +4398,7 @@
   <a:extraClrSchemeLst/>
   <a:extLst>
     <a:ext uri="{05A4C25C-085E-4340-85A3-A5531E510DB2}">
-      <thm15:themeFamily xmlns:thm15="http://schemas.microsoft.com/office/thememl/2012/main" xmlns="" name="Office Theme" id="{62F939B6-93AF-4DB8-9C6B-D6C7DFDC589F}" vid="{4A3C46E8-61CC-4603-A589-7422A47A8E4A}"/>
+      <thm15:themeFamily xmlns="" xmlns:thm15="http://schemas.microsoft.com/office/thememl/2012/main" name="Office Theme" id="{62F939B6-93AF-4DB8-9C6B-D6C7DFDC589F}" vid="{4A3C46E8-61CC-4603-A589-7422A47A8E4A}"/>
     </a:ext>
   </a:extLst>
 </a:theme>

--- a/DataBridgePresentation.pptx
+++ b/DataBridgePresentation.pptx
@@ -14,6 +14,7 @@
     <p:sldId id="261" r:id="rId8"/>
     <p:sldId id="263" r:id="rId9"/>
     <p:sldId id="264" r:id="rId10"/>
+    <p:sldId id="265" r:id="rId11"/>
   </p:sldIdLst>
   <p:sldSz cx="12192000" cy="6858000"/>
   <p:notesSz cx="6858000" cy="9144000"/>
@@ -114,7 +115,7 @@
   </p:defaultTextStyle>
   <p:extLst>
     <p:ext uri="{EFAFB233-063F-42B5-8137-9DF3F51BA10A}">
-      <p15:sldGuideLst xmlns="" xmlns:p15="http://schemas.microsoft.com/office/powerpoint/2012/main">
+      <p15:sldGuideLst xmlns:p15="http://schemas.microsoft.com/office/powerpoint/2012/main">
         <p15:guide id="1" orient="horz" pos="2160">
           <p15:clr>
             <a:srgbClr val="A4A3A4"/>
@@ -315,7 +316,7 @@
     </p:spTree>
     <p:extLst>
       <p:ext uri="{BB962C8B-B14F-4D97-AF65-F5344CB8AC3E}">
-        <p14:creationId xmlns="" xmlns:p14="http://schemas.microsoft.com/office/powerpoint/2010/main" val="3535354416"/>
+        <p14:creationId xmlns:p14="http://schemas.microsoft.com/office/powerpoint/2010/main" val="3535354416"/>
       </p:ext>
     </p:extLst>
   </p:cSld>
@@ -487,7 +488,7 @@
     </p:spTree>
     <p:extLst>
       <p:ext uri="{BB962C8B-B14F-4D97-AF65-F5344CB8AC3E}">
-        <p14:creationId xmlns="" xmlns:p14="http://schemas.microsoft.com/office/powerpoint/2010/main" val="3976073012"/>
+        <p14:creationId xmlns:p14="http://schemas.microsoft.com/office/powerpoint/2010/main" val="3976073012"/>
       </p:ext>
     </p:extLst>
   </p:cSld>
@@ -669,7 +670,7 @@
     </p:spTree>
     <p:extLst>
       <p:ext uri="{BB962C8B-B14F-4D97-AF65-F5344CB8AC3E}">
-        <p14:creationId xmlns="" xmlns:p14="http://schemas.microsoft.com/office/powerpoint/2010/main" val="278890098"/>
+        <p14:creationId xmlns:p14="http://schemas.microsoft.com/office/powerpoint/2010/main" val="278890098"/>
       </p:ext>
     </p:extLst>
   </p:cSld>
@@ -841,7 +842,7 @@
     </p:spTree>
     <p:extLst>
       <p:ext uri="{BB962C8B-B14F-4D97-AF65-F5344CB8AC3E}">
-        <p14:creationId xmlns="" xmlns:p14="http://schemas.microsoft.com/office/powerpoint/2010/main" val="869121869"/>
+        <p14:creationId xmlns:p14="http://schemas.microsoft.com/office/powerpoint/2010/main" val="869121869"/>
       </p:ext>
     </p:extLst>
   </p:cSld>
@@ -1089,7 +1090,7 @@
     </p:spTree>
     <p:extLst>
       <p:ext uri="{BB962C8B-B14F-4D97-AF65-F5344CB8AC3E}">
-        <p14:creationId xmlns="" xmlns:p14="http://schemas.microsoft.com/office/powerpoint/2010/main" val="4106276498"/>
+        <p14:creationId xmlns:p14="http://schemas.microsoft.com/office/powerpoint/2010/main" val="4106276498"/>
       </p:ext>
     </p:extLst>
   </p:cSld>
@@ -1323,7 +1324,7 @@
     </p:spTree>
     <p:extLst>
       <p:ext uri="{BB962C8B-B14F-4D97-AF65-F5344CB8AC3E}">
-        <p14:creationId xmlns="" xmlns:p14="http://schemas.microsoft.com/office/powerpoint/2010/main" val="1050142482"/>
+        <p14:creationId xmlns:p14="http://schemas.microsoft.com/office/powerpoint/2010/main" val="1050142482"/>
       </p:ext>
     </p:extLst>
   </p:cSld>
@@ -1692,7 +1693,7 @@
     </p:spTree>
     <p:extLst>
       <p:ext uri="{BB962C8B-B14F-4D97-AF65-F5344CB8AC3E}">
-        <p14:creationId xmlns="" xmlns:p14="http://schemas.microsoft.com/office/powerpoint/2010/main" val="732675160"/>
+        <p14:creationId xmlns:p14="http://schemas.microsoft.com/office/powerpoint/2010/main" val="732675160"/>
       </p:ext>
     </p:extLst>
   </p:cSld>
@@ -1812,7 +1813,7 @@
     </p:spTree>
     <p:extLst>
       <p:ext uri="{BB962C8B-B14F-4D97-AF65-F5344CB8AC3E}">
-        <p14:creationId xmlns="" xmlns:p14="http://schemas.microsoft.com/office/powerpoint/2010/main" val="1933049676"/>
+        <p14:creationId xmlns:p14="http://schemas.microsoft.com/office/powerpoint/2010/main" val="1933049676"/>
       </p:ext>
     </p:extLst>
   </p:cSld>
@@ -1909,7 +1910,7 @@
     </p:spTree>
     <p:extLst>
       <p:ext uri="{BB962C8B-B14F-4D97-AF65-F5344CB8AC3E}">
-        <p14:creationId xmlns="" xmlns:p14="http://schemas.microsoft.com/office/powerpoint/2010/main" val="154065328"/>
+        <p14:creationId xmlns:p14="http://schemas.microsoft.com/office/powerpoint/2010/main" val="154065328"/>
       </p:ext>
     </p:extLst>
   </p:cSld>
@@ -2188,7 +2189,7 @@
     </p:spTree>
     <p:extLst>
       <p:ext uri="{BB962C8B-B14F-4D97-AF65-F5344CB8AC3E}">
-        <p14:creationId xmlns="" xmlns:p14="http://schemas.microsoft.com/office/powerpoint/2010/main" val="2360534092"/>
+        <p14:creationId xmlns:p14="http://schemas.microsoft.com/office/powerpoint/2010/main" val="2360534092"/>
       </p:ext>
     </p:extLst>
   </p:cSld>
@@ -2443,7 +2444,7 @@
     </p:spTree>
     <p:extLst>
       <p:ext uri="{BB962C8B-B14F-4D97-AF65-F5344CB8AC3E}">
-        <p14:creationId xmlns="" xmlns:p14="http://schemas.microsoft.com/office/powerpoint/2010/main" val="1842929531"/>
+        <p14:creationId xmlns:p14="http://schemas.microsoft.com/office/powerpoint/2010/main" val="1842929531"/>
       </p:ext>
     </p:extLst>
   </p:cSld>
@@ -2694,7 +2695,7 @@
     </p:spTree>
     <p:extLst>
       <p:ext uri="{BB962C8B-B14F-4D97-AF65-F5344CB8AC3E}">
-        <p14:creationId xmlns="" xmlns:p14="http://schemas.microsoft.com/office/powerpoint/2010/main" val="4222296200"/>
+        <p14:creationId xmlns:p14="http://schemas.microsoft.com/office/powerpoint/2010/main" val="4222296200"/>
       </p:ext>
     </p:extLst>
   </p:cSld>
@@ -3076,7 +3077,7 @@
     </p:spTree>
     <p:extLst>
       <p:ext uri="{BB962C8B-B14F-4D97-AF65-F5344CB8AC3E}">
-        <p14:creationId xmlns="" xmlns:p14="http://schemas.microsoft.com/office/powerpoint/2010/main" val="2018534654"/>
+        <p14:creationId xmlns:p14="http://schemas.microsoft.com/office/powerpoint/2010/main" val="2018534654"/>
       </p:ext>
     </p:extLst>
   </p:cSld>
@@ -3090,6 +3091,78 @@
       </p:par>
     </p:tnLst>
   </p:timing>
+</p:sld>
+</file>
+
+<file path=ppt/slides/slide10.xml><?xml version="1.0" encoding="utf-8"?>
+<p:sld xmlns:a="http://schemas.openxmlformats.org/drawingml/2006/main" xmlns:r="http://schemas.openxmlformats.org/officeDocument/2006/relationships" xmlns:p="http://schemas.openxmlformats.org/presentationml/2006/main">
+  <p:cSld>
+    <p:spTree>
+      <p:nvGrpSpPr>
+        <p:cNvPr id="1" name=""/>
+        <p:cNvGrpSpPr/>
+        <p:nvPr/>
+      </p:nvGrpSpPr>
+      <p:grpSpPr>
+        <a:xfrm>
+          <a:off x="0" y="0"/>
+          <a:ext cx="0" cy="0"/>
+          <a:chOff x="0" y="0"/>
+          <a:chExt cx="0" cy="0"/>
+        </a:xfrm>
+      </p:grpSpPr>
+      <p:sp>
+        <p:nvSpPr>
+          <p:cNvPr id="5" name="Title 4"/>
+          <p:cNvSpPr>
+            <a:spLocks noGrp="1"/>
+          </p:cNvSpPr>
+          <p:nvPr>
+            <p:ph type="ctrTitle"/>
+          </p:nvPr>
+        </p:nvSpPr>
+        <p:spPr/>
+        <p:txBody>
+          <a:bodyPr/>
+          <a:lstStyle/>
+          <a:p>
+            <a:r>
+              <a:rPr lang="en-US" smtClean="0"/>
+              <a:t>Questions?</a:t>
+            </a:r>
+            <a:endParaRPr lang="en-US"/>
+          </a:p>
+        </p:txBody>
+      </p:sp>
+      <p:sp>
+        <p:nvSpPr>
+          <p:cNvPr id="6" name="Subtitle 5"/>
+          <p:cNvSpPr>
+            <a:spLocks noGrp="1"/>
+          </p:cNvSpPr>
+          <p:nvPr>
+            <p:ph type="subTitle" idx="1"/>
+          </p:nvPr>
+        </p:nvSpPr>
+        <p:spPr/>
+        <p:txBody>
+          <a:bodyPr/>
+          <a:lstStyle/>
+          <a:p>
+            <a:endParaRPr lang="en-US"/>
+          </a:p>
+        </p:txBody>
+      </p:sp>
+    </p:spTree>
+    <p:extLst>
+      <p:ext uri="{BB962C8B-B14F-4D97-AF65-F5344CB8AC3E}">
+        <p14:creationId xmlns:p14="http://schemas.microsoft.com/office/powerpoint/2010/main" val="2655071220"/>
+      </p:ext>
+    </p:extLst>
+  </p:cSld>
+  <p:clrMapOvr>
+    <a:masterClrMapping/>
+  </p:clrMapOvr>
 </p:sld>
 </file>
 
@@ -3186,7 +3259,7 @@
     </p:spTree>
     <p:extLst>
       <p:ext uri="{BB962C8B-B14F-4D97-AF65-F5344CB8AC3E}">
-        <p14:creationId xmlns="" xmlns:p14="http://schemas.microsoft.com/office/powerpoint/2010/main" val="1346543847"/>
+        <p14:creationId xmlns:p14="http://schemas.microsoft.com/office/powerpoint/2010/main" val="1346543847"/>
       </p:ext>
     </p:extLst>
   </p:cSld>
@@ -3295,7 +3368,7 @@
     </p:spTree>
     <p:extLst>
       <p:ext uri="{BB962C8B-B14F-4D97-AF65-F5344CB8AC3E}">
-        <p14:creationId xmlns="" xmlns:p14="http://schemas.microsoft.com/office/powerpoint/2010/main" val="4198086196"/>
+        <p14:creationId xmlns:p14="http://schemas.microsoft.com/office/powerpoint/2010/main" val="4198086196"/>
       </p:ext>
     </p:extLst>
   </p:cSld>
@@ -3389,7 +3462,7 @@
           <a:blip r:embed="rId2" cstate="print">
             <a:extLst>
               <a:ext uri="{28A0092B-C50C-407E-A947-70E740481C1C}">
-                <a14:useLocalDpi xmlns="" xmlns:a14="http://schemas.microsoft.com/office/drawing/2010/main" val="0"/>
+                <a14:useLocalDpi xmlns:a14="http://schemas.microsoft.com/office/drawing/2010/main" val="0"/>
               </a:ext>
             </a:extLst>
           </a:blip>
@@ -3407,7 +3480,7 @@
     </p:spTree>
     <p:extLst>
       <p:ext uri="{BB962C8B-B14F-4D97-AF65-F5344CB8AC3E}">
-        <p14:creationId xmlns="" xmlns:p14="http://schemas.microsoft.com/office/powerpoint/2010/main" val="1150150330"/>
+        <p14:creationId xmlns:p14="http://schemas.microsoft.com/office/powerpoint/2010/main" val="1150150330"/>
       </p:ext>
     </p:extLst>
   </p:cSld>
@@ -3508,7 +3581,7 @@
           <a:blip r:embed="rId2" cstate="print">
             <a:extLst>
               <a:ext uri="{28A0092B-C50C-407E-A947-70E740481C1C}">
-                <a14:useLocalDpi xmlns="" xmlns:a14="http://schemas.microsoft.com/office/drawing/2010/main" val="0"/>
+                <a14:useLocalDpi xmlns:a14="http://schemas.microsoft.com/office/drawing/2010/main" val="0"/>
               </a:ext>
             </a:extLst>
           </a:blip>
@@ -3550,7 +3623,7 @@
     </p:spTree>
     <p:extLst>
       <p:ext uri="{BB962C8B-B14F-4D97-AF65-F5344CB8AC3E}">
-        <p14:creationId xmlns="" xmlns:p14="http://schemas.microsoft.com/office/powerpoint/2010/main" val="2750992887"/>
+        <p14:creationId xmlns:p14="http://schemas.microsoft.com/office/powerpoint/2010/main" val="2750992887"/>
       </p:ext>
     </p:extLst>
   </p:cSld>
@@ -3644,7 +3717,7 @@
           <a:blip r:embed="rId2" cstate="print">
             <a:extLst>
               <a:ext uri="{28A0092B-C50C-407E-A947-70E740481C1C}">
-                <a14:useLocalDpi xmlns="" xmlns:a14="http://schemas.microsoft.com/office/drawing/2010/main" val="0"/>
+                <a14:useLocalDpi xmlns:a14="http://schemas.microsoft.com/office/drawing/2010/main" val="0"/>
               </a:ext>
             </a:extLst>
           </a:blip>
@@ -3686,7 +3759,7 @@
     </p:spTree>
     <p:extLst>
       <p:ext uri="{BB962C8B-B14F-4D97-AF65-F5344CB8AC3E}">
-        <p14:creationId xmlns="" xmlns:p14="http://schemas.microsoft.com/office/powerpoint/2010/main" val="2132250628"/>
+        <p14:creationId xmlns:p14="http://schemas.microsoft.com/office/powerpoint/2010/main" val="2132250628"/>
       </p:ext>
     </p:extLst>
   </p:cSld>
@@ -3801,7 +3874,7 @@
           <a:blip r:embed="rId2" cstate="print">
             <a:extLst>
               <a:ext uri="{28A0092B-C50C-407E-A947-70E740481C1C}">
-                <a14:useLocalDpi xmlns="" xmlns:a14="http://schemas.microsoft.com/office/drawing/2010/main" val="0"/>
+                <a14:useLocalDpi xmlns:a14="http://schemas.microsoft.com/office/drawing/2010/main" val="0"/>
               </a:ext>
             </a:extLst>
           </a:blip>
@@ -3819,7 +3892,7 @@
     </p:spTree>
     <p:extLst>
       <p:ext uri="{BB962C8B-B14F-4D97-AF65-F5344CB8AC3E}">
-        <p14:creationId xmlns="" xmlns:p14="http://schemas.microsoft.com/office/powerpoint/2010/main" val="1567769392"/>
+        <p14:creationId xmlns:p14="http://schemas.microsoft.com/office/powerpoint/2010/main" val="1567769392"/>
       </p:ext>
     </p:extLst>
   </p:cSld>
@@ -4011,19 +4084,7 @@
               <a:rPr lang="en-US" dirty="0" smtClean="0">
                 <a:hlinkClick r:id="rId2"/>
               </a:rPr>
-              <a:t>https</a:t>
-            </a:r>
-            <a:r>
-              <a:rPr lang="en-US" dirty="0" smtClean="0">
-                <a:hlinkClick r:id="rId2"/>
-              </a:rPr>
-              <a:t>://</a:t>
-            </a:r>
-            <a:r>
-              <a:rPr lang="en-US" dirty="0" smtClean="0">
-                <a:hlinkClick r:id="rId2"/>
-              </a:rPr>
-              <a:t>github.com/rferrance/DataBridge</a:t>
+              <a:t>https://github.com/rferrance/DataBridge</a:t>
             </a:r>
             <a:endParaRPr lang="en-US" dirty="0" smtClean="0"/>
           </a:p>
@@ -4042,13 +4103,7 @@
               <a:rPr lang="en-US" dirty="0" smtClean="0">
                 <a:hlinkClick r:id="rId3"/>
               </a:rPr>
-              <a:t>https://</a:t>
-            </a:r>
-            <a:r>
-              <a:rPr lang="en-US" dirty="0" smtClean="0">
-                <a:hlinkClick r:id="rId3"/>
-              </a:rPr>
-              <a:t>github.com/castlebravo/DataBridgeServer</a:t>
+              <a:t>https://github.com/castlebravo/DataBridgeServer</a:t>
             </a:r>
             <a:endParaRPr lang="en-US" dirty="0" smtClean="0"/>
           </a:p>
@@ -4072,29 +4127,7 @@
                 </a:solidFill>
                 <a:hlinkClick r:id="rId4"/>
               </a:rPr>
-              <a:t>https</a:t>
-            </a:r>
-            <a:r>
-              <a:rPr lang="en-US" dirty="0" smtClean="0">
-                <a:solidFill>
-                  <a:schemeClr val="bg2">
-                    <a:lumMod val="50000"/>
-                  </a:schemeClr>
-                </a:solidFill>
-                <a:hlinkClick r:id="rId4"/>
-              </a:rPr>
-              <a:t>://</a:t>
-            </a:r>
-            <a:r>
-              <a:rPr lang="en-US" dirty="0" smtClean="0">
-                <a:solidFill>
-                  <a:schemeClr val="bg2">
-                    <a:lumMod val="50000"/>
-                  </a:schemeClr>
-                </a:solidFill>
-                <a:hlinkClick r:id="rId4"/>
-              </a:rPr>
-              <a:t>github.com/aywong/finalServer</a:t>
+              <a:t>https://github.com/aywong/finalServer</a:t>
             </a:r>
             <a:endParaRPr lang="en-US" dirty="0" smtClean="0">
               <a:solidFill>
@@ -4398,7 +4431,7 @@
   <a:extraClrSchemeLst/>
   <a:extLst>
     <a:ext uri="{05A4C25C-085E-4340-85A3-A5531E510DB2}">
-      <thm15:themeFamily xmlns="" xmlns:thm15="http://schemas.microsoft.com/office/thememl/2012/main" name="Office Theme" id="{62F939B6-93AF-4DB8-9C6B-D6C7DFDC589F}" vid="{4A3C46E8-61CC-4603-A589-7422A47A8E4A}"/>
+      <thm15:themeFamily xmlns:thm15="http://schemas.microsoft.com/office/thememl/2012/main" name="Office Theme" id="{62F939B6-93AF-4DB8-9C6B-D6C7DFDC589F}" vid="{4A3C46E8-61CC-4603-A589-7422A47A8E4A}"/>
     </a:ext>
   </a:extLst>
 </a:theme>

--- a/DataBridgePresentation.pptx
+++ b/DataBridgePresentation.pptx
@@ -2,7 +2,7 @@
 <file path=ppt/presentation.xml><?xml version="1.0" encoding="utf-8"?>
 <p:presentation xmlns:a="http://schemas.openxmlformats.org/drawingml/2006/main" xmlns:r="http://schemas.openxmlformats.org/officeDocument/2006/relationships" xmlns:p="http://schemas.openxmlformats.org/presentationml/2006/main" saveSubsetFonts="1">
   <p:sldMasterIdLst>
-    <p:sldMasterId id="2147483695" r:id="rId1"/>
+    <p:sldMasterId id="2147483755" r:id="rId1"/>
   </p:sldMasterIdLst>
   <p:sldIdLst>
     <p:sldId id="256" r:id="rId2"/>
@@ -115,7 +115,7 @@
   </p:defaultTextStyle>
   <p:extLst>
     <p:ext uri="{EFAFB233-063F-42B5-8137-9DF3F51BA10A}">
-      <p15:sldGuideLst xmlns:p15="http://schemas.microsoft.com/office/powerpoint/2012/main">
+      <p15:sldGuideLst xmlns:p15="http://schemas.microsoft.com/office/powerpoint/2012/main" xmlns="">
         <p15:guide id="1" orient="horz" pos="2160">
           <p15:clr>
             <a:srgbClr val="A4A3A4"/>
@@ -133,8 +133,13 @@
 </file>
 
 <file path=ppt/slideLayouts/slideLayout1.xml><?xml version="1.0" encoding="utf-8"?>
-<p:sldLayout xmlns:a="http://schemas.openxmlformats.org/drawingml/2006/main" xmlns:r="http://schemas.openxmlformats.org/officeDocument/2006/relationships" xmlns:p="http://schemas.openxmlformats.org/presentationml/2006/main" type="title" preserve="1">
+<p:sldLayout xmlns:a="http://schemas.openxmlformats.org/drawingml/2006/main" xmlns:r="http://schemas.openxmlformats.org/officeDocument/2006/relationships" xmlns:p="http://schemas.openxmlformats.org/presentationml/2006/main" showMasterSp="0" type="title" preserve="1">
   <p:cSld name="Title Slide">
+    <p:bg>
+      <p:bgRef idx="1001">
+        <a:schemeClr val="bg2"/>
+      </p:bgRef>
+    </p:bg>
     <p:spTree>
       <p:nvGrpSpPr>
         <p:cNvPr id="1" name=""/>
@@ -151,7 +156,149 @@
       </p:grpSpPr>
       <p:sp>
         <p:nvSpPr>
-          <p:cNvPr id="2" name="Title 1"/>
+          <p:cNvPr id="7" name="Rectangle 6"/>
+          <p:cNvSpPr/>
+          <p:nvPr/>
+        </p:nvSpPr>
+        <p:spPr bwMode="white">
+          <a:xfrm>
+            <a:off x="0" y="5971032"/>
+            <a:ext cx="12192000" cy="886968"/>
+          </a:xfrm>
+          <a:prstGeom prst="rect">
+            <a:avLst/>
+          </a:prstGeom>
+          <a:solidFill>
+            <a:srgbClr val="FFFFFF"/>
+          </a:solidFill>
+          <a:ln w="50800" cap="rnd" cmpd="dbl" algn="ctr">
+            <a:noFill/>
+            <a:prstDash val="solid"/>
+          </a:ln>
+          <a:effectLst/>
+        </p:spPr>
+        <p:style>
+          <a:lnRef idx="3">
+            <a:schemeClr val="lt1"/>
+          </a:lnRef>
+          <a:fillRef idx="1">
+            <a:schemeClr val="accent1"/>
+          </a:fillRef>
+          <a:effectRef idx="1">
+            <a:schemeClr val="accent1"/>
+          </a:effectRef>
+          <a:fontRef idx="minor">
+            <a:schemeClr val="lt1"/>
+          </a:fontRef>
+        </p:style>
+        <p:txBody>
+          <a:bodyPr anchor="ctr"/>
+          <a:lstStyle/>
+          <a:p>
+            <a:pPr algn="ctr" eaLnBrk="1" latinLnBrk="0" hangingPunct="1"/>
+            <a:endParaRPr kumimoji="0" lang="en-US"/>
+          </a:p>
+        </p:txBody>
+      </p:sp>
+      <p:sp>
+        <p:nvSpPr>
+          <p:cNvPr id="10" name="Rectangle 9"/>
+          <p:cNvSpPr/>
+          <p:nvPr/>
+        </p:nvSpPr>
+        <p:spPr>
+          <a:xfrm>
+            <a:off x="-12192" y="6053328"/>
+            <a:ext cx="2999232" cy="713232"/>
+          </a:xfrm>
+          <a:prstGeom prst="rect">
+            <a:avLst/>
+          </a:prstGeom>
+          <a:solidFill>
+            <a:schemeClr val="accent2">
+              <a:alpha val="100000"/>
+            </a:schemeClr>
+          </a:solidFill>
+          <a:ln w="50800" cap="rnd" cmpd="dbl" algn="ctr">
+            <a:noFill/>
+            <a:prstDash val="solid"/>
+          </a:ln>
+          <a:effectLst/>
+        </p:spPr>
+        <p:style>
+          <a:lnRef idx="3">
+            <a:schemeClr val="lt1"/>
+          </a:lnRef>
+          <a:fillRef idx="1">
+            <a:schemeClr val="accent1"/>
+          </a:fillRef>
+          <a:effectRef idx="1">
+            <a:schemeClr val="accent1"/>
+          </a:effectRef>
+          <a:fontRef idx="minor">
+            <a:schemeClr val="lt1"/>
+          </a:fontRef>
+        </p:style>
+        <p:txBody>
+          <a:bodyPr anchor="ctr"/>
+          <a:lstStyle/>
+          <a:p>
+            <a:pPr algn="ctr" eaLnBrk="1" latinLnBrk="0" hangingPunct="1"/>
+            <a:endParaRPr kumimoji="0" lang="en-US"/>
+          </a:p>
+        </p:txBody>
+      </p:sp>
+      <p:sp>
+        <p:nvSpPr>
+          <p:cNvPr id="11" name="Rectangle 10"/>
+          <p:cNvSpPr/>
+          <p:nvPr/>
+        </p:nvSpPr>
+        <p:spPr>
+          <a:xfrm>
+            <a:off x="3145536" y="6044184"/>
+            <a:ext cx="9046464" cy="713232"/>
+          </a:xfrm>
+          <a:prstGeom prst="rect">
+            <a:avLst/>
+          </a:prstGeom>
+          <a:solidFill>
+            <a:schemeClr val="accent1">
+              <a:alpha val="100000"/>
+            </a:schemeClr>
+          </a:solidFill>
+          <a:ln w="50800" cap="rnd" cmpd="dbl" algn="ctr">
+            <a:noFill/>
+            <a:prstDash val="solid"/>
+          </a:ln>
+          <a:effectLst/>
+        </p:spPr>
+        <p:style>
+          <a:lnRef idx="3">
+            <a:schemeClr val="lt1"/>
+          </a:lnRef>
+          <a:fillRef idx="1">
+            <a:schemeClr val="accent1"/>
+          </a:fillRef>
+          <a:effectRef idx="1">
+            <a:schemeClr val="accent1"/>
+          </a:effectRef>
+          <a:fontRef idx="minor">
+            <a:schemeClr val="lt1"/>
+          </a:fontRef>
+        </p:style>
+        <p:txBody>
+          <a:bodyPr anchor="ctr"/>
+          <a:lstStyle/>
+          <a:p>
+            <a:pPr algn="ctr" eaLnBrk="1" latinLnBrk="0" hangingPunct="1"/>
+            <a:endParaRPr kumimoji="0" lang="en-US"/>
+          </a:p>
+        </p:txBody>
+      </p:sp>
+      <p:sp>
+        <p:nvSpPr>
+          <p:cNvPr id="8" name="Title 7"/>
           <p:cNvSpPr>
             <a:spLocks noGrp="1"/>
           </p:cNvSpPr>
@@ -161,29 +308,29 @@
         </p:nvSpPr>
         <p:spPr>
           <a:xfrm>
-            <a:off x="1524000" y="1122363"/>
-            <a:ext cx="9144000" cy="2387600"/>
+            <a:off x="3149600" y="4038600"/>
+            <a:ext cx="8636000" cy="1828800"/>
           </a:xfrm>
         </p:spPr>
         <p:txBody>
           <a:bodyPr anchor="b"/>
           <a:lstStyle>
-            <a:lvl1pPr algn="ctr">
-              <a:defRPr sz="6000"/>
+            <a:lvl1pPr>
+              <a:defRPr cap="all" baseline="0"/>
             </a:lvl1pPr>
           </a:lstStyle>
           <a:p>
             <a:r>
-              <a:rPr lang="en-US" smtClean="0"/>
+              <a:rPr kumimoji="0" lang="en-US" smtClean="0"/>
               <a:t>Click to edit Master title style</a:t>
             </a:r>
-            <a:endParaRPr lang="en-US"/>
-          </a:p>
-        </p:txBody>
-      </p:sp>
-      <p:sp>
-        <p:nvSpPr>
-          <p:cNvPr id="3" name="Subtitle 2"/>
+            <a:endParaRPr kumimoji="0" lang="en-US"/>
+          </a:p>
+        </p:txBody>
+      </p:sp>
+      <p:sp>
+        <p:nvSpPr>
+          <p:cNvPr id="9" name="Subtitle 8"/>
           <p:cNvSpPr>
             <a:spLocks noGrp="1"/>
           </p:cNvSpPr>
@@ -193,62 +340,60 @@
         </p:nvSpPr>
         <p:spPr>
           <a:xfrm>
-            <a:off x="1524000" y="3602038"/>
-            <a:ext cx="9144000" cy="1655762"/>
-          </a:xfrm>
-        </p:spPr>
-        <p:txBody>
-          <a:bodyPr/>
+            <a:off x="3149600" y="6050037"/>
+            <a:ext cx="8940800" cy="685800"/>
+          </a:xfrm>
+        </p:spPr>
+        <p:txBody>
+          <a:bodyPr anchor="ctr">
+            <a:normAutofit/>
+          </a:bodyPr>
           <a:lstStyle>
-            <a:lvl1pPr marL="0" indent="0" algn="ctr">
+            <a:lvl1pPr marL="0" indent="0" algn="l">
               <a:buNone/>
-              <a:defRPr sz="2400"/>
+              <a:defRPr sz="2600">
+                <a:solidFill>
+                  <a:srgbClr val="FFFFFF"/>
+                </a:solidFill>
+              </a:defRPr>
             </a:lvl1pPr>
             <a:lvl2pPr marL="457200" indent="0" algn="ctr">
               <a:buNone/>
-              <a:defRPr sz="2000"/>
             </a:lvl2pPr>
             <a:lvl3pPr marL="914400" indent="0" algn="ctr">
               <a:buNone/>
-              <a:defRPr sz="1800"/>
             </a:lvl3pPr>
             <a:lvl4pPr marL="1371600" indent="0" algn="ctr">
               <a:buNone/>
-              <a:defRPr sz="1600"/>
             </a:lvl4pPr>
             <a:lvl5pPr marL="1828800" indent="0" algn="ctr">
               <a:buNone/>
-              <a:defRPr sz="1600"/>
             </a:lvl5pPr>
             <a:lvl6pPr marL="2286000" indent="0" algn="ctr">
               <a:buNone/>
-              <a:defRPr sz="1600"/>
             </a:lvl6pPr>
             <a:lvl7pPr marL="2743200" indent="0" algn="ctr">
               <a:buNone/>
-              <a:defRPr sz="1600"/>
             </a:lvl7pPr>
             <a:lvl8pPr marL="3200400" indent="0" algn="ctr">
               <a:buNone/>
-              <a:defRPr sz="1600"/>
             </a:lvl8pPr>
             <a:lvl9pPr marL="3657600" indent="0" algn="ctr">
               <a:buNone/>
-              <a:defRPr sz="1600"/>
             </a:lvl9pPr>
           </a:lstStyle>
           <a:p>
             <a:r>
-              <a:rPr lang="en-US" smtClean="0"/>
+              <a:rPr kumimoji="0" lang="en-US" smtClean="0"/>
               <a:t>Click to edit Master subtitle style</a:t>
             </a:r>
-            <a:endParaRPr lang="en-US"/>
-          </a:p>
-        </p:txBody>
-      </p:sp>
-      <p:sp>
-        <p:nvSpPr>
-          <p:cNvPr id="4" name="Date Placeholder 3"/>
+            <a:endParaRPr kumimoji="0" lang="en-US"/>
+          </a:p>
+        </p:txBody>
+      </p:sp>
+      <p:sp>
+        <p:nvSpPr>
+          <p:cNvPr id="28" name="Date Placeholder 27"/>
           <p:cNvSpPr>
             <a:spLocks noGrp="1"/>
           </p:cNvSpPr>
@@ -256,10 +401,25 @@
             <p:ph type="dt" sz="half" idx="10"/>
           </p:nvPr>
         </p:nvSpPr>
-        <p:spPr/>
-        <p:txBody>
-          <a:bodyPr/>
-          <a:lstStyle/>
+        <p:spPr>
+          <a:xfrm>
+            <a:off x="101600" y="6068699"/>
+            <a:ext cx="2743200" cy="685800"/>
+          </a:xfrm>
+        </p:spPr>
+        <p:txBody>
+          <a:bodyPr>
+            <a:noAutofit/>
+          </a:bodyPr>
+          <a:lstStyle>
+            <a:lvl1pPr algn="ctr">
+              <a:defRPr sz="2000">
+                <a:solidFill>
+                  <a:srgbClr val="FFFFFF"/>
+                </a:solidFill>
+              </a:defRPr>
+            </a:lvl1pPr>
+          </a:lstStyle>
           <a:p>
             <a:fld id="{0AE88629-A717-430A-A4D5-955241148433}" type="datetimeFigureOut">
               <a:rPr lang="en-US" smtClean="0"/>
@@ -272,7 +432,7 @@
       </p:sp>
       <p:sp>
         <p:nvSpPr>
-          <p:cNvPr id="5" name="Footer Placeholder 4"/>
+          <p:cNvPr id="17" name="Footer Placeholder 16"/>
           <p:cNvSpPr>
             <a:spLocks noGrp="1"/>
           </p:cNvSpPr>
@@ -280,10 +440,23 @@
             <p:ph type="ftr" sz="quarter" idx="11"/>
           </p:nvPr>
         </p:nvSpPr>
-        <p:spPr/>
-        <p:txBody>
-          <a:bodyPr/>
-          <a:lstStyle/>
+        <p:spPr>
+          <a:xfrm>
+            <a:off x="2780524" y="236539"/>
+            <a:ext cx="7823200" cy="365125"/>
+          </a:xfrm>
+        </p:spPr>
+        <p:txBody>
+          <a:bodyPr/>
+          <a:lstStyle>
+            <a:lvl1pPr algn="r">
+              <a:defRPr>
+                <a:solidFill>
+                  <a:schemeClr val="tx2"/>
+                </a:solidFill>
+              </a:defRPr>
+            </a:lvl1pPr>
+          </a:lstStyle>
           <a:p>
             <a:endParaRPr lang="en-US"/>
           </a:p>
@@ -291,7 +464,7 @@
       </p:sp>
       <p:sp>
         <p:nvSpPr>
-          <p:cNvPr id="6" name="Slide Number Placeholder 5"/>
+          <p:cNvPr id="29" name="Slide Number Placeholder 28"/>
           <p:cNvSpPr>
             <a:spLocks noGrp="1"/>
           </p:cNvSpPr>
@@ -299,10 +472,23 @@
             <p:ph type="sldNum" sz="quarter" idx="12"/>
           </p:nvPr>
         </p:nvSpPr>
-        <p:spPr/>
-        <p:txBody>
-          <a:bodyPr/>
-          <a:lstStyle/>
+        <p:spPr>
+          <a:xfrm>
+            <a:off x="10668000" y="228600"/>
+            <a:ext cx="1117600" cy="381000"/>
+          </a:xfrm>
+        </p:spPr>
+        <p:txBody>
+          <a:bodyPr/>
+          <a:lstStyle>
+            <a:lvl1pPr>
+              <a:defRPr>
+                <a:solidFill>
+                  <a:schemeClr val="tx2"/>
+                </a:solidFill>
+              </a:defRPr>
+            </a:lvl1pPr>
+          </a:lstStyle>
           <a:p>
             <a:fld id="{D3358083-9D44-423B-A7B7-11D2DC27AA82}" type="slidenum">
               <a:rPr lang="en-US" smtClean="0"/>
@@ -314,14 +500,9 @@
         </p:txBody>
       </p:sp>
     </p:spTree>
-    <p:extLst>
-      <p:ext uri="{BB962C8B-B14F-4D97-AF65-F5344CB8AC3E}">
-        <p14:creationId xmlns:p14="http://schemas.microsoft.com/office/powerpoint/2010/main" val="3535354416"/>
-      </p:ext>
-    </p:extLst>
   </p:cSld>
   <p:clrMapOvr>
-    <a:masterClrMapping/>
+    <a:overrideClrMapping bg1="dk1" tx1="lt1" bg2="dk2" tx2="lt2" accent1="accent1" accent2="accent2" accent3="accent3" accent4="accent4" accent5="accent5" accent6="accent6" hlink="hlink" folHlink="folHlink"/>
   </p:clrMapOvr>
 </p:sldLayout>
 </file>
@@ -359,10 +540,10 @@
           <a:lstStyle/>
           <a:p>
             <a:r>
-              <a:rPr lang="en-US" smtClean="0"/>
+              <a:rPr kumimoji="0" lang="en-US" smtClean="0"/>
               <a:t>Click to edit Master title style</a:t>
             </a:r>
-            <a:endParaRPr lang="en-US"/>
+            <a:endParaRPr kumimoji="0" lang="en-US"/>
           </a:p>
         </p:txBody>
       </p:sp>
@@ -381,40 +562,40 @@
           <a:bodyPr vert="eaVert"/>
           <a:lstStyle/>
           <a:p>
-            <a:pPr lvl="0"/>
+            <a:pPr lvl="0" eaLnBrk="1" latinLnBrk="0" hangingPunct="1"/>
             <a:r>
               <a:rPr lang="en-US" smtClean="0"/>
               <a:t>Click to edit Master text styles</a:t>
             </a:r>
           </a:p>
           <a:p>
-            <a:pPr lvl="1"/>
+            <a:pPr lvl="1" eaLnBrk="1" latinLnBrk="0" hangingPunct="1"/>
             <a:r>
               <a:rPr lang="en-US" smtClean="0"/>
               <a:t>Second level</a:t>
             </a:r>
           </a:p>
           <a:p>
-            <a:pPr lvl="2"/>
+            <a:pPr lvl="2" eaLnBrk="1" latinLnBrk="0" hangingPunct="1"/>
             <a:r>
               <a:rPr lang="en-US" smtClean="0"/>
               <a:t>Third level</a:t>
             </a:r>
           </a:p>
           <a:p>
-            <a:pPr lvl="3"/>
+            <a:pPr lvl="3" eaLnBrk="1" latinLnBrk="0" hangingPunct="1"/>
             <a:r>
               <a:rPr lang="en-US" smtClean="0"/>
               <a:t>Fourth level</a:t>
             </a:r>
           </a:p>
           <a:p>
-            <a:pPr lvl="4"/>
+            <a:pPr lvl="4" eaLnBrk="1" latinLnBrk="0" hangingPunct="1"/>
             <a:r>
               <a:rPr lang="en-US" smtClean="0"/>
               <a:t>Fifth level</a:t>
             </a:r>
-            <a:endParaRPr lang="en-US"/>
+            <a:endParaRPr kumimoji="0" lang="en-US"/>
           </a:p>
         </p:txBody>
       </p:sp>
@@ -486,11 +667,6 @@
         </p:txBody>
       </p:sp>
     </p:spTree>
-    <p:extLst>
-      <p:ext uri="{BB962C8B-B14F-4D97-AF65-F5344CB8AC3E}">
-        <p14:creationId xmlns:p14="http://schemas.microsoft.com/office/powerpoint/2010/main" val="3976073012"/>
-      </p:ext>
-    </p:extLst>
   </p:cSld>
   <p:clrMapOvr>
     <a:masterClrMapping/>
@@ -499,8 +675,13 @@
 </file>
 
 <file path=ppt/slideLayouts/slideLayout11.xml><?xml version="1.0" encoding="utf-8"?>
-<p:sldLayout xmlns:a="http://schemas.openxmlformats.org/drawingml/2006/main" xmlns:r="http://schemas.openxmlformats.org/officeDocument/2006/relationships" xmlns:p="http://schemas.openxmlformats.org/presentationml/2006/main" type="vertTitleAndTx" preserve="1">
+<p:sldLayout xmlns:a="http://schemas.openxmlformats.org/drawingml/2006/main" xmlns:r="http://schemas.openxmlformats.org/officeDocument/2006/relationships" xmlns:p="http://schemas.openxmlformats.org/presentationml/2006/main" showMasterSp="0" type="vertTitleAndTx" preserve="1">
   <p:cSld name="Vertical Title and Text">
+    <p:bg>
+      <p:bgRef idx="1001">
+        <a:schemeClr val="bg1"/>
+      </p:bgRef>
+    </p:bg>
     <p:spTree>
       <p:nvGrpSpPr>
         <p:cNvPr id="1" name=""/>
@@ -527,8 +708,8 @@
         </p:nvSpPr>
         <p:spPr>
           <a:xfrm>
-            <a:off x="8724900" y="365125"/>
-            <a:ext cx="2628900" cy="5811838"/>
+            <a:off x="8737600" y="609601"/>
+            <a:ext cx="2743200" cy="5516563"/>
           </a:xfrm>
         </p:spPr>
         <p:txBody>
@@ -536,10 +717,10 @@
           <a:lstStyle/>
           <a:p>
             <a:r>
-              <a:rPr lang="en-US" smtClean="0"/>
+              <a:rPr kumimoji="0" lang="en-US" smtClean="0"/>
               <a:t>Click to edit Master title style</a:t>
             </a:r>
-            <a:endParaRPr lang="en-US"/>
+            <a:endParaRPr kumimoji="0" lang="en-US"/>
           </a:p>
         </p:txBody>
       </p:sp>
@@ -555,48 +736,48 @@
         </p:nvSpPr>
         <p:spPr>
           <a:xfrm>
-            <a:off x="838200" y="365125"/>
-            <a:ext cx="7734300" cy="5811838"/>
+            <a:off x="609600" y="609600"/>
+            <a:ext cx="7416800" cy="5516564"/>
           </a:xfrm>
         </p:spPr>
         <p:txBody>
           <a:bodyPr vert="eaVert"/>
           <a:lstStyle/>
           <a:p>
-            <a:pPr lvl="0"/>
+            <a:pPr lvl="0" eaLnBrk="1" latinLnBrk="0" hangingPunct="1"/>
             <a:r>
               <a:rPr lang="en-US" smtClean="0"/>
               <a:t>Click to edit Master text styles</a:t>
             </a:r>
           </a:p>
           <a:p>
-            <a:pPr lvl="1"/>
+            <a:pPr lvl="1" eaLnBrk="1" latinLnBrk="0" hangingPunct="1"/>
             <a:r>
               <a:rPr lang="en-US" smtClean="0"/>
               <a:t>Second level</a:t>
             </a:r>
           </a:p>
           <a:p>
-            <a:pPr lvl="2"/>
+            <a:pPr lvl="2" eaLnBrk="1" latinLnBrk="0" hangingPunct="1"/>
             <a:r>
               <a:rPr lang="en-US" smtClean="0"/>
               <a:t>Third level</a:t>
             </a:r>
           </a:p>
           <a:p>
-            <a:pPr lvl="3"/>
+            <a:pPr lvl="3" eaLnBrk="1" latinLnBrk="0" hangingPunct="1"/>
             <a:r>
               <a:rPr lang="en-US" smtClean="0"/>
               <a:t>Fourth level</a:t>
             </a:r>
           </a:p>
           <a:p>
-            <a:pPr lvl="4"/>
+            <a:pPr lvl="4" eaLnBrk="1" latinLnBrk="0" hangingPunct="1"/>
             <a:r>
               <a:rPr lang="en-US" smtClean="0"/>
               <a:t>Fifth level</a:t>
             </a:r>
-            <a:endParaRPr lang="en-US"/>
+            <a:endParaRPr kumimoji="0" lang="en-US"/>
           </a:p>
         </p:txBody>
       </p:sp>
@@ -610,7 +791,12 @@
             <p:ph type="dt" sz="half" idx="10"/>
           </p:nvPr>
         </p:nvSpPr>
-        <p:spPr/>
+        <p:spPr>
+          <a:xfrm>
+            <a:off x="8737600" y="6248403"/>
+            <a:ext cx="2946400" cy="365125"/>
+          </a:xfrm>
+        </p:spPr>
         <p:txBody>
           <a:bodyPr/>
           <a:lstStyle/>
@@ -634,7 +820,12 @@
             <p:ph type="ftr" sz="quarter" idx="11"/>
           </p:nvPr>
         </p:nvSpPr>
-        <p:spPr/>
+        <p:spPr>
+          <a:xfrm>
+            <a:off x="609602" y="6248208"/>
+            <a:ext cx="7431311" cy="365125"/>
+          </a:xfrm>
+        </p:spPr>
         <p:txBody>
           <a:bodyPr/>
           <a:lstStyle/>
@@ -645,6 +836,141 @@
       </p:sp>
       <p:sp>
         <p:nvSpPr>
+          <p:cNvPr id="7" name="Rectangle 6"/>
+          <p:cNvSpPr/>
+          <p:nvPr/>
+        </p:nvSpPr>
+        <p:spPr bwMode="white">
+          <a:xfrm>
+            <a:off x="8128424" y="0"/>
+            <a:ext cx="426720" cy="6858000"/>
+          </a:xfrm>
+          <a:prstGeom prst="rect">
+            <a:avLst/>
+          </a:prstGeom>
+          <a:solidFill>
+            <a:srgbClr val="FFFFFF"/>
+          </a:solidFill>
+          <a:ln w="19050" cap="flat" cmpd="sng" algn="ctr">
+            <a:noFill/>
+            <a:prstDash val="solid"/>
+          </a:ln>
+        </p:spPr>
+        <p:style>
+          <a:lnRef idx="2">
+            <a:schemeClr val="accent1"/>
+          </a:lnRef>
+          <a:fillRef idx="1">
+            <a:schemeClr val="accent1"/>
+          </a:fillRef>
+          <a:effectRef idx="0">
+            <a:schemeClr val="accent1"/>
+          </a:effectRef>
+          <a:fontRef idx="minor">
+            <a:schemeClr val="lt1"/>
+          </a:fontRef>
+        </p:style>
+        <p:txBody>
+          <a:bodyPr rtlCol="0" anchor="ctr"/>
+          <a:lstStyle/>
+          <a:p>
+            <a:pPr algn="ctr" eaLnBrk="1" latinLnBrk="0" hangingPunct="1"/>
+            <a:endParaRPr kumimoji="0" lang="en-US"/>
+          </a:p>
+        </p:txBody>
+      </p:sp>
+      <p:sp>
+        <p:nvSpPr>
+          <p:cNvPr id="8" name="Rectangle 7"/>
+          <p:cNvSpPr/>
+          <p:nvPr/>
+        </p:nvSpPr>
+        <p:spPr>
+          <a:xfrm>
+            <a:off x="8189384" y="609600"/>
+            <a:ext cx="304800" cy="6248400"/>
+          </a:xfrm>
+          <a:prstGeom prst="rect">
+            <a:avLst/>
+          </a:prstGeom>
+          <a:solidFill>
+            <a:schemeClr val="accent1"/>
+          </a:solidFill>
+          <a:ln w="19050" cap="flat" cmpd="sng" algn="ctr">
+            <a:noFill/>
+            <a:prstDash val="solid"/>
+          </a:ln>
+        </p:spPr>
+        <p:style>
+          <a:lnRef idx="2">
+            <a:schemeClr val="accent1"/>
+          </a:lnRef>
+          <a:fillRef idx="1">
+            <a:schemeClr val="accent1"/>
+          </a:fillRef>
+          <a:effectRef idx="0">
+            <a:schemeClr val="accent1"/>
+          </a:effectRef>
+          <a:fontRef idx="minor">
+            <a:schemeClr val="lt1"/>
+          </a:fontRef>
+        </p:style>
+        <p:txBody>
+          <a:bodyPr rtlCol="0" anchor="ctr"/>
+          <a:lstStyle/>
+          <a:p>
+            <a:pPr algn="ctr" eaLnBrk="1" latinLnBrk="0" hangingPunct="1"/>
+            <a:endParaRPr kumimoji="0" lang="en-US"/>
+          </a:p>
+        </p:txBody>
+      </p:sp>
+      <p:sp>
+        <p:nvSpPr>
+          <p:cNvPr id="9" name="Rectangle 8"/>
+          <p:cNvSpPr/>
+          <p:nvPr/>
+        </p:nvSpPr>
+        <p:spPr>
+          <a:xfrm>
+            <a:off x="8189384" y="0"/>
+            <a:ext cx="304800" cy="533400"/>
+          </a:xfrm>
+          <a:prstGeom prst="rect">
+            <a:avLst/>
+          </a:prstGeom>
+          <a:solidFill>
+            <a:schemeClr val="accent2"/>
+          </a:solidFill>
+          <a:ln w="19050" cap="flat" cmpd="sng" algn="ctr">
+            <a:noFill/>
+            <a:prstDash val="solid"/>
+          </a:ln>
+        </p:spPr>
+        <p:style>
+          <a:lnRef idx="2">
+            <a:schemeClr val="accent1"/>
+          </a:lnRef>
+          <a:fillRef idx="1">
+            <a:schemeClr val="accent1"/>
+          </a:fillRef>
+          <a:effectRef idx="0">
+            <a:schemeClr val="accent1"/>
+          </a:effectRef>
+          <a:fontRef idx="minor">
+            <a:schemeClr val="lt1"/>
+          </a:fontRef>
+        </p:style>
+        <p:txBody>
+          <a:bodyPr rtlCol="0" anchor="ctr"/>
+          <a:lstStyle/>
+          <a:p>
+            <a:pPr algn="ctr" eaLnBrk="1" latinLnBrk="0" hangingPunct="1"/>
+            <a:endParaRPr kumimoji="0" lang="en-US"/>
+          </a:p>
+        </p:txBody>
+      </p:sp>
+      <p:sp>
+        <p:nvSpPr>
           <p:cNvPr id="6" name="Slide Number Placeholder 5"/>
           <p:cNvSpPr>
             <a:spLocks noGrp="1"/>
@@ -653,7 +979,12 @@
             <p:ph type="sldNum" sz="quarter" idx="12"/>
           </p:nvPr>
         </p:nvSpPr>
-        <p:spPr/>
+        <p:spPr>
+          <a:xfrm rot="5400000">
+            <a:off x="8075084" y="103716"/>
+            <a:ext cx="533400" cy="325968"/>
+          </a:xfrm>
+        </p:spPr>
         <p:txBody>
           <a:bodyPr/>
           <a:lstStyle/>
@@ -668,14 +999,9 @@
         </p:txBody>
       </p:sp>
     </p:spTree>
-    <p:extLst>
-      <p:ext uri="{BB962C8B-B14F-4D97-AF65-F5344CB8AC3E}">
-        <p14:creationId xmlns:p14="http://schemas.microsoft.com/office/powerpoint/2010/main" val="278890098"/>
-      </p:ext>
-    </p:extLst>
   </p:cSld>
   <p:clrMapOvr>
-    <a:masterClrMapping/>
+    <a:overrideClrMapping bg1="lt1" tx1="dk1" bg2="lt2" tx2="dk2" accent1="accent1" accent2="accent2" accent3="accent3" accent4="accent4" accent5="accent5" accent6="accent6" hlink="hlink" folHlink="folHlink"/>
   </p:clrMapOvr>
 </p:sldLayout>
 </file>
@@ -707,68 +1033,21 @@
             <p:ph type="title"/>
           </p:nvPr>
         </p:nvSpPr>
-        <p:spPr/>
-        <p:txBody>
-          <a:bodyPr/>
-          <a:lstStyle/>
-          <a:p>
-            <a:r>
-              <a:rPr lang="en-US" smtClean="0"/>
+        <p:spPr>
+          <a:xfrm>
+            <a:off x="816864" y="228600"/>
+            <a:ext cx="10871200" cy="990600"/>
+          </a:xfrm>
+        </p:spPr>
+        <p:txBody>
+          <a:bodyPr/>
+          <a:lstStyle/>
+          <a:p>
+            <a:r>
+              <a:rPr kumimoji="0" lang="en-US" smtClean="0"/>
               <a:t>Click to edit Master title style</a:t>
             </a:r>
-            <a:endParaRPr lang="en-US"/>
-          </a:p>
-        </p:txBody>
-      </p:sp>
-      <p:sp>
-        <p:nvSpPr>
-          <p:cNvPr id="3" name="Content Placeholder 2"/>
-          <p:cNvSpPr>
-            <a:spLocks noGrp="1"/>
-          </p:cNvSpPr>
-          <p:nvPr>
-            <p:ph idx="1"/>
-          </p:nvPr>
-        </p:nvSpPr>
-        <p:spPr/>
-        <p:txBody>
-          <a:bodyPr/>
-          <a:lstStyle/>
-          <a:p>
-            <a:pPr lvl="0"/>
-            <a:r>
-              <a:rPr lang="en-US" smtClean="0"/>
-              <a:t>Click to edit Master text styles</a:t>
-            </a:r>
-          </a:p>
-          <a:p>
-            <a:pPr lvl="1"/>
-            <a:r>
-              <a:rPr lang="en-US" smtClean="0"/>
-              <a:t>Second level</a:t>
-            </a:r>
-          </a:p>
-          <a:p>
-            <a:pPr lvl="2"/>
-            <a:r>
-              <a:rPr lang="en-US" smtClean="0"/>
-              <a:t>Third level</a:t>
-            </a:r>
-          </a:p>
-          <a:p>
-            <a:pPr lvl="3"/>
-            <a:r>
-              <a:rPr lang="en-US" smtClean="0"/>
-              <a:t>Fourth level</a:t>
-            </a:r>
-          </a:p>
-          <a:p>
-            <a:pPr lvl="4"/>
-            <a:r>
-              <a:rPr lang="en-US" smtClean="0"/>
-              <a:t>Fifth level</a:t>
-            </a:r>
-            <a:endParaRPr lang="en-US"/>
+            <a:endParaRPr kumimoji="0" lang="en-US"/>
           </a:p>
         </p:txBody>
       </p:sp>
@@ -828,7 +1107,15 @@
         <p:spPr/>
         <p:txBody>
           <a:bodyPr/>
-          <a:lstStyle/>
+          <a:lstStyle>
+            <a:lvl1pPr>
+              <a:defRPr>
+                <a:solidFill>
+                  <a:srgbClr val="FFFFFF"/>
+                </a:solidFill>
+              </a:defRPr>
+            </a:lvl1pPr>
+          </a:lstStyle>
           <a:p>
             <a:fld id="{D3358083-9D44-423B-A7B7-11D2DC27AA82}" type="slidenum">
               <a:rPr lang="en-US" smtClean="0"/>
@@ -839,12 +1126,64 @@
           </a:p>
         </p:txBody>
       </p:sp>
+      <p:sp>
+        <p:nvSpPr>
+          <p:cNvPr id="8" name="Content Placeholder 7"/>
+          <p:cNvSpPr>
+            <a:spLocks noGrp="1"/>
+          </p:cNvSpPr>
+          <p:nvPr>
+            <p:ph sz="quarter" idx="1"/>
+          </p:nvPr>
+        </p:nvSpPr>
+        <p:spPr>
+          <a:xfrm>
+            <a:off x="816864" y="1600200"/>
+            <a:ext cx="10871200" cy="4495800"/>
+          </a:xfrm>
+        </p:spPr>
+        <p:txBody>
+          <a:bodyPr/>
+          <a:lstStyle/>
+          <a:p>
+            <a:pPr lvl="0" eaLnBrk="1" latinLnBrk="0" hangingPunct="1"/>
+            <a:r>
+              <a:rPr lang="en-US" smtClean="0"/>
+              <a:t>Click to edit Master text styles</a:t>
+            </a:r>
+          </a:p>
+          <a:p>
+            <a:pPr lvl="1" eaLnBrk="1" latinLnBrk="0" hangingPunct="1"/>
+            <a:r>
+              <a:rPr lang="en-US" smtClean="0"/>
+              <a:t>Second level</a:t>
+            </a:r>
+          </a:p>
+          <a:p>
+            <a:pPr lvl="2" eaLnBrk="1" latinLnBrk="0" hangingPunct="1"/>
+            <a:r>
+              <a:rPr lang="en-US" smtClean="0"/>
+              <a:t>Third level</a:t>
+            </a:r>
+          </a:p>
+          <a:p>
+            <a:pPr lvl="3" eaLnBrk="1" latinLnBrk="0" hangingPunct="1"/>
+            <a:r>
+              <a:rPr lang="en-US" smtClean="0"/>
+              <a:t>Fourth level</a:t>
+            </a:r>
+          </a:p>
+          <a:p>
+            <a:pPr lvl="4" eaLnBrk="1" latinLnBrk="0" hangingPunct="1"/>
+            <a:r>
+              <a:rPr lang="en-US" smtClean="0"/>
+              <a:t>Fifth level</a:t>
+            </a:r>
+            <a:endParaRPr kumimoji="0" lang="en-US"/>
+          </a:p>
+        </p:txBody>
+      </p:sp>
     </p:spTree>
-    <p:extLst>
-      <p:ext uri="{BB962C8B-B14F-4D97-AF65-F5344CB8AC3E}">
-        <p14:creationId xmlns:p14="http://schemas.microsoft.com/office/powerpoint/2010/main" val="869121869"/>
-      </p:ext>
-    </p:extLst>
   </p:cSld>
   <p:clrMapOvr>
     <a:masterClrMapping/>
@@ -853,8 +1192,13 @@
 </file>
 
 <file path=ppt/slideLayouts/slideLayout3.xml><?xml version="1.0" encoding="utf-8"?>
-<p:sldLayout xmlns:a="http://schemas.openxmlformats.org/drawingml/2006/main" xmlns:r="http://schemas.openxmlformats.org/officeDocument/2006/relationships" xmlns:p="http://schemas.openxmlformats.org/presentationml/2006/main" type="secHead" preserve="1">
+<p:sldLayout xmlns:a="http://schemas.openxmlformats.org/drawingml/2006/main" xmlns:r="http://schemas.openxmlformats.org/officeDocument/2006/relationships" xmlns:p="http://schemas.openxmlformats.org/presentationml/2006/main" showMasterSp="0" type="secHead" preserve="1">
   <p:cSld name="Section Header">
+    <p:bg>
+      <p:bgRef idx="1003">
+        <a:schemeClr val="bg1"/>
+      </p:bgRef>
+    </p:bg>
     <p:spTree>
       <p:nvGrpSpPr>
         <p:cNvPr id="1" name=""/>
@@ -871,38 +1215,6 @@
       </p:grpSpPr>
       <p:sp>
         <p:nvSpPr>
-          <p:cNvPr id="2" name="Title 1"/>
-          <p:cNvSpPr>
-            <a:spLocks noGrp="1"/>
-          </p:cNvSpPr>
-          <p:nvPr>
-            <p:ph type="title"/>
-          </p:nvPr>
-        </p:nvSpPr>
-        <p:spPr>
-          <a:xfrm>
-            <a:off x="831850" y="1709738"/>
-            <a:ext cx="10515600" cy="2852737"/>
-          </a:xfrm>
-        </p:spPr>
-        <p:txBody>
-          <a:bodyPr anchor="b"/>
-          <a:lstStyle>
-            <a:lvl1pPr>
-              <a:defRPr sz="6000"/>
-            </a:lvl1pPr>
-          </a:lstStyle>
-          <a:p>
-            <a:r>
-              <a:rPr lang="en-US" smtClean="0"/>
-              <a:t>Click to edit Master title style</a:t>
-            </a:r>
-            <a:endParaRPr lang="en-US"/>
-          </a:p>
-        </p:txBody>
-      </p:sp>
-      <p:sp>
-        <p:nvSpPr>
           <p:cNvPr id="3" name="Text Placeholder 2"/>
           <p:cNvSpPr>
             <a:spLocks noGrp="1"/>
@@ -913,34 +1225,22 @@
         </p:nvSpPr>
         <p:spPr>
           <a:xfrm>
-            <a:off x="831850" y="4589463"/>
-            <a:ext cx="10515600" cy="1500187"/>
-          </a:xfrm>
-        </p:spPr>
-        <p:txBody>
-          <a:bodyPr/>
+            <a:off x="1828801" y="2743200"/>
+            <a:ext cx="9497484" cy="1673225"/>
+          </a:xfrm>
+        </p:spPr>
+        <p:txBody>
+          <a:bodyPr anchor="t"/>
           <a:lstStyle>
             <a:lvl1pPr marL="0" indent="0">
               <a:buNone/>
-              <a:defRPr sz="2400">
+              <a:defRPr sz="2800">
                 <a:solidFill>
-                  <a:schemeClr val="tx1">
-                    <a:tint val="75000"/>
-                  </a:schemeClr>
+                  <a:schemeClr val="tx2"/>
                 </a:solidFill>
               </a:defRPr>
             </a:lvl1pPr>
-            <a:lvl2pPr marL="457200" indent="0">
-              <a:buNone/>
-              <a:defRPr sz="2000">
-                <a:solidFill>
-                  <a:schemeClr val="tx1">
-                    <a:tint val="75000"/>
-                  </a:schemeClr>
-                </a:solidFill>
-              </a:defRPr>
-            </a:lvl2pPr>
-            <a:lvl3pPr marL="914400" indent="0">
+            <a:lvl2pPr>
               <a:buNone/>
               <a:defRPr sz="1800">
                 <a:solidFill>
@@ -949,8 +1249,8 @@
                   </a:schemeClr>
                 </a:solidFill>
               </a:defRPr>
-            </a:lvl3pPr>
-            <a:lvl4pPr marL="1371600" indent="0">
+            </a:lvl2pPr>
+            <a:lvl3pPr>
               <a:buNone/>
               <a:defRPr sz="1600">
                 <a:solidFill>
@@ -959,10 +1259,20 @@
                   </a:schemeClr>
                 </a:solidFill>
               </a:defRPr>
+            </a:lvl3pPr>
+            <a:lvl4pPr>
+              <a:buNone/>
+              <a:defRPr sz="1400">
+                <a:solidFill>
+                  <a:schemeClr val="tx1">
+                    <a:tint val="75000"/>
+                  </a:schemeClr>
+                </a:solidFill>
+              </a:defRPr>
             </a:lvl4pPr>
-            <a:lvl5pPr marL="1828800" indent="0">
+            <a:lvl5pPr>
               <a:buNone/>
-              <a:defRPr sz="1600">
+              <a:defRPr sz="1400">
                 <a:solidFill>
                   <a:schemeClr val="tx1">
                     <a:tint val="75000"/>
@@ -970,59 +1280,198 @@
                 </a:solidFill>
               </a:defRPr>
             </a:lvl5pPr>
-            <a:lvl6pPr marL="2286000" indent="0">
+          </a:lstStyle>
+          <a:p>
+            <a:pPr lvl="0" eaLnBrk="1" latinLnBrk="0" hangingPunct="1"/>
+            <a:r>
+              <a:rPr kumimoji="0" lang="en-US" smtClean="0"/>
+              <a:t>Click to edit Master text styles</a:t>
+            </a:r>
+          </a:p>
+        </p:txBody>
+      </p:sp>
+      <p:sp>
+        <p:nvSpPr>
+          <p:cNvPr id="7" name="Rectangle 6"/>
+          <p:cNvSpPr/>
+          <p:nvPr/>
+        </p:nvSpPr>
+        <p:spPr bwMode="white">
+          <a:xfrm>
+            <a:off x="0" y="1524000"/>
+            <a:ext cx="12192000" cy="1143000"/>
+          </a:xfrm>
+          <a:prstGeom prst="rect">
+            <a:avLst/>
+          </a:prstGeom>
+          <a:solidFill>
+            <a:srgbClr val="FFFFFF"/>
+          </a:solidFill>
+          <a:ln w="50800" cap="rnd" cmpd="dbl" algn="ctr">
+            <a:noFill/>
+            <a:prstDash val="solid"/>
+          </a:ln>
+          <a:effectLst/>
+        </p:spPr>
+        <p:style>
+          <a:lnRef idx="3">
+            <a:schemeClr val="lt1"/>
+          </a:lnRef>
+          <a:fillRef idx="1">
+            <a:schemeClr val="accent1"/>
+          </a:fillRef>
+          <a:effectRef idx="1">
+            <a:schemeClr val="accent1"/>
+          </a:effectRef>
+          <a:fontRef idx="minor">
+            <a:schemeClr val="lt1"/>
+          </a:fontRef>
+        </p:style>
+        <p:txBody>
+          <a:bodyPr anchor="ctr"/>
+          <a:lstStyle/>
+          <a:p>
+            <a:pPr algn="ctr" eaLnBrk="1" latinLnBrk="0" hangingPunct="1"/>
+            <a:endParaRPr kumimoji="0" lang="en-US"/>
+          </a:p>
+        </p:txBody>
+      </p:sp>
+      <p:sp>
+        <p:nvSpPr>
+          <p:cNvPr id="8" name="Rectangle 7"/>
+          <p:cNvSpPr/>
+          <p:nvPr/>
+        </p:nvSpPr>
+        <p:spPr>
+          <a:xfrm>
+            <a:off x="0" y="1600200"/>
+            <a:ext cx="1727200" cy="990600"/>
+          </a:xfrm>
+          <a:prstGeom prst="rect">
+            <a:avLst/>
+          </a:prstGeom>
+          <a:solidFill>
+            <a:schemeClr val="accent2">
+              <a:alpha val="100000"/>
+            </a:schemeClr>
+          </a:solidFill>
+          <a:ln w="50800" cap="rnd" cmpd="dbl" algn="ctr">
+            <a:noFill/>
+            <a:prstDash val="solid"/>
+          </a:ln>
+          <a:effectLst/>
+        </p:spPr>
+        <p:style>
+          <a:lnRef idx="3">
+            <a:schemeClr val="lt1"/>
+          </a:lnRef>
+          <a:fillRef idx="1">
+            <a:schemeClr val="accent1"/>
+          </a:fillRef>
+          <a:effectRef idx="1">
+            <a:schemeClr val="accent1"/>
+          </a:effectRef>
+          <a:fontRef idx="minor">
+            <a:schemeClr val="lt1"/>
+          </a:fontRef>
+        </p:style>
+        <p:txBody>
+          <a:bodyPr anchor="ctr"/>
+          <a:lstStyle/>
+          <a:p>
+            <a:pPr algn="ctr" eaLnBrk="1" latinLnBrk="0" hangingPunct="1"/>
+            <a:endParaRPr kumimoji="0" lang="en-US"/>
+          </a:p>
+        </p:txBody>
+      </p:sp>
+      <p:sp>
+        <p:nvSpPr>
+          <p:cNvPr id="9" name="Rectangle 8"/>
+          <p:cNvSpPr/>
+          <p:nvPr/>
+        </p:nvSpPr>
+        <p:spPr>
+          <a:xfrm>
+            <a:off x="1828800" y="1600200"/>
+            <a:ext cx="10363200" cy="990600"/>
+          </a:xfrm>
+          <a:prstGeom prst="rect">
+            <a:avLst/>
+          </a:prstGeom>
+          <a:solidFill>
+            <a:schemeClr val="accent1">
+              <a:alpha val="100000"/>
+            </a:schemeClr>
+          </a:solidFill>
+          <a:ln w="50800" cap="rnd" cmpd="dbl" algn="ctr">
+            <a:noFill/>
+            <a:prstDash val="solid"/>
+          </a:ln>
+          <a:effectLst/>
+        </p:spPr>
+        <p:style>
+          <a:lnRef idx="3">
+            <a:schemeClr val="lt1"/>
+          </a:lnRef>
+          <a:fillRef idx="1">
+            <a:schemeClr val="accent1"/>
+          </a:fillRef>
+          <a:effectRef idx="1">
+            <a:schemeClr val="accent1"/>
+          </a:effectRef>
+          <a:fontRef idx="minor">
+            <a:schemeClr val="lt1"/>
+          </a:fontRef>
+        </p:style>
+        <p:txBody>
+          <a:bodyPr anchor="ctr"/>
+          <a:lstStyle/>
+          <a:p>
+            <a:pPr algn="ctr" eaLnBrk="1" latinLnBrk="0" hangingPunct="1"/>
+            <a:endParaRPr kumimoji="0" lang="en-US"/>
+          </a:p>
+        </p:txBody>
+      </p:sp>
+      <p:sp>
+        <p:nvSpPr>
+          <p:cNvPr id="2" name="Title 1"/>
+          <p:cNvSpPr>
+            <a:spLocks noGrp="1"/>
+          </p:cNvSpPr>
+          <p:nvPr>
+            <p:ph type="title"/>
+          </p:nvPr>
+        </p:nvSpPr>
+        <p:spPr>
+          <a:xfrm>
+            <a:off x="1828800" y="1600200"/>
+            <a:ext cx="10160000" cy="990600"/>
+          </a:xfrm>
+        </p:spPr>
+        <p:txBody>
+          <a:bodyPr/>
+          <a:lstStyle>
+            <a:lvl1pPr algn="l">
               <a:buNone/>
-              <a:defRPr sz="1600">
+              <a:defRPr sz="4400" b="0" cap="none">
                 <a:solidFill>
-                  <a:schemeClr val="tx1">
-                    <a:tint val="75000"/>
-                  </a:schemeClr>
+                  <a:srgbClr val="FFFFFF"/>
                 </a:solidFill>
               </a:defRPr>
-            </a:lvl6pPr>
-            <a:lvl7pPr marL="2743200" indent="0">
-              <a:buNone/>
-              <a:defRPr sz="1600">
-                <a:solidFill>
-                  <a:schemeClr val="tx1">
-                    <a:tint val="75000"/>
-                  </a:schemeClr>
-                </a:solidFill>
-              </a:defRPr>
-            </a:lvl7pPr>
-            <a:lvl8pPr marL="3200400" indent="0">
-              <a:buNone/>
-              <a:defRPr sz="1600">
-                <a:solidFill>
-                  <a:schemeClr val="tx1">
-                    <a:tint val="75000"/>
-                  </a:schemeClr>
-                </a:solidFill>
-              </a:defRPr>
-            </a:lvl8pPr>
-            <a:lvl9pPr marL="3657600" indent="0">
-              <a:buNone/>
-              <a:defRPr sz="1600">
-                <a:solidFill>
-                  <a:schemeClr val="tx1">
-                    <a:tint val="75000"/>
-                  </a:schemeClr>
-                </a:solidFill>
-              </a:defRPr>
-            </a:lvl9pPr>
+            </a:lvl1pPr>
           </a:lstStyle>
           <a:p>
-            <a:pPr lvl="0"/>
-            <a:r>
-              <a:rPr lang="en-US" smtClean="0"/>
-              <a:t>Click to edit Master text styles</a:t>
-            </a:r>
-          </a:p>
-        </p:txBody>
-      </p:sp>
-      <p:sp>
-        <p:nvSpPr>
-          <p:cNvPr id="4" name="Date Placeholder 3"/>
+            <a:r>
+              <a:rPr kumimoji="0" lang="en-US" smtClean="0"/>
+              <a:t>Click to edit Master title style</a:t>
+            </a:r>
+            <a:endParaRPr kumimoji="0" lang="en-US"/>
+          </a:p>
+        </p:txBody>
+      </p:sp>
+      <p:sp>
+        <p:nvSpPr>
+          <p:cNvPr id="12" name="Date Placeholder 11"/>
           <p:cNvSpPr>
             <a:spLocks noGrp="1"/>
           </p:cNvSpPr>
@@ -1046,37 +1495,33 @@
       </p:sp>
       <p:sp>
         <p:nvSpPr>
-          <p:cNvPr id="5" name="Footer Placeholder 4"/>
-          <p:cNvSpPr>
-            <a:spLocks noGrp="1"/>
-          </p:cNvSpPr>
-          <p:nvPr>
-            <p:ph type="ftr" sz="quarter" idx="11"/>
-          </p:nvPr>
-        </p:nvSpPr>
-        <p:spPr/>
-        <p:txBody>
-          <a:bodyPr/>
-          <a:lstStyle/>
-          <a:p>
-            <a:endParaRPr lang="en-US"/>
-          </a:p>
-        </p:txBody>
-      </p:sp>
-      <p:sp>
-        <p:nvSpPr>
-          <p:cNvPr id="6" name="Slide Number Placeholder 5"/>
-          <p:cNvSpPr>
-            <a:spLocks noGrp="1"/>
-          </p:cNvSpPr>
-          <p:nvPr>
-            <p:ph type="sldNum" sz="quarter" idx="12"/>
-          </p:nvPr>
-        </p:nvSpPr>
-        <p:spPr/>
-        <p:txBody>
-          <a:bodyPr/>
-          <a:lstStyle/>
+          <p:cNvPr id="13" name="Slide Number Placeholder 12"/>
+          <p:cNvSpPr>
+            <a:spLocks noGrp="1"/>
+          </p:cNvSpPr>
+          <p:nvPr>
+            <p:ph type="sldNum" sz="quarter" idx="11"/>
+          </p:nvPr>
+        </p:nvSpPr>
+        <p:spPr>
+          <a:xfrm>
+            <a:off x="0" y="1752600"/>
+            <a:ext cx="1727200" cy="701676"/>
+          </a:xfrm>
+        </p:spPr>
+        <p:txBody>
+          <a:bodyPr>
+            <a:noAutofit/>
+          </a:bodyPr>
+          <a:lstStyle>
+            <a:lvl1pPr>
+              <a:defRPr sz="2400">
+                <a:solidFill>
+                  <a:srgbClr val="FFFFFF"/>
+                </a:solidFill>
+              </a:defRPr>
+            </a:lvl1pPr>
+          </a:lstStyle>
           <a:p>
             <a:fld id="{D3358083-9D44-423B-A7B7-11D2DC27AA82}" type="slidenum">
               <a:rPr lang="en-US" smtClean="0"/>
@@ -1087,15 +1532,29 @@
           </a:p>
         </p:txBody>
       </p:sp>
+      <p:sp>
+        <p:nvSpPr>
+          <p:cNvPr id="14" name="Footer Placeholder 13"/>
+          <p:cNvSpPr>
+            <a:spLocks noGrp="1"/>
+          </p:cNvSpPr>
+          <p:nvPr>
+            <p:ph type="ftr" sz="quarter" idx="12"/>
+          </p:nvPr>
+        </p:nvSpPr>
+        <p:spPr/>
+        <p:txBody>
+          <a:bodyPr/>
+          <a:lstStyle/>
+          <a:p>
+            <a:endParaRPr lang="en-US"/>
+          </a:p>
+        </p:txBody>
+      </p:sp>
     </p:spTree>
-    <p:extLst>
-      <p:ext uri="{BB962C8B-B14F-4D97-AF65-F5344CB8AC3E}">
-        <p14:creationId xmlns:p14="http://schemas.microsoft.com/office/powerpoint/2010/main" val="4106276498"/>
-      </p:ext>
-    </p:extLst>
   </p:cSld>
   <p:clrMapOvr>
-    <a:masterClrMapping/>
+    <a:overrideClrMapping bg1="lt1" tx1="dk1" bg2="lt2" tx2="dk2" accent1="accent1" accent2="accent2" accent3="accent3" accent4="accent4" accent5="accent5" accent6="accent6" hlink="hlink" folHlink="folHlink"/>
   </p:clrMapOvr>
 </p:sldLayout>
 </file>
@@ -1133,140 +1592,140 @@
           <a:lstStyle/>
           <a:p>
             <a:r>
-              <a:rPr lang="en-US" smtClean="0"/>
+              <a:rPr kumimoji="0" lang="en-US" smtClean="0"/>
               <a:t>Click to edit Master title style</a:t>
             </a:r>
-            <a:endParaRPr lang="en-US"/>
-          </a:p>
-        </p:txBody>
-      </p:sp>
-      <p:sp>
-        <p:nvSpPr>
-          <p:cNvPr id="3" name="Content Placeholder 2"/>
-          <p:cNvSpPr>
-            <a:spLocks noGrp="1"/>
-          </p:cNvSpPr>
-          <p:nvPr>
-            <p:ph sz="half" idx="1"/>
-          </p:nvPr>
-        </p:nvSpPr>
-        <p:spPr>
-          <a:xfrm>
-            <a:off x="838200" y="1825625"/>
-            <a:ext cx="5181600" cy="4351338"/>
-          </a:xfrm>
-        </p:spPr>
-        <p:txBody>
-          <a:bodyPr/>
-          <a:lstStyle/>
-          <a:p>
-            <a:pPr lvl="0"/>
+            <a:endParaRPr kumimoji="0" lang="en-US"/>
+          </a:p>
+        </p:txBody>
+      </p:sp>
+      <p:sp>
+        <p:nvSpPr>
+          <p:cNvPr id="9" name="Content Placeholder 8"/>
+          <p:cNvSpPr>
+            <a:spLocks noGrp="1"/>
+          </p:cNvSpPr>
+          <p:nvPr>
+            <p:ph sz="quarter" idx="1"/>
+          </p:nvPr>
+        </p:nvSpPr>
+        <p:spPr>
+          <a:xfrm>
+            <a:off x="812800" y="1589567"/>
+            <a:ext cx="5181600" cy="4572000"/>
+          </a:xfrm>
+        </p:spPr>
+        <p:txBody>
+          <a:bodyPr/>
+          <a:lstStyle/>
+          <a:p>
+            <a:pPr lvl="0" eaLnBrk="1" latinLnBrk="0" hangingPunct="1"/>
             <a:r>
               <a:rPr lang="en-US" smtClean="0"/>
               <a:t>Click to edit Master text styles</a:t>
             </a:r>
           </a:p>
           <a:p>
-            <a:pPr lvl="1"/>
+            <a:pPr lvl="1" eaLnBrk="1" latinLnBrk="0" hangingPunct="1"/>
             <a:r>
               <a:rPr lang="en-US" smtClean="0"/>
               <a:t>Second level</a:t>
             </a:r>
           </a:p>
           <a:p>
-            <a:pPr lvl="2"/>
+            <a:pPr lvl="2" eaLnBrk="1" latinLnBrk="0" hangingPunct="1"/>
             <a:r>
               <a:rPr lang="en-US" smtClean="0"/>
               <a:t>Third level</a:t>
             </a:r>
           </a:p>
           <a:p>
-            <a:pPr lvl="3"/>
+            <a:pPr lvl="3" eaLnBrk="1" latinLnBrk="0" hangingPunct="1"/>
             <a:r>
               <a:rPr lang="en-US" smtClean="0"/>
               <a:t>Fourth level</a:t>
             </a:r>
           </a:p>
           <a:p>
-            <a:pPr lvl="4"/>
+            <a:pPr lvl="4" eaLnBrk="1" latinLnBrk="0" hangingPunct="1"/>
             <a:r>
               <a:rPr lang="en-US" smtClean="0"/>
               <a:t>Fifth level</a:t>
             </a:r>
-            <a:endParaRPr lang="en-US"/>
-          </a:p>
-        </p:txBody>
-      </p:sp>
-      <p:sp>
-        <p:nvSpPr>
-          <p:cNvPr id="4" name="Content Placeholder 3"/>
-          <p:cNvSpPr>
-            <a:spLocks noGrp="1"/>
-          </p:cNvSpPr>
-          <p:nvPr>
-            <p:ph sz="half" idx="2"/>
-          </p:nvPr>
-        </p:nvSpPr>
-        <p:spPr>
-          <a:xfrm>
-            <a:off x="6172200" y="1825625"/>
-            <a:ext cx="5181600" cy="4351338"/>
-          </a:xfrm>
-        </p:spPr>
-        <p:txBody>
-          <a:bodyPr/>
-          <a:lstStyle/>
-          <a:p>
-            <a:pPr lvl="0"/>
+            <a:endParaRPr kumimoji="0" lang="en-US"/>
+          </a:p>
+        </p:txBody>
+      </p:sp>
+      <p:sp>
+        <p:nvSpPr>
+          <p:cNvPr id="11" name="Content Placeholder 10"/>
+          <p:cNvSpPr>
+            <a:spLocks noGrp="1"/>
+          </p:cNvSpPr>
+          <p:nvPr>
+            <p:ph sz="quarter" idx="2"/>
+          </p:nvPr>
+        </p:nvSpPr>
+        <p:spPr>
+          <a:xfrm>
+            <a:off x="6459868" y="1589567"/>
+            <a:ext cx="5181600" cy="4572000"/>
+          </a:xfrm>
+        </p:spPr>
+        <p:txBody>
+          <a:bodyPr/>
+          <a:lstStyle/>
+          <a:p>
+            <a:pPr lvl="0" eaLnBrk="1" latinLnBrk="0" hangingPunct="1"/>
             <a:r>
               <a:rPr lang="en-US" smtClean="0"/>
               <a:t>Click to edit Master text styles</a:t>
             </a:r>
           </a:p>
           <a:p>
-            <a:pPr lvl="1"/>
+            <a:pPr lvl="1" eaLnBrk="1" latinLnBrk="0" hangingPunct="1"/>
             <a:r>
               <a:rPr lang="en-US" smtClean="0"/>
               <a:t>Second level</a:t>
             </a:r>
           </a:p>
           <a:p>
-            <a:pPr lvl="2"/>
+            <a:pPr lvl="2" eaLnBrk="1" latinLnBrk="0" hangingPunct="1"/>
             <a:r>
               <a:rPr lang="en-US" smtClean="0"/>
               <a:t>Third level</a:t>
             </a:r>
           </a:p>
           <a:p>
-            <a:pPr lvl="3"/>
+            <a:pPr lvl="3" eaLnBrk="1" latinLnBrk="0" hangingPunct="1"/>
             <a:r>
               <a:rPr lang="en-US" smtClean="0"/>
               <a:t>Fourth level</a:t>
             </a:r>
           </a:p>
           <a:p>
-            <a:pPr lvl="4"/>
+            <a:pPr lvl="4" eaLnBrk="1" latinLnBrk="0" hangingPunct="1"/>
             <a:r>
               <a:rPr lang="en-US" smtClean="0"/>
               <a:t>Fifth level</a:t>
             </a:r>
-            <a:endParaRPr lang="en-US"/>
-          </a:p>
-        </p:txBody>
-      </p:sp>
-      <p:sp>
-        <p:nvSpPr>
-          <p:cNvPr id="5" name="Date Placeholder 4"/>
-          <p:cNvSpPr>
-            <a:spLocks noGrp="1"/>
-          </p:cNvSpPr>
-          <p:nvPr>
-            <p:ph type="dt" sz="half" idx="10"/>
+            <a:endParaRPr kumimoji="0" lang="en-US"/>
+          </a:p>
+        </p:txBody>
+      </p:sp>
+      <p:sp>
+        <p:nvSpPr>
+          <p:cNvPr id="8" name="Date Placeholder 7"/>
+          <p:cNvSpPr>
+            <a:spLocks noGrp="1"/>
+          </p:cNvSpPr>
+          <p:nvPr>
+            <p:ph type="dt" sz="half" idx="15"/>
           </p:nvPr>
         </p:nvSpPr>
         <p:spPr/>
         <p:txBody>
-          <a:bodyPr/>
+          <a:bodyPr rtlCol="0"/>
           <a:lstStyle/>
           <a:p>
             <a:fld id="{0AE88629-A717-430A-A4D5-955241148433}" type="datetimeFigureOut">
@@ -1280,36 +1739,17 @@
       </p:sp>
       <p:sp>
         <p:nvSpPr>
-          <p:cNvPr id="6" name="Footer Placeholder 5"/>
-          <p:cNvSpPr>
-            <a:spLocks noGrp="1"/>
-          </p:cNvSpPr>
-          <p:nvPr>
-            <p:ph type="ftr" sz="quarter" idx="11"/>
+          <p:cNvPr id="10" name="Slide Number Placeholder 9"/>
+          <p:cNvSpPr>
+            <a:spLocks noGrp="1"/>
+          </p:cNvSpPr>
+          <p:nvPr>
+            <p:ph type="sldNum" sz="quarter" idx="16"/>
           </p:nvPr>
         </p:nvSpPr>
         <p:spPr/>
         <p:txBody>
-          <a:bodyPr/>
-          <a:lstStyle/>
-          <a:p>
-            <a:endParaRPr lang="en-US"/>
-          </a:p>
-        </p:txBody>
-      </p:sp>
-      <p:sp>
-        <p:nvSpPr>
-          <p:cNvPr id="7" name="Slide Number Placeholder 6"/>
-          <p:cNvSpPr>
-            <a:spLocks noGrp="1"/>
-          </p:cNvSpPr>
-          <p:nvPr>
-            <p:ph type="sldNum" sz="quarter" idx="12"/>
-          </p:nvPr>
-        </p:nvSpPr>
-        <p:spPr/>
-        <p:txBody>
-          <a:bodyPr/>
+          <a:bodyPr rtlCol="0"/>
           <a:lstStyle/>
           <a:p>
             <a:fld id="{D3358083-9D44-423B-A7B7-11D2DC27AA82}" type="slidenum">
@@ -1321,12 +1761,26 @@
           </a:p>
         </p:txBody>
       </p:sp>
+      <p:sp>
+        <p:nvSpPr>
+          <p:cNvPr id="12" name="Footer Placeholder 11"/>
+          <p:cNvSpPr>
+            <a:spLocks noGrp="1"/>
+          </p:cNvSpPr>
+          <p:nvPr>
+            <p:ph type="ftr" sz="quarter" idx="17"/>
+          </p:nvPr>
+        </p:nvSpPr>
+        <p:spPr/>
+        <p:txBody>
+          <a:bodyPr rtlCol="0"/>
+          <a:lstStyle/>
+          <a:p>
+            <a:endParaRPr lang="en-US"/>
+          </a:p>
+        </p:txBody>
+      </p:sp>
     </p:spTree>
-    <p:extLst>
-      <p:ext uri="{BB962C8B-B14F-4D97-AF65-F5344CB8AC3E}">
-        <p14:creationId xmlns:p14="http://schemas.microsoft.com/office/powerpoint/2010/main" val="1050142482"/>
-      </p:ext>
-    </p:extLst>
   </p:cSld>
   <p:clrMapOvr>
     <a:masterClrMapping/>
@@ -1363,279 +1817,153 @@
         </p:nvSpPr>
         <p:spPr>
           <a:xfrm>
-            <a:off x="839788" y="365125"/>
-            <a:ext cx="10515600" cy="1325563"/>
-          </a:xfrm>
-        </p:spPr>
-        <p:txBody>
-          <a:bodyPr/>
-          <a:lstStyle/>
-          <a:p>
-            <a:r>
-              <a:rPr lang="en-US" smtClean="0"/>
+            <a:off x="711200" y="273050"/>
+            <a:ext cx="10871200" cy="869950"/>
+          </a:xfrm>
+        </p:spPr>
+        <p:txBody>
+          <a:bodyPr anchor="ctr"/>
+          <a:lstStyle>
+            <a:lvl1pPr>
+              <a:defRPr/>
+            </a:lvl1pPr>
+          </a:lstStyle>
+          <a:p>
+            <a:r>
+              <a:rPr kumimoji="0" lang="en-US" smtClean="0"/>
               <a:t>Click to edit Master title style</a:t>
             </a:r>
-            <a:endParaRPr lang="en-US"/>
-          </a:p>
-        </p:txBody>
-      </p:sp>
-      <p:sp>
-        <p:nvSpPr>
-          <p:cNvPr id="3" name="Text Placeholder 2"/>
-          <p:cNvSpPr>
-            <a:spLocks noGrp="1"/>
-          </p:cNvSpPr>
-          <p:nvPr>
-            <p:ph type="body" idx="1"/>
-          </p:nvPr>
-        </p:nvSpPr>
-        <p:spPr>
-          <a:xfrm>
-            <a:off x="839788" y="1681163"/>
-            <a:ext cx="5157787" cy="823912"/>
-          </a:xfrm>
-        </p:spPr>
-        <p:txBody>
-          <a:bodyPr anchor="b"/>
-          <a:lstStyle>
-            <a:lvl1pPr marL="0" indent="0">
-              <a:buNone/>
-              <a:defRPr sz="2400" b="1"/>
-            </a:lvl1pPr>
-            <a:lvl2pPr marL="457200" indent="0">
-              <a:buNone/>
-              <a:defRPr sz="2000" b="1"/>
-            </a:lvl2pPr>
-            <a:lvl3pPr marL="914400" indent="0">
-              <a:buNone/>
-              <a:defRPr sz="1800" b="1"/>
-            </a:lvl3pPr>
-            <a:lvl4pPr marL="1371600" indent="0">
-              <a:buNone/>
-              <a:defRPr sz="1600" b="1"/>
-            </a:lvl4pPr>
-            <a:lvl5pPr marL="1828800" indent="0">
-              <a:buNone/>
-              <a:defRPr sz="1600" b="1"/>
-            </a:lvl5pPr>
-            <a:lvl6pPr marL="2286000" indent="0">
-              <a:buNone/>
-              <a:defRPr sz="1600" b="1"/>
-            </a:lvl6pPr>
-            <a:lvl7pPr marL="2743200" indent="0">
-              <a:buNone/>
-              <a:defRPr sz="1600" b="1"/>
-            </a:lvl7pPr>
-            <a:lvl8pPr marL="3200400" indent="0">
-              <a:buNone/>
-              <a:defRPr sz="1600" b="1"/>
-            </a:lvl8pPr>
-            <a:lvl9pPr marL="3657600" indent="0">
-              <a:buNone/>
-              <a:defRPr sz="1600" b="1"/>
-            </a:lvl9pPr>
-          </a:lstStyle>
-          <a:p>
-            <a:pPr lvl="0"/>
+            <a:endParaRPr kumimoji="0" lang="en-US"/>
+          </a:p>
+        </p:txBody>
+      </p:sp>
+      <p:sp>
+        <p:nvSpPr>
+          <p:cNvPr id="11" name="Content Placeholder 10"/>
+          <p:cNvSpPr>
+            <a:spLocks noGrp="1"/>
+          </p:cNvSpPr>
+          <p:nvPr>
+            <p:ph sz="quarter" idx="2"/>
+          </p:nvPr>
+        </p:nvSpPr>
+        <p:spPr>
+          <a:xfrm>
+            <a:off x="812800" y="2438400"/>
+            <a:ext cx="5181600" cy="3581400"/>
+          </a:xfrm>
+        </p:spPr>
+        <p:txBody>
+          <a:bodyPr/>
+          <a:lstStyle/>
+          <a:p>
+            <a:pPr lvl="0" eaLnBrk="1" latinLnBrk="0" hangingPunct="1"/>
             <a:r>
               <a:rPr lang="en-US" smtClean="0"/>
               <a:t>Click to edit Master text styles</a:t>
             </a:r>
           </a:p>
-        </p:txBody>
-      </p:sp>
-      <p:sp>
-        <p:nvSpPr>
-          <p:cNvPr id="4" name="Content Placeholder 3"/>
-          <p:cNvSpPr>
-            <a:spLocks noGrp="1"/>
-          </p:cNvSpPr>
-          <p:nvPr>
-            <p:ph sz="half" idx="2"/>
-          </p:nvPr>
-        </p:nvSpPr>
-        <p:spPr>
-          <a:xfrm>
-            <a:off x="839788" y="2505075"/>
-            <a:ext cx="5157787" cy="3684588"/>
-          </a:xfrm>
-        </p:spPr>
-        <p:txBody>
-          <a:bodyPr/>
-          <a:lstStyle/>
-          <a:p>
-            <a:pPr lvl="0"/>
+          <a:p>
+            <a:pPr lvl="1" eaLnBrk="1" latinLnBrk="0" hangingPunct="1"/>
+            <a:r>
+              <a:rPr lang="en-US" smtClean="0"/>
+              <a:t>Second level</a:t>
+            </a:r>
+          </a:p>
+          <a:p>
+            <a:pPr lvl="2" eaLnBrk="1" latinLnBrk="0" hangingPunct="1"/>
+            <a:r>
+              <a:rPr lang="en-US" smtClean="0"/>
+              <a:t>Third level</a:t>
+            </a:r>
+          </a:p>
+          <a:p>
+            <a:pPr lvl="3" eaLnBrk="1" latinLnBrk="0" hangingPunct="1"/>
+            <a:r>
+              <a:rPr lang="en-US" smtClean="0"/>
+              <a:t>Fourth level</a:t>
+            </a:r>
+          </a:p>
+          <a:p>
+            <a:pPr lvl="4" eaLnBrk="1" latinLnBrk="0" hangingPunct="1"/>
+            <a:r>
+              <a:rPr lang="en-US" smtClean="0"/>
+              <a:t>Fifth level</a:t>
+            </a:r>
+            <a:endParaRPr kumimoji="0" lang="en-US"/>
+          </a:p>
+        </p:txBody>
+      </p:sp>
+      <p:sp>
+        <p:nvSpPr>
+          <p:cNvPr id="13" name="Content Placeholder 12"/>
+          <p:cNvSpPr>
+            <a:spLocks noGrp="1"/>
+          </p:cNvSpPr>
+          <p:nvPr>
+            <p:ph sz="quarter" idx="4"/>
+          </p:nvPr>
+        </p:nvSpPr>
+        <p:spPr>
+          <a:xfrm>
+            <a:off x="6400800" y="2438400"/>
+            <a:ext cx="5181600" cy="3581400"/>
+          </a:xfrm>
+        </p:spPr>
+        <p:txBody>
+          <a:bodyPr/>
+          <a:lstStyle/>
+          <a:p>
+            <a:pPr lvl="0" eaLnBrk="1" latinLnBrk="0" hangingPunct="1"/>
             <a:r>
               <a:rPr lang="en-US" smtClean="0"/>
               <a:t>Click to edit Master text styles</a:t>
             </a:r>
           </a:p>
           <a:p>
-            <a:pPr lvl="1"/>
+            <a:pPr lvl="1" eaLnBrk="1" latinLnBrk="0" hangingPunct="1"/>
             <a:r>
               <a:rPr lang="en-US" smtClean="0"/>
               <a:t>Second level</a:t>
             </a:r>
           </a:p>
           <a:p>
-            <a:pPr lvl="2"/>
+            <a:pPr lvl="2" eaLnBrk="1" latinLnBrk="0" hangingPunct="1"/>
             <a:r>
               <a:rPr lang="en-US" smtClean="0"/>
               <a:t>Third level</a:t>
             </a:r>
           </a:p>
           <a:p>
-            <a:pPr lvl="3"/>
+            <a:pPr lvl="3" eaLnBrk="1" latinLnBrk="0" hangingPunct="1"/>
             <a:r>
               <a:rPr lang="en-US" smtClean="0"/>
               <a:t>Fourth level</a:t>
             </a:r>
           </a:p>
           <a:p>
-            <a:pPr lvl="4"/>
+            <a:pPr lvl="4" eaLnBrk="1" latinLnBrk="0" hangingPunct="1"/>
             <a:r>
               <a:rPr lang="en-US" smtClean="0"/>
               <a:t>Fifth level</a:t>
             </a:r>
-            <a:endParaRPr lang="en-US"/>
-          </a:p>
-        </p:txBody>
-      </p:sp>
-      <p:sp>
-        <p:nvSpPr>
-          <p:cNvPr id="5" name="Text Placeholder 4"/>
-          <p:cNvSpPr>
-            <a:spLocks noGrp="1"/>
-          </p:cNvSpPr>
-          <p:nvPr>
-            <p:ph type="body" sz="quarter" idx="3"/>
-          </p:nvPr>
-        </p:nvSpPr>
-        <p:spPr>
-          <a:xfrm>
-            <a:off x="6172200" y="1681163"/>
-            <a:ext cx="5183188" cy="823912"/>
-          </a:xfrm>
-        </p:spPr>
-        <p:txBody>
-          <a:bodyPr anchor="b"/>
-          <a:lstStyle>
-            <a:lvl1pPr marL="0" indent="0">
-              <a:buNone/>
-              <a:defRPr sz="2400" b="1"/>
-            </a:lvl1pPr>
-            <a:lvl2pPr marL="457200" indent="0">
-              <a:buNone/>
-              <a:defRPr sz="2000" b="1"/>
-            </a:lvl2pPr>
-            <a:lvl3pPr marL="914400" indent="0">
-              <a:buNone/>
-              <a:defRPr sz="1800" b="1"/>
-            </a:lvl3pPr>
-            <a:lvl4pPr marL="1371600" indent="0">
-              <a:buNone/>
-              <a:defRPr sz="1600" b="1"/>
-            </a:lvl4pPr>
-            <a:lvl5pPr marL="1828800" indent="0">
-              <a:buNone/>
-              <a:defRPr sz="1600" b="1"/>
-            </a:lvl5pPr>
-            <a:lvl6pPr marL="2286000" indent="0">
-              <a:buNone/>
-              <a:defRPr sz="1600" b="1"/>
-            </a:lvl6pPr>
-            <a:lvl7pPr marL="2743200" indent="0">
-              <a:buNone/>
-              <a:defRPr sz="1600" b="1"/>
-            </a:lvl7pPr>
-            <a:lvl8pPr marL="3200400" indent="0">
-              <a:buNone/>
-              <a:defRPr sz="1600" b="1"/>
-            </a:lvl8pPr>
-            <a:lvl9pPr marL="3657600" indent="0">
-              <a:buNone/>
-              <a:defRPr sz="1600" b="1"/>
-            </a:lvl9pPr>
-          </a:lstStyle>
-          <a:p>
-            <a:pPr lvl="0"/>
-            <a:r>
-              <a:rPr lang="en-US" smtClean="0"/>
-              <a:t>Click to edit Master text styles</a:t>
-            </a:r>
-          </a:p>
-        </p:txBody>
-      </p:sp>
-      <p:sp>
-        <p:nvSpPr>
-          <p:cNvPr id="6" name="Content Placeholder 5"/>
-          <p:cNvSpPr>
-            <a:spLocks noGrp="1"/>
-          </p:cNvSpPr>
-          <p:nvPr>
-            <p:ph sz="quarter" idx="4"/>
-          </p:nvPr>
-        </p:nvSpPr>
-        <p:spPr>
-          <a:xfrm>
-            <a:off x="6172200" y="2505075"/>
-            <a:ext cx="5183188" cy="3684588"/>
-          </a:xfrm>
-        </p:spPr>
-        <p:txBody>
-          <a:bodyPr/>
-          <a:lstStyle/>
-          <a:p>
-            <a:pPr lvl="0"/>
-            <a:r>
-              <a:rPr lang="en-US" smtClean="0"/>
-              <a:t>Click to edit Master text styles</a:t>
-            </a:r>
-          </a:p>
-          <a:p>
-            <a:pPr lvl="1"/>
-            <a:r>
-              <a:rPr lang="en-US" smtClean="0"/>
-              <a:t>Second level</a:t>
-            </a:r>
-          </a:p>
-          <a:p>
-            <a:pPr lvl="2"/>
-            <a:r>
-              <a:rPr lang="en-US" smtClean="0"/>
-              <a:t>Third level</a:t>
-            </a:r>
-          </a:p>
-          <a:p>
-            <a:pPr lvl="3"/>
-            <a:r>
-              <a:rPr lang="en-US" smtClean="0"/>
-              <a:t>Fourth level</a:t>
-            </a:r>
-          </a:p>
-          <a:p>
-            <a:pPr lvl="4"/>
-            <a:r>
-              <a:rPr lang="en-US" smtClean="0"/>
-              <a:t>Fifth level</a:t>
-            </a:r>
-            <a:endParaRPr lang="en-US"/>
-          </a:p>
-        </p:txBody>
-      </p:sp>
-      <p:sp>
-        <p:nvSpPr>
-          <p:cNvPr id="7" name="Date Placeholder 6"/>
-          <p:cNvSpPr>
-            <a:spLocks noGrp="1"/>
-          </p:cNvSpPr>
-          <p:nvPr>
-            <p:ph type="dt" sz="half" idx="10"/>
+            <a:endParaRPr kumimoji="0" lang="en-US"/>
+          </a:p>
+        </p:txBody>
+      </p:sp>
+      <p:sp>
+        <p:nvSpPr>
+          <p:cNvPr id="10" name="Date Placeholder 9"/>
+          <p:cNvSpPr>
+            <a:spLocks noGrp="1"/>
+          </p:cNvSpPr>
+          <p:nvPr>
+            <p:ph type="dt" sz="half" idx="15"/>
           </p:nvPr>
         </p:nvSpPr>
         <p:spPr/>
         <p:txBody>
-          <a:bodyPr/>
+          <a:bodyPr rtlCol="0"/>
           <a:lstStyle/>
           <a:p>
             <a:fld id="{0AE88629-A717-430A-A4D5-955241148433}" type="datetimeFigureOut">
@@ -1649,36 +1977,17 @@
       </p:sp>
       <p:sp>
         <p:nvSpPr>
-          <p:cNvPr id="8" name="Footer Placeholder 7"/>
-          <p:cNvSpPr>
-            <a:spLocks noGrp="1"/>
-          </p:cNvSpPr>
-          <p:nvPr>
-            <p:ph type="ftr" sz="quarter" idx="11"/>
+          <p:cNvPr id="12" name="Slide Number Placeholder 11"/>
+          <p:cNvSpPr>
+            <a:spLocks noGrp="1"/>
+          </p:cNvSpPr>
+          <p:nvPr>
+            <p:ph type="sldNum" sz="quarter" idx="16"/>
           </p:nvPr>
         </p:nvSpPr>
         <p:spPr/>
         <p:txBody>
-          <a:bodyPr/>
-          <a:lstStyle/>
-          <a:p>
-            <a:endParaRPr lang="en-US"/>
-          </a:p>
-        </p:txBody>
-      </p:sp>
-      <p:sp>
-        <p:nvSpPr>
-          <p:cNvPr id="9" name="Slide Number Placeholder 8"/>
-          <p:cNvSpPr>
-            <a:spLocks noGrp="1"/>
-          </p:cNvSpPr>
-          <p:nvPr>
-            <p:ph type="sldNum" sz="quarter" idx="12"/>
-          </p:nvPr>
-        </p:nvSpPr>
-        <p:spPr/>
-        <p:txBody>
-          <a:bodyPr/>
+          <a:bodyPr rtlCol="0"/>
           <a:lstStyle/>
           <a:p>
             <a:fld id="{D3358083-9D44-423B-A7B7-11D2DC27AA82}" type="slidenum">
@@ -1690,12 +1999,108 @@
           </a:p>
         </p:txBody>
       </p:sp>
+      <p:sp>
+        <p:nvSpPr>
+          <p:cNvPr id="14" name="Footer Placeholder 13"/>
+          <p:cNvSpPr>
+            <a:spLocks noGrp="1"/>
+          </p:cNvSpPr>
+          <p:nvPr>
+            <p:ph type="ftr" sz="quarter" idx="17"/>
+          </p:nvPr>
+        </p:nvSpPr>
+        <p:spPr/>
+        <p:txBody>
+          <a:bodyPr rtlCol="0"/>
+          <a:lstStyle/>
+          <a:p>
+            <a:endParaRPr lang="en-US"/>
+          </a:p>
+        </p:txBody>
+      </p:sp>
+      <p:sp>
+        <p:nvSpPr>
+          <p:cNvPr id="16" name="Text Placeholder 15"/>
+          <p:cNvSpPr>
+            <a:spLocks noGrp="1"/>
+          </p:cNvSpPr>
+          <p:nvPr>
+            <p:ph type="body" sz="quarter" idx="1"/>
+          </p:nvPr>
+        </p:nvSpPr>
+        <p:spPr>
+          <a:xfrm>
+            <a:off x="812800" y="1752600"/>
+            <a:ext cx="5181600" cy="640080"/>
+          </a:xfrm>
+          <a:solidFill>
+            <a:schemeClr val="accent2"/>
+          </a:solidFill>
+        </p:spPr>
+        <p:txBody>
+          <a:bodyPr rtlCol="0" anchor="ctr"/>
+          <a:lstStyle>
+            <a:lvl1pPr marL="0" indent="0">
+              <a:buFontTx/>
+              <a:buNone/>
+              <a:defRPr sz="2000" b="1">
+                <a:solidFill>
+                  <a:srgbClr val="FFFFFF"/>
+                </a:solidFill>
+              </a:defRPr>
+            </a:lvl1pPr>
+          </a:lstStyle>
+          <a:p>
+            <a:pPr lvl="0" eaLnBrk="1" latinLnBrk="0" hangingPunct="1"/>
+            <a:r>
+              <a:rPr kumimoji="0" lang="en-US" smtClean="0"/>
+              <a:t>Click to edit Master text styles</a:t>
+            </a:r>
+          </a:p>
+        </p:txBody>
+      </p:sp>
+      <p:sp>
+        <p:nvSpPr>
+          <p:cNvPr id="15" name="Text Placeholder 14"/>
+          <p:cNvSpPr>
+            <a:spLocks noGrp="1"/>
+          </p:cNvSpPr>
+          <p:nvPr>
+            <p:ph type="body" sz="quarter" idx="3"/>
+          </p:nvPr>
+        </p:nvSpPr>
+        <p:spPr>
+          <a:xfrm>
+            <a:off x="6400800" y="1752600"/>
+            <a:ext cx="5181600" cy="640080"/>
+          </a:xfrm>
+          <a:solidFill>
+            <a:schemeClr val="accent4"/>
+          </a:solidFill>
+        </p:spPr>
+        <p:txBody>
+          <a:bodyPr rtlCol="0" anchor="ctr"/>
+          <a:lstStyle>
+            <a:lvl1pPr marL="0" indent="0">
+              <a:buFontTx/>
+              <a:buNone/>
+              <a:defRPr sz="2000" b="1">
+                <a:solidFill>
+                  <a:srgbClr val="FFFFFF"/>
+                </a:solidFill>
+              </a:defRPr>
+            </a:lvl1pPr>
+          </a:lstStyle>
+          <a:p>
+            <a:pPr lvl="0" eaLnBrk="1" latinLnBrk="0" hangingPunct="1"/>
+            <a:r>
+              <a:rPr kumimoji="0" lang="en-US" smtClean="0"/>
+              <a:t>Click to edit Master text styles</a:t>
+            </a:r>
+          </a:p>
+        </p:txBody>
+      </p:sp>
     </p:spTree>
-    <p:extLst>
-      <p:ext uri="{BB962C8B-B14F-4D97-AF65-F5344CB8AC3E}">
-        <p14:creationId xmlns:p14="http://schemas.microsoft.com/office/powerpoint/2010/main" val="732675160"/>
-      </p:ext>
-    </p:extLst>
   </p:cSld>
   <p:clrMapOvr>
     <a:masterClrMapping/>
@@ -1736,10 +2141,10 @@
           <a:lstStyle/>
           <a:p>
             <a:r>
-              <a:rPr lang="en-US" smtClean="0"/>
+              <a:rPr kumimoji="0" lang="en-US" smtClean="0"/>
               <a:t>Click to edit Master title style</a:t>
             </a:r>
-            <a:endParaRPr lang="en-US"/>
+            <a:endParaRPr kumimoji="0" lang="en-US"/>
           </a:p>
         </p:txBody>
       </p:sp>
@@ -1799,7 +2204,15 @@
         <p:spPr/>
         <p:txBody>
           <a:bodyPr/>
-          <a:lstStyle/>
+          <a:lstStyle>
+            <a:lvl1pPr>
+              <a:defRPr>
+                <a:solidFill>
+                  <a:srgbClr val="FFFFFF"/>
+                </a:solidFill>
+              </a:defRPr>
+            </a:lvl1pPr>
+          </a:lstStyle>
           <a:p>
             <a:fld id="{D3358083-9D44-423B-A7B7-11D2DC27AA82}" type="slidenum">
               <a:rPr lang="en-US" smtClean="0"/>
@@ -1811,11 +2224,6 @@
         </p:txBody>
       </p:sp>
     </p:spTree>
-    <p:extLst>
-      <p:ext uri="{BB962C8B-B14F-4D97-AF65-F5344CB8AC3E}">
-        <p14:creationId xmlns:p14="http://schemas.microsoft.com/office/powerpoint/2010/main" val="1933049676"/>
-      </p:ext>
-    </p:extLst>
   </p:cSld>
   <p:clrMapOvr>
     <a:masterClrMapping/>
@@ -1824,7 +2232,7 @@
 </file>
 
 <file path=ppt/slideLayouts/slideLayout7.xml><?xml version="1.0" encoding="utf-8"?>
-<p:sldLayout xmlns:a="http://schemas.openxmlformats.org/drawingml/2006/main" xmlns:r="http://schemas.openxmlformats.org/officeDocument/2006/relationships" xmlns:p="http://schemas.openxmlformats.org/presentationml/2006/main" type="blank" preserve="1">
+<p:sldLayout xmlns:a="http://schemas.openxmlformats.org/drawingml/2006/main" xmlns:r="http://schemas.openxmlformats.org/officeDocument/2006/relationships" xmlns:p="http://schemas.openxmlformats.org/presentationml/2006/main" showMasterSp="0" type="blank" preserve="1">
   <p:cSld name="Blank">
     <p:spTree>
       <p:nvGrpSpPr>
@@ -1893,10 +2301,23 @@
             <p:ph type="sldNum" sz="quarter" idx="12"/>
           </p:nvPr>
         </p:nvSpPr>
-        <p:spPr/>
-        <p:txBody>
-          <a:bodyPr/>
-          <a:lstStyle/>
+        <p:spPr>
+          <a:xfrm>
+            <a:off x="0" y="6248400"/>
+            <a:ext cx="711200" cy="381000"/>
+          </a:xfrm>
+        </p:spPr>
+        <p:txBody>
+          <a:bodyPr/>
+          <a:lstStyle>
+            <a:lvl1pPr>
+              <a:defRPr>
+                <a:solidFill>
+                  <a:schemeClr val="tx2"/>
+                </a:solidFill>
+              </a:defRPr>
+            </a:lvl1pPr>
+          </a:lstStyle>
           <a:p>
             <a:fld id="{D3358083-9D44-423B-A7B7-11D2DC27AA82}" type="slidenum">
               <a:rPr lang="en-US" smtClean="0"/>
@@ -1908,11 +2329,6 @@
         </p:txBody>
       </p:sp>
     </p:spTree>
-    <p:extLst>
-      <p:ext uri="{BB962C8B-B14F-4D97-AF65-F5344CB8AC3E}">
-        <p14:creationId xmlns:p14="http://schemas.microsoft.com/office/powerpoint/2010/main" val="154065328"/>
-      </p:ext>
-    </p:extLst>
   </p:cSld>
   <p:clrMapOvr>
     <a:masterClrMapping/>
@@ -1949,173 +2365,24 @@
         </p:nvSpPr>
         <p:spPr>
           <a:xfrm>
-            <a:off x="839788" y="457200"/>
-            <a:ext cx="3932237" cy="1600200"/>
-          </a:xfrm>
-        </p:spPr>
-        <p:txBody>
-          <a:bodyPr anchor="b"/>
+            <a:off x="812800" y="273050"/>
+            <a:ext cx="10769600" cy="869950"/>
+          </a:xfrm>
+        </p:spPr>
+        <p:txBody>
+          <a:bodyPr anchor="ctr"/>
           <a:lstStyle>
-            <a:lvl1pPr>
-              <a:defRPr sz="3200"/>
+            <a:lvl1pPr algn="l">
+              <a:buNone/>
+              <a:defRPr sz="4400" b="0"/>
             </a:lvl1pPr>
           </a:lstStyle>
           <a:p>
             <a:r>
-              <a:rPr lang="en-US" smtClean="0"/>
+              <a:rPr kumimoji="0" lang="en-US" smtClean="0"/>
               <a:t>Click to edit Master title style</a:t>
             </a:r>
-            <a:endParaRPr lang="en-US"/>
-          </a:p>
-        </p:txBody>
-      </p:sp>
-      <p:sp>
-        <p:nvSpPr>
-          <p:cNvPr id="3" name="Content Placeholder 2"/>
-          <p:cNvSpPr>
-            <a:spLocks noGrp="1"/>
-          </p:cNvSpPr>
-          <p:nvPr>
-            <p:ph idx="1"/>
-          </p:nvPr>
-        </p:nvSpPr>
-        <p:spPr>
-          <a:xfrm>
-            <a:off x="5183188" y="987425"/>
-            <a:ext cx="6172200" cy="4873625"/>
-          </a:xfrm>
-        </p:spPr>
-        <p:txBody>
-          <a:bodyPr/>
-          <a:lstStyle>
-            <a:lvl1pPr>
-              <a:defRPr sz="3200"/>
-            </a:lvl1pPr>
-            <a:lvl2pPr>
-              <a:defRPr sz="2800"/>
-            </a:lvl2pPr>
-            <a:lvl3pPr>
-              <a:defRPr sz="2400"/>
-            </a:lvl3pPr>
-            <a:lvl4pPr>
-              <a:defRPr sz="2000"/>
-            </a:lvl4pPr>
-            <a:lvl5pPr>
-              <a:defRPr sz="2000"/>
-            </a:lvl5pPr>
-            <a:lvl6pPr>
-              <a:defRPr sz="2000"/>
-            </a:lvl6pPr>
-            <a:lvl7pPr>
-              <a:defRPr sz="2000"/>
-            </a:lvl7pPr>
-            <a:lvl8pPr>
-              <a:defRPr sz="2000"/>
-            </a:lvl8pPr>
-            <a:lvl9pPr>
-              <a:defRPr sz="2000"/>
-            </a:lvl9pPr>
-          </a:lstStyle>
-          <a:p>
-            <a:pPr lvl="0"/>
-            <a:r>
-              <a:rPr lang="en-US" smtClean="0"/>
-              <a:t>Click to edit Master text styles</a:t>
-            </a:r>
-          </a:p>
-          <a:p>
-            <a:pPr lvl="1"/>
-            <a:r>
-              <a:rPr lang="en-US" smtClean="0"/>
-              <a:t>Second level</a:t>
-            </a:r>
-          </a:p>
-          <a:p>
-            <a:pPr lvl="2"/>
-            <a:r>
-              <a:rPr lang="en-US" smtClean="0"/>
-              <a:t>Third level</a:t>
-            </a:r>
-          </a:p>
-          <a:p>
-            <a:pPr lvl="3"/>
-            <a:r>
-              <a:rPr lang="en-US" smtClean="0"/>
-              <a:t>Fourth level</a:t>
-            </a:r>
-          </a:p>
-          <a:p>
-            <a:pPr lvl="4"/>
-            <a:r>
-              <a:rPr lang="en-US" smtClean="0"/>
-              <a:t>Fifth level</a:t>
-            </a:r>
-            <a:endParaRPr lang="en-US"/>
-          </a:p>
-        </p:txBody>
-      </p:sp>
-      <p:sp>
-        <p:nvSpPr>
-          <p:cNvPr id="4" name="Text Placeholder 3"/>
-          <p:cNvSpPr>
-            <a:spLocks noGrp="1"/>
-          </p:cNvSpPr>
-          <p:nvPr>
-            <p:ph type="body" sz="half" idx="2"/>
-          </p:nvPr>
-        </p:nvSpPr>
-        <p:spPr>
-          <a:xfrm>
-            <a:off x="839788" y="2057400"/>
-            <a:ext cx="3932237" cy="3811588"/>
-          </a:xfrm>
-        </p:spPr>
-        <p:txBody>
-          <a:bodyPr/>
-          <a:lstStyle>
-            <a:lvl1pPr marL="0" indent="0">
-              <a:buNone/>
-              <a:defRPr sz="1600"/>
-            </a:lvl1pPr>
-            <a:lvl2pPr marL="457200" indent="0">
-              <a:buNone/>
-              <a:defRPr sz="1400"/>
-            </a:lvl2pPr>
-            <a:lvl3pPr marL="914400" indent="0">
-              <a:buNone/>
-              <a:defRPr sz="1200"/>
-            </a:lvl3pPr>
-            <a:lvl4pPr marL="1371600" indent="0">
-              <a:buNone/>
-              <a:defRPr sz="1000"/>
-            </a:lvl4pPr>
-            <a:lvl5pPr marL="1828800" indent="0">
-              <a:buNone/>
-              <a:defRPr sz="1000"/>
-            </a:lvl5pPr>
-            <a:lvl6pPr marL="2286000" indent="0">
-              <a:buNone/>
-              <a:defRPr sz="1000"/>
-            </a:lvl6pPr>
-            <a:lvl7pPr marL="2743200" indent="0">
-              <a:buNone/>
-              <a:defRPr sz="1000"/>
-            </a:lvl7pPr>
-            <a:lvl8pPr marL="3200400" indent="0">
-              <a:buNone/>
-              <a:defRPr sz="1000"/>
-            </a:lvl8pPr>
-            <a:lvl9pPr marL="3657600" indent="0">
-              <a:buNone/>
-              <a:defRPr sz="1000"/>
-            </a:lvl9pPr>
-          </a:lstStyle>
-          <a:p>
-            <a:pPr lvl="0"/>
-            <a:r>
-              <a:rPr lang="en-US" smtClean="0"/>
-              <a:t>Click to edit Master text styles</a:t>
-            </a:r>
+            <a:endParaRPr kumimoji="0" lang="en-US"/>
           </a:p>
         </p:txBody>
       </p:sp>
@@ -2175,7 +2442,15 @@
         <p:spPr/>
         <p:txBody>
           <a:bodyPr/>
-          <a:lstStyle/>
+          <a:lstStyle>
+            <a:lvl1pPr>
+              <a:defRPr>
+                <a:solidFill>
+                  <a:srgbClr val="FFFFFF"/>
+                </a:solidFill>
+              </a:defRPr>
+            </a:lvl1pPr>
+          </a:lstStyle>
           <a:p>
             <a:fld id="{D3358083-9D44-423B-A7B7-11D2DC27AA82}" type="slidenum">
               <a:rPr lang="en-US" smtClean="0"/>
@@ -2186,12 +2461,138 @@
           </a:p>
         </p:txBody>
       </p:sp>
+      <p:sp>
+        <p:nvSpPr>
+          <p:cNvPr id="3" name="Text Placeholder 2"/>
+          <p:cNvSpPr>
+            <a:spLocks noGrp="1"/>
+          </p:cNvSpPr>
+          <p:nvPr>
+            <p:ph type="body" idx="2"/>
+          </p:nvPr>
+        </p:nvSpPr>
+        <p:spPr>
+          <a:xfrm>
+            <a:off x="812800" y="1752600"/>
+            <a:ext cx="2133600" cy="4343400"/>
+          </a:xfrm>
+          <a:ln w="50800" cap="sq" cmpd="dbl" algn="ctr">
+            <a:solidFill>
+              <a:schemeClr val="accent2"/>
+            </a:solidFill>
+            <a:prstDash val="solid"/>
+            <a:miter lim="800000"/>
+          </a:ln>
+          <a:effectLst/>
+        </p:spPr>
+        <p:style>
+          <a:lnRef idx="3">
+            <a:schemeClr val="lt1"/>
+          </a:lnRef>
+          <a:fillRef idx="1">
+            <a:schemeClr val="accent2"/>
+          </a:fillRef>
+          <a:effectRef idx="1">
+            <a:schemeClr val="accent2"/>
+          </a:effectRef>
+          <a:fontRef idx="minor">
+            <a:schemeClr val="lt1"/>
+          </a:fontRef>
+        </p:style>
+        <p:txBody>
+          <a:bodyPr lIns="137160" tIns="182880" rIns="137160" bIns="91440"/>
+          <a:lstStyle>
+            <a:lvl1pPr marL="0" indent="0">
+              <a:spcAft>
+                <a:spcPts val="1000"/>
+              </a:spcAft>
+              <a:buNone/>
+              <a:defRPr sz="1800"/>
+            </a:lvl1pPr>
+            <a:lvl2pPr>
+              <a:buNone/>
+              <a:defRPr sz="1200"/>
+            </a:lvl2pPr>
+            <a:lvl3pPr>
+              <a:buNone/>
+              <a:defRPr sz="1000"/>
+            </a:lvl3pPr>
+            <a:lvl4pPr>
+              <a:buNone/>
+              <a:defRPr sz="900"/>
+            </a:lvl4pPr>
+            <a:lvl5pPr>
+              <a:buNone/>
+              <a:defRPr sz="900"/>
+            </a:lvl5pPr>
+          </a:lstStyle>
+          <a:p>
+            <a:pPr lvl="0" eaLnBrk="1" latinLnBrk="0" hangingPunct="1"/>
+            <a:r>
+              <a:rPr kumimoji="0" lang="en-US" smtClean="0"/>
+              <a:t>Click to edit Master text styles</a:t>
+            </a:r>
+          </a:p>
+        </p:txBody>
+      </p:sp>
+      <p:sp>
+        <p:nvSpPr>
+          <p:cNvPr id="9" name="Content Placeholder 8"/>
+          <p:cNvSpPr>
+            <a:spLocks noGrp="1"/>
+          </p:cNvSpPr>
+          <p:nvPr>
+            <p:ph sz="quarter" idx="1"/>
+          </p:nvPr>
+        </p:nvSpPr>
+        <p:spPr>
+          <a:xfrm>
+            <a:off x="3149600" y="1752600"/>
+            <a:ext cx="8534400" cy="4419600"/>
+          </a:xfrm>
+        </p:spPr>
+        <p:txBody>
+          <a:bodyPr/>
+          <a:lstStyle/>
+          <a:p>
+            <a:pPr lvl="0" eaLnBrk="1" latinLnBrk="0" hangingPunct="1"/>
+            <a:r>
+              <a:rPr lang="en-US" smtClean="0"/>
+              <a:t>Click to edit Master text styles</a:t>
+            </a:r>
+          </a:p>
+          <a:p>
+            <a:pPr lvl="1" eaLnBrk="1" latinLnBrk="0" hangingPunct="1"/>
+            <a:r>
+              <a:rPr lang="en-US" smtClean="0"/>
+              <a:t>Second level</a:t>
+            </a:r>
+          </a:p>
+          <a:p>
+            <a:pPr lvl="2" eaLnBrk="1" latinLnBrk="0" hangingPunct="1"/>
+            <a:r>
+              <a:rPr lang="en-US" smtClean="0"/>
+              <a:t>Third level</a:t>
+            </a:r>
+          </a:p>
+          <a:p>
+            <a:pPr lvl="3" eaLnBrk="1" latinLnBrk="0" hangingPunct="1"/>
+            <a:r>
+              <a:rPr lang="en-US" smtClean="0"/>
+              <a:t>Fourth level</a:t>
+            </a:r>
+          </a:p>
+          <a:p>
+            <a:pPr lvl="4" eaLnBrk="1" latinLnBrk="0" hangingPunct="1"/>
+            <a:r>
+              <a:rPr lang="en-US" smtClean="0"/>
+              <a:t>Fifth level</a:t>
+            </a:r>
+            <a:endParaRPr kumimoji="0" lang="en-US"/>
+          </a:p>
+        </p:txBody>
+      </p:sp>
     </p:spTree>
-    <p:extLst>
-      <p:ext uri="{BB962C8B-B14F-4D97-AF65-F5344CB8AC3E}">
-        <p14:creationId xmlns:p14="http://schemas.microsoft.com/office/powerpoint/2010/main" val="2360534092"/>
-      </p:ext>
-    </p:extLst>
   </p:cSld>
   <p:clrMapOvr>
     <a:masterClrMapping/>
@@ -2200,8 +2601,13 @@
 </file>
 
 <file path=ppt/slideLayouts/slideLayout9.xml><?xml version="1.0" encoding="utf-8"?>
-<p:sldLayout xmlns:a="http://schemas.openxmlformats.org/drawingml/2006/main" xmlns:r="http://schemas.openxmlformats.org/officeDocument/2006/relationships" xmlns:p="http://schemas.openxmlformats.org/presentationml/2006/main" type="picTx" preserve="1">
+<p:sldLayout xmlns:a="http://schemas.openxmlformats.org/drawingml/2006/main" xmlns:r="http://schemas.openxmlformats.org/officeDocument/2006/relationships" xmlns:p="http://schemas.openxmlformats.org/presentationml/2006/main" showMasterSp="0" type="picTx" preserve="1">
   <p:cSld name="Picture with Caption">
+    <p:bg>
+      <p:bgRef idx="1003">
+        <a:schemeClr val="bg2"/>
+      </p:bgRef>
+    </p:bg>
     <p:spTree>
       <p:nvGrpSpPr>
         <p:cNvPr id="1" name=""/>
@@ -2218,6 +2624,202 @@
       </p:grpSpPr>
       <p:sp>
         <p:nvSpPr>
+          <p:cNvPr id="4" name="Text Placeholder 3"/>
+          <p:cNvSpPr>
+            <a:spLocks noGrp="1"/>
+          </p:cNvSpPr>
+          <p:nvPr>
+            <p:ph type="body" sz="half" idx="2"/>
+          </p:nvPr>
+        </p:nvSpPr>
+        <p:spPr>
+          <a:xfrm>
+            <a:off x="2133600" y="5486400"/>
+            <a:ext cx="9753600" cy="685800"/>
+          </a:xfrm>
+        </p:spPr>
+        <p:txBody>
+          <a:bodyPr/>
+          <a:lstStyle>
+            <a:lvl1pPr marL="0" indent="0">
+              <a:buFontTx/>
+              <a:buNone/>
+              <a:defRPr sz="1700"/>
+            </a:lvl1pPr>
+            <a:lvl2pPr>
+              <a:buFontTx/>
+              <a:buNone/>
+              <a:defRPr sz="1200"/>
+            </a:lvl2pPr>
+            <a:lvl3pPr>
+              <a:buFontTx/>
+              <a:buNone/>
+              <a:defRPr sz="1000"/>
+            </a:lvl3pPr>
+            <a:lvl4pPr>
+              <a:buFontTx/>
+              <a:buNone/>
+              <a:defRPr sz="900"/>
+            </a:lvl4pPr>
+            <a:lvl5pPr>
+              <a:buFontTx/>
+              <a:buNone/>
+              <a:defRPr sz="900"/>
+            </a:lvl5pPr>
+          </a:lstStyle>
+          <a:p>
+            <a:pPr lvl="0" eaLnBrk="1" latinLnBrk="0" hangingPunct="1"/>
+            <a:r>
+              <a:rPr kumimoji="0" lang="en-US" smtClean="0"/>
+              <a:t>Click to edit Master text styles</a:t>
+            </a:r>
+          </a:p>
+        </p:txBody>
+      </p:sp>
+      <p:sp>
+        <p:nvSpPr>
+          <p:cNvPr id="8" name="Rectangle 7"/>
+          <p:cNvSpPr/>
+          <p:nvPr/>
+        </p:nvSpPr>
+        <p:spPr bwMode="white">
+          <a:xfrm>
+            <a:off x="-12192" y="4572000"/>
+            <a:ext cx="12192000" cy="886968"/>
+          </a:xfrm>
+          <a:prstGeom prst="rect">
+            <a:avLst/>
+          </a:prstGeom>
+          <a:solidFill>
+            <a:srgbClr val="FFFFFF"/>
+          </a:solidFill>
+          <a:ln w="50800" cap="rnd" cmpd="dbl" algn="ctr">
+            <a:noFill/>
+            <a:prstDash val="solid"/>
+          </a:ln>
+          <a:effectLst/>
+        </p:spPr>
+        <p:style>
+          <a:lnRef idx="3">
+            <a:schemeClr val="lt1"/>
+          </a:lnRef>
+          <a:fillRef idx="1">
+            <a:schemeClr val="accent1"/>
+          </a:fillRef>
+          <a:effectRef idx="1">
+            <a:schemeClr val="accent1"/>
+          </a:effectRef>
+          <a:fontRef idx="minor">
+            <a:schemeClr val="lt1"/>
+          </a:fontRef>
+        </p:style>
+        <p:txBody>
+          <a:bodyPr anchor="ctr"/>
+          <a:lstStyle/>
+          <a:p>
+            <a:pPr algn="ctr" eaLnBrk="1" latinLnBrk="0" hangingPunct="1"/>
+            <a:endParaRPr kumimoji="0" lang="en-US"/>
+          </a:p>
+        </p:txBody>
+      </p:sp>
+      <p:sp>
+        <p:nvSpPr>
+          <p:cNvPr id="9" name="Rectangle 8"/>
+          <p:cNvSpPr/>
+          <p:nvPr/>
+        </p:nvSpPr>
+        <p:spPr>
+          <a:xfrm>
+            <a:off x="-12192" y="4663440"/>
+            <a:ext cx="1950720" cy="713232"/>
+          </a:xfrm>
+          <a:prstGeom prst="rect">
+            <a:avLst/>
+          </a:prstGeom>
+          <a:solidFill>
+            <a:schemeClr val="accent2">
+              <a:alpha val="100000"/>
+            </a:schemeClr>
+          </a:solidFill>
+          <a:ln w="50800" cap="rnd" cmpd="dbl" algn="ctr">
+            <a:noFill/>
+            <a:prstDash val="solid"/>
+          </a:ln>
+          <a:effectLst/>
+        </p:spPr>
+        <p:style>
+          <a:lnRef idx="3">
+            <a:schemeClr val="lt1"/>
+          </a:lnRef>
+          <a:fillRef idx="1">
+            <a:schemeClr val="accent1"/>
+          </a:fillRef>
+          <a:effectRef idx="1">
+            <a:schemeClr val="accent1"/>
+          </a:effectRef>
+          <a:fontRef idx="minor">
+            <a:schemeClr val="lt1"/>
+          </a:fontRef>
+        </p:style>
+        <p:txBody>
+          <a:bodyPr anchor="ctr"/>
+          <a:lstStyle/>
+          <a:p>
+            <a:pPr algn="ctr" eaLnBrk="1" latinLnBrk="0" hangingPunct="1"/>
+            <a:endParaRPr kumimoji="0" lang="en-US"/>
+          </a:p>
+        </p:txBody>
+      </p:sp>
+      <p:sp>
+        <p:nvSpPr>
+          <p:cNvPr id="10" name="Rectangle 9"/>
+          <p:cNvSpPr/>
+          <p:nvPr/>
+        </p:nvSpPr>
+        <p:spPr>
+          <a:xfrm>
+            <a:off x="2060448" y="4654296"/>
+            <a:ext cx="10131552" cy="713232"/>
+          </a:xfrm>
+          <a:prstGeom prst="rect">
+            <a:avLst/>
+          </a:prstGeom>
+          <a:solidFill>
+            <a:schemeClr val="accent1">
+              <a:alpha val="100000"/>
+            </a:schemeClr>
+          </a:solidFill>
+          <a:ln w="50800" cap="rnd" cmpd="dbl" algn="ctr">
+            <a:noFill/>
+            <a:prstDash val="solid"/>
+          </a:ln>
+          <a:effectLst/>
+        </p:spPr>
+        <p:style>
+          <a:lnRef idx="3">
+            <a:schemeClr val="lt1"/>
+          </a:lnRef>
+          <a:fillRef idx="1">
+            <a:schemeClr val="accent1"/>
+          </a:fillRef>
+          <a:effectRef idx="1">
+            <a:schemeClr val="accent1"/>
+          </a:effectRef>
+          <a:fontRef idx="minor">
+            <a:schemeClr val="lt1"/>
+          </a:fontRef>
+        </p:style>
+        <p:txBody>
+          <a:bodyPr anchor="ctr"/>
+          <a:lstStyle/>
+          <a:p>
+            <a:pPr algn="ctr" eaLnBrk="1" latinLnBrk="0" hangingPunct="1"/>
+            <a:endParaRPr kumimoji="0" lang="en-US"/>
+          </a:p>
+        </p:txBody>
+      </p:sp>
+      <p:sp>
+        <p:nvSpPr>
           <p:cNvPr id="2" name="Title 1"/>
           <p:cNvSpPr>
             <a:spLocks noGrp="1"/>
@@ -2228,28 +2830,165 @@
         </p:nvSpPr>
         <p:spPr>
           <a:xfrm>
-            <a:off x="839788" y="457200"/>
-            <a:ext cx="3932237" cy="1600200"/>
-          </a:xfrm>
-        </p:spPr>
-        <p:txBody>
-          <a:bodyPr anchor="b"/>
+            <a:off x="2133600" y="4648200"/>
+            <a:ext cx="9753600" cy="685800"/>
+          </a:xfrm>
+        </p:spPr>
+        <p:txBody>
+          <a:bodyPr anchor="ctr"/>
+          <a:lstStyle>
+            <a:lvl1pPr algn="l">
+              <a:buNone/>
+              <a:defRPr sz="2800" b="0">
+                <a:solidFill>
+                  <a:srgbClr val="FFFFFF"/>
+                </a:solidFill>
+              </a:defRPr>
+            </a:lvl1pPr>
+          </a:lstStyle>
+          <a:p>
+            <a:r>
+              <a:rPr kumimoji="0" lang="en-US" smtClean="0"/>
+              <a:t>Click to edit Master title style</a:t>
+            </a:r>
+            <a:endParaRPr kumimoji="0" lang="en-US"/>
+          </a:p>
+        </p:txBody>
+      </p:sp>
+      <p:sp>
+        <p:nvSpPr>
+          <p:cNvPr id="11" name="Rectangle 10"/>
+          <p:cNvSpPr/>
+          <p:nvPr/>
+        </p:nvSpPr>
+        <p:spPr bwMode="white">
+          <a:xfrm>
+            <a:off x="1930400" y="0"/>
+            <a:ext cx="134112" cy="6867144"/>
+          </a:xfrm>
+          <a:prstGeom prst="rect">
+            <a:avLst/>
+          </a:prstGeom>
+          <a:solidFill>
+            <a:srgbClr val="FFFFFF"/>
+          </a:solidFill>
+          <a:ln w="50800" cap="rnd" cmpd="dbl" algn="ctr">
+            <a:noFill/>
+            <a:prstDash val="solid"/>
+          </a:ln>
+          <a:effectLst/>
+        </p:spPr>
+        <p:style>
+          <a:lnRef idx="3">
+            <a:schemeClr val="lt1"/>
+          </a:lnRef>
+          <a:fillRef idx="1">
+            <a:schemeClr val="accent1"/>
+          </a:fillRef>
+          <a:effectRef idx="1">
+            <a:schemeClr val="accent1"/>
+          </a:effectRef>
+          <a:fontRef idx="minor">
+            <a:schemeClr val="lt1"/>
+          </a:fontRef>
+        </p:style>
+        <p:txBody>
+          <a:bodyPr anchor="ctr"/>
+          <a:lstStyle/>
+          <a:p>
+            <a:pPr algn="ctr" eaLnBrk="1" latinLnBrk="0" hangingPunct="1"/>
+            <a:endParaRPr kumimoji="0" lang="en-US"/>
+          </a:p>
+        </p:txBody>
+      </p:sp>
+      <p:sp>
+        <p:nvSpPr>
+          <p:cNvPr id="12" name="Date Placeholder 11"/>
+          <p:cNvSpPr>
+            <a:spLocks noGrp="1"/>
+          </p:cNvSpPr>
+          <p:nvPr>
+            <p:ph type="dt" sz="half" idx="10"/>
+          </p:nvPr>
+        </p:nvSpPr>
+        <p:spPr>
+          <a:xfrm>
+            <a:off x="8331200" y="6248401"/>
+            <a:ext cx="3556000" cy="365125"/>
+          </a:xfrm>
+        </p:spPr>
+        <p:txBody>
+          <a:bodyPr rtlCol="0"/>
+          <a:lstStyle/>
+          <a:p>
+            <a:fld id="{0AE88629-A717-430A-A4D5-955241148433}" type="datetimeFigureOut">
+              <a:rPr lang="en-US" smtClean="0"/>
+              <a:pPr/>
+              <a:t>12/3/2013</a:t>
+            </a:fld>
+            <a:endParaRPr lang="en-US"/>
+          </a:p>
+        </p:txBody>
+      </p:sp>
+      <p:sp>
+        <p:nvSpPr>
+          <p:cNvPr id="13" name="Slide Number Placeholder 12"/>
+          <p:cNvSpPr>
+            <a:spLocks noGrp="1"/>
+          </p:cNvSpPr>
+          <p:nvPr>
+            <p:ph type="sldNum" sz="quarter" idx="11"/>
+          </p:nvPr>
+        </p:nvSpPr>
+        <p:spPr>
+          <a:xfrm>
+            <a:off x="0" y="4667249"/>
+            <a:ext cx="1930400" cy="663578"/>
+          </a:xfrm>
+        </p:spPr>
+        <p:txBody>
+          <a:bodyPr rtlCol="0"/>
           <a:lstStyle>
             <a:lvl1pPr>
-              <a:defRPr sz="3200"/>
+              <a:defRPr sz="2800"/>
             </a:lvl1pPr>
           </a:lstStyle>
           <a:p>
-            <a:r>
-              <a:rPr lang="en-US" smtClean="0"/>
-              <a:t>Click to edit Master title style</a:t>
-            </a:r>
+            <a:fld id="{D3358083-9D44-423B-A7B7-11D2DC27AA82}" type="slidenum">
+              <a:rPr lang="en-US" smtClean="0"/>
+              <a:pPr/>
+              <a:t>‹#›</a:t>
+            </a:fld>
             <a:endParaRPr lang="en-US"/>
           </a:p>
         </p:txBody>
       </p:sp>
       <p:sp>
         <p:nvSpPr>
+          <p:cNvPr id="14" name="Footer Placeholder 13"/>
+          <p:cNvSpPr>
+            <a:spLocks noGrp="1"/>
+          </p:cNvSpPr>
+          <p:nvPr>
+            <p:ph type="ftr" sz="quarter" idx="12"/>
+          </p:nvPr>
+        </p:nvSpPr>
+        <p:spPr>
+          <a:xfrm>
+            <a:off x="2133600" y="6248207"/>
+            <a:ext cx="6096000" cy="365125"/>
+          </a:xfrm>
+        </p:spPr>
+        <p:txBody>
+          <a:bodyPr rtlCol="0"/>
+          <a:lstStyle/>
+          <a:p>
+            <a:endParaRPr lang="en-US"/>
+          </a:p>
+        </p:txBody>
+      </p:sp>
+      <p:sp>
+        <p:nvSpPr>
           <p:cNvPr id="3" name="Picture Placeholder 2"/>
           <p:cNvSpPr>
             <a:spLocks noGrp="1"/>
@@ -2260,9 +2999,17 @@
         </p:nvSpPr>
         <p:spPr>
           <a:xfrm>
-            <a:off x="5183188" y="987425"/>
-            <a:ext cx="6172200" cy="4873625"/>
-          </a:xfrm>
+            <a:off x="2080768" y="0"/>
+            <a:ext cx="10111232" cy="4568952"/>
+          </a:xfrm>
+          <a:solidFill>
+            <a:schemeClr val="accent1">
+              <a:tint val="40000"/>
+            </a:schemeClr>
+          </a:solidFill>
+          <a:ln>
+            <a:noFill/>
+          </a:ln>
         </p:spPr>
         <p:txBody>
           <a:bodyPr/>
@@ -2271,185 +3018,20 @@
               <a:buNone/>
               <a:defRPr sz="3200"/>
             </a:lvl1pPr>
-            <a:lvl2pPr marL="457200" indent="0">
-              <a:buNone/>
-              <a:defRPr sz="2800"/>
-            </a:lvl2pPr>
-            <a:lvl3pPr marL="914400" indent="0">
-              <a:buNone/>
-              <a:defRPr sz="2400"/>
-            </a:lvl3pPr>
-            <a:lvl4pPr marL="1371600" indent="0">
-              <a:buNone/>
-              <a:defRPr sz="2000"/>
-            </a:lvl4pPr>
-            <a:lvl5pPr marL="1828800" indent="0">
-              <a:buNone/>
-              <a:defRPr sz="2000"/>
-            </a:lvl5pPr>
-            <a:lvl6pPr marL="2286000" indent="0">
-              <a:buNone/>
-              <a:defRPr sz="2000"/>
-            </a:lvl6pPr>
-            <a:lvl7pPr marL="2743200" indent="0">
-              <a:buNone/>
-              <a:defRPr sz="2000"/>
-            </a:lvl7pPr>
-            <a:lvl8pPr marL="3200400" indent="0">
-              <a:buNone/>
-              <a:defRPr sz="2000"/>
-            </a:lvl8pPr>
-            <a:lvl9pPr marL="3657600" indent="0">
-              <a:buNone/>
-              <a:defRPr sz="2000"/>
-            </a:lvl9pPr>
           </a:lstStyle>
           <a:p>
-            <a:endParaRPr lang="en-US"/>
-          </a:p>
-        </p:txBody>
-      </p:sp>
-      <p:sp>
-        <p:nvSpPr>
-          <p:cNvPr id="4" name="Text Placeholder 3"/>
-          <p:cNvSpPr>
-            <a:spLocks noGrp="1"/>
-          </p:cNvSpPr>
-          <p:nvPr>
-            <p:ph type="body" sz="half" idx="2"/>
-          </p:nvPr>
-        </p:nvSpPr>
-        <p:spPr>
-          <a:xfrm>
-            <a:off x="839788" y="2057400"/>
-            <a:ext cx="3932237" cy="3811588"/>
-          </a:xfrm>
-        </p:spPr>
-        <p:txBody>
-          <a:bodyPr/>
-          <a:lstStyle>
-            <a:lvl1pPr marL="0" indent="0">
-              <a:buNone/>
-              <a:defRPr sz="1600"/>
-            </a:lvl1pPr>
-            <a:lvl2pPr marL="457200" indent="0">
-              <a:buNone/>
-              <a:defRPr sz="1400"/>
-            </a:lvl2pPr>
-            <a:lvl3pPr marL="914400" indent="0">
-              <a:buNone/>
-              <a:defRPr sz="1200"/>
-            </a:lvl3pPr>
-            <a:lvl4pPr marL="1371600" indent="0">
-              <a:buNone/>
-              <a:defRPr sz="1000"/>
-            </a:lvl4pPr>
-            <a:lvl5pPr marL="1828800" indent="0">
-              <a:buNone/>
-              <a:defRPr sz="1000"/>
-            </a:lvl5pPr>
-            <a:lvl6pPr marL="2286000" indent="0">
-              <a:buNone/>
-              <a:defRPr sz="1000"/>
-            </a:lvl6pPr>
-            <a:lvl7pPr marL="2743200" indent="0">
-              <a:buNone/>
-              <a:defRPr sz="1000"/>
-            </a:lvl7pPr>
-            <a:lvl8pPr marL="3200400" indent="0">
-              <a:buNone/>
-              <a:defRPr sz="1000"/>
-            </a:lvl8pPr>
-            <a:lvl9pPr marL="3657600" indent="0">
-              <a:buNone/>
-              <a:defRPr sz="1000"/>
-            </a:lvl9pPr>
-          </a:lstStyle>
-          <a:p>
-            <a:pPr lvl="0"/>
-            <a:r>
-              <a:rPr lang="en-US" smtClean="0"/>
-              <a:t>Click to edit Master text styles</a:t>
-            </a:r>
-          </a:p>
-        </p:txBody>
-      </p:sp>
-      <p:sp>
-        <p:nvSpPr>
-          <p:cNvPr id="5" name="Date Placeholder 4"/>
-          <p:cNvSpPr>
-            <a:spLocks noGrp="1"/>
-          </p:cNvSpPr>
-          <p:nvPr>
-            <p:ph type="dt" sz="half" idx="10"/>
-          </p:nvPr>
-        </p:nvSpPr>
-        <p:spPr/>
-        <p:txBody>
-          <a:bodyPr/>
-          <a:lstStyle/>
-          <a:p>
-            <a:fld id="{0AE88629-A717-430A-A4D5-955241148433}" type="datetimeFigureOut">
-              <a:rPr lang="en-US" smtClean="0"/>
-              <a:pPr/>
-              <a:t>12/3/2013</a:t>
-            </a:fld>
-            <a:endParaRPr lang="en-US"/>
-          </a:p>
-        </p:txBody>
-      </p:sp>
-      <p:sp>
-        <p:nvSpPr>
-          <p:cNvPr id="6" name="Footer Placeholder 5"/>
-          <p:cNvSpPr>
-            <a:spLocks noGrp="1"/>
-          </p:cNvSpPr>
-          <p:nvPr>
-            <p:ph type="ftr" sz="quarter" idx="11"/>
-          </p:nvPr>
-        </p:nvSpPr>
-        <p:spPr/>
-        <p:txBody>
-          <a:bodyPr/>
-          <a:lstStyle/>
-          <a:p>
-            <a:endParaRPr lang="en-US"/>
-          </a:p>
-        </p:txBody>
-      </p:sp>
-      <p:sp>
-        <p:nvSpPr>
-          <p:cNvPr id="7" name="Slide Number Placeholder 6"/>
-          <p:cNvSpPr>
-            <a:spLocks noGrp="1"/>
-          </p:cNvSpPr>
-          <p:nvPr>
-            <p:ph type="sldNum" sz="quarter" idx="12"/>
-          </p:nvPr>
-        </p:nvSpPr>
-        <p:spPr/>
-        <p:txBody>
-          <a:bodyPr/>
-          <a:lstStyle/>
-          <a:p>
-            <a:fld id="{D3358083-9D44-423B-A7B7-11D2DC27AA82}" type="slidenum">
-              <a:rPr lang="en-US" smtClean="0"/>
-              <a:pPr/>
-              <a:t>‹#›</a:t>
-            </a:fld>
-            <a:endParaRPr lang="en-US"/>
+            <a:r>
+              <a:rPr kumimoji="0" lang="en-US" smtClean="0"/>
+              <a:t>Click icon to add picture</a:t>
+            </a:r>
+            <a:endParaRPr kumimoji="0" lang="en-US" dirty="0"/>
           </a:p>
         </p:txBody>
       </p:sp>
     </p:spTree>
-    <p:extLst>
-      <p:ext uri="{BB962C8B-B14F-4D97-AF65-F5344CB8AC3E}">
-        <p14:creationId xmlns:p14="http://schemas.microsoft.com/office/powerpoint/2010/main" val="1842929531"/>
-      </p:ext>
-    </p:extLst>
   </p:cSld>
   <p:clrMapOvr>
-    <a:masterClrMapping/>
+    <a:overrideClrMapping bg1="lt1" tx1="dk1" bg2="lt2" tx2="dk2" accent1="accent1" accent2="accent2" accent3="accent3" accent4="accent4" accent5="accent5" accent6="accent6" hlink="hlink" folHlink="folHlink"/>
   </p:clrMapOvr>
 </p:sldLayout>
 </file>
@@ -2478,7 +3060,7 @@
       </p:grpSpPr>
       <p:sp>
         <p:nvSpPr>
-          <p:cNvPr id="2" name="Title Placeholder 1"/>
+          <p:cNvPr id="22" name="Title Placeholder 21"/>
           <p:cNvSpPr>
             <a:spLocks noGrp="1"/>
           </p:cNvSpPr>
@@ -2488,30 +3070,30 @@
         </p:nvSpPr>
         <p:spPr>
           <a:xfrm>
-            <a:off x="838200" y="365125"/>
-            <a:ext cx="10515600" cy="1325563"/>
+            <a:off x="812800" y="228600"/>
+            <a:ext cx="10871200" cy="990600"/>
           </a:xfrm>
           <a:prstGeom prst="rect">
             <a:avLst/>
           </a:prstGeom>
         </p:spPr>
         <p:txBody>
-          <a:bodyPr vert="horz" lIns="91440" tIns="45720" rIns="91440" bIns="45720" rtlCol="0" anchor="ctr">
+          <a:bodyPr vert="horz" anchor="ctr">
             <a:normAutofit/>
           </a:bodyPr>
           <a:lstStyle/>
           <a:p>
             <a:r>
-              <a:rPr lang="en-US" smtClean="0"/>
+              <a:rPr kumimoji="0" lang="en-US" smtClean="0"/>
               <a:t>Click to edit Master title style</a:t>
             </a:r>
-            <a:endParaRPr lang="en-US"/>
-          </a:p>
-        </p:txBody>
-      </p:sp>
-      <p:sp>
-        <p:nvSpPr>
-          <p:cNvPr id="3" name="Text Placeholder 2"/>
+            <a:endParaRPr kumimoji="0" lang="en-US"/>
+          </a:p>
+        </p:txBody>
+      </p:sp>
+      <p:sp>
+        <p:nvSpPr>
+          <p:cNvPr id="13" name="Text Placeholder 12"/>
           <p:cNvSpPr>
             <a:spLocks noGrp="1"/>
           </p:cNvSpPr>
@@ -2521,59 +3103,59 @@
         </p:nvSpPr>
         <p:spPr>
           <a:xfrm>
-            <a:off x="838200" y="1825625"/>
-            <a:ext cx="10515600" cy="4351338"/>
+            <a:off x="816864" y="1600200"/>
+            <a:ext cx="10871200" cy="4526280"/>
           </a:xfrm>
           <a:prstGeom prst="rect">
             <a:avLst/>
           </a:prstGeom>
         </p:spPr>
         <p:txBody>
-          <a:bodyPr vert="horz" lIns="91440" tIns="45720" rIns="91440" bIns="45720" rtlCol="0">
+          <a:bodyPr vert="horz">
             <a:normAutofit/>
           </a:bodyPr>
           <a:lstStyle/>
           <a:p>
-            <a:pPr lvl="0"/>
-            <a:r>
-              <a:rPr lang="en-US" smtClean="0"/>
+            <a:pPr lvl="0" eaLnBrk="1" latinLnBrk="0" hangingPunct="1"/>
+            <a:r>
+              <a:rPr kumimoji="0" lang="en-US" smtClean="0"/>
               <a:t>Click to edit Master text styles</a:t>
             </a:r>
           </a:p>
           <a:p>
-            <a:pPr lvl="1"/>
-            <a:r>
-              <a:rPr lang="en-US" smtClean="0"/>
+            <a:pPr lvl="1" eaLnBrk="1" latinLnBrk="0" hangingPunct="1"/>
+            <a:r>
+              <a:rPr kumimoji="0" lang="en-US" smtClean="0"/>
               <a:t>Second level</a:t>
             </a:r>
           </a:p>
           <a:p>
-            <a:pPr lvl="2"/>
-            <a:r>
-              <a:rPr lang="en-US" smtClean="0"/>
+            <a:pPr lvl="2" eaLnBrk="1" latinLnBrk="0" hangingPunct="1"/>
+            <a:r>
+              <a:rPr kumimoji="0" lang="en-US" smtClean="0"/>
               <a:t>Third level</a:t>
             </a:r>
           </a:p>
           <a:p>
-            <a:pPr lvl="3"/>
-            <a:r>
-              <a:rPr lang="en-US" smtClean="0"/>
+            <a:pPr lvl="3" eaLnBrk="1" latinLnBrk="0" hangingPunct="1"/>
+            <a:r>
+              <a:rPr kumimoji="0" lang="en-US" smtClean="0"/>
               <a:t>Fourth level</a:t>
             </a:r>
           </a:p>
           <a:p>
-            <a:pPr lvl="4"/>
-            <a:r>
-              <a:rPr lang="en-US" smtClean="0"/>
+            <a:pPr lvl="4" eaLnBrk="1" latinLnBrk="0" hangingPunct="1"/>
+            <a:r>
+              <a:rPr kumimoji="0" lang="en-US" smtClean="0"/>
               <a:t>Fifth level</a:t>
             </a:r>
-            <a:endParaRPr lang="en-US"/>
-          </a:p>
-        </p:txBody>
-      </p:sp>
-      <p:sp>
-        <p:nvSpPr>
-          <p:cNvPr id="4" name="Date Placeholder 3"/>
+            <a:endParaRPr kumimoji="0" lang="en-US"/>
+          </a:p>
+        </p:txBody>
+      </p:sp>
+      <p:sp>
+        <p:nvSpPr>
+          <p:cNvPr id="14" name="Date Placeholder 13"/>
           <p:cNvSpPr>
             <a:spLocks noGrp="1"/>
           </p:cNvSpPr>
@@ -2583,22 +3165,20 @@
         </p:nvSpPr>
         <p:spPr>
           <a:xfrm>
-            <a:off x="838200" y="6356350"/>
-            <a:ext cx="2743200" cy="365125"/>
+            <a:off x="8128000" y="6248401"/>
+            <a:ext cx="3556000" cy="365125"/>
           </a:xfrm>
           <a:prstGeom prst="rect">
             <a:avLst/>
           </a:prstGeom>
         </p:spPr>
         <p:txBody>
-          <a:bodyPr vert="horz" lIns="91440" tIns="45720" rIns="91440" bIns="45720" rtlCol="0" anchor="ctr"/>
+          <a:bodyPr vert="horz" anchor="ctr" anchorCtr="0"/>
           <a:lstStyle>
-            <a:lvl1pPr algn="l">
-              <a:defRPr sz="1200">
+            <a:lvl1pPr algn="l" eaLnBrk="1" latinLnBrk="0" hangingPunct="1">
+              <a:defRPr kumimoji="0" sz="1400">
                 <a:solidFill>
-                  <a:schemeClr val="tx1">
-                    <a:tint val="75000"/>
-                  </a:schemeClr>
+                  <a:schemeClr val="tx2"/>
                 </a:solidFill>
               </a:defRPr>
             </a:lvl1pPr>
@@ -2615,7 +3195,7 @@
       </p:sp>
       <p:sp>
         <p:nvSpPr>
-          <p:cNvPr id="5" name="Footer Placeholder 4"/>
+          <p:cNvPr id="3" name="Footer Placeholder 2"/>
           <p:cNvSpPr>
             <a:spLocks noGrp="1"/>
           </p:cNvSpPr>
@@ -2625,22 +3205,20 @@
         </p:nvSpPr>
         <p:spPr>
           <a:xfrm>
-            <a:off x="4038600" y="6356350"/>
-            <a:ext cx="4114800" cy="365125"/>
+            <a:off x="812801" y="6248207"/>
+            <a:ext cx="7228111" cy="365125"/>
           </a:xfrm>
           <a:prstGeom prst="rect">
             <a:avLst/>
           </a:prstGeom>
         </p:spPr>
         <p:txBody>
-          <a:bodyPr vert="horz" lIns="91440" tIns="45720" rIns="91440" bIns="45720" rtlCol="0" anchor="ctr"/>
+          <a:bodyPr vert="horz" anchor="ctr"/>
           <a:lstStyle>
-            <a:lvl1pPr algn="ctr">
-              <a:defRPr sz="1200">
+            <a:lvl1pPr algn="r" eaLnBrk="1" latinLnBrk="0" hangingPunct="1">
+              <a:defRPr kumimoji="0" sz="1400">
                 <a:solidFill>
-                  <a:schemeClr val="tx1">
-                    <a:tint val="75000"/>
-                  </a:schemeClr>
+                  <a:schemeClr val="tx2"/>
                 </a:solidFill>
               </a:defRPr>
             </a:lvl1pPr>
@@ -2652,32 +3230,174 @@
       </p:sp>
       <p:sp>
         <p:nvSpPr>
-          <p:cNvPr id="6" name="Slide Number Placeholder 5"/>
-          <p:cNvSpPr>
-            <a:spLocks noGrp="1"/>
-          </p:cNvSpPr>
-          <p:nvPr>
-            <p:ph type="sldNum" sz="quarter" idx="4"/>
-          </p:nvPr>
-        </p:nvSpPr>
-        <p:spPr>
-          <a:xfrm>
-            <a:off x="8610600" y="6356350"/>
-            <a:ext cx="2743200" cy="365125"/>
+          <p:cNvPr id="7" name="Rectangle 6"/>
+          <p:cNvSpPr/>
+          <p:nvPr/>
+        </p:nvSpPr>
+        <p:spPr bwMode="white">
+          <a:xfrm>
+            <a:off x="0" y="1234440"/>
+            <a:ext cx="12192000" cy="320040"/>
           </a:xfrm>
           <a:prstGeom prst="rect">
             <a:avLst/>
           </a:prstGeom>
-        </p:spPr>
-        <p:txBody>
-          <a:bodyPr vert="horz" lIns="91440" tIns="45720" rIns="91440" bIns="45720" rtlCol="0" anchor="ctr"/>
+          <a:solidFill>
+            <a:srgbClr val="FFFFFF"/>
+          </a:solidFill>
+          <a:ln w="50800" cap="rnd" cmpd="dbl" algn="ctr">
+            <a:noFill/>
+            <a:prstDash val="solid"/>
+          </a:ln>
+          <a:effectLst/>
+        </p:spPr>
+        <p:style>
+          <a:lnRef idx="3">
+            <a:schemeClr val="lt1"/>
+          </a:lnRef>
+          <a:fillRef idx="1">
+            <a:schemeClr val="accent1"/>
+          </a:fillRef>
+          <a:effectRef idx="1">
+            <a:schemeClr val="accent1"/>
+          </a:effectRef>
+          <a:fontRef idx="minor">
+            <a:schemeClr val="lt1"/>
+          </a:fontRef>
+        </p:style>
+        <p:txBody>
+          <a:bodyPr anchor="ctr"/>
+          <a:lstStyle/>
+          <a:p>
+            <a:pPr algn="ctr" eaLnBrk="1" latinLnBrk="0" hangingPunct="1"/>
+            <a:endParaRPr kumimoji="0" lang="en-US"/>
+          </a:p>
+        </p:txBody>
+      </p:sp>
+      <p:sp>
+        <p:nvSpPr>
+          <p:cNvPr id="8" name="Rectangle 7"/>
+          <p:cNvSpPr/>
+          <p:nvPr/>
+        </p:nvSpPr>
+        <p:spPr>
+          <a:xfrm>
+            <a:off x="0" y="1280160"/>
+            <a:ext cx="711200" cy="228600"/>
+          </a:xfrm>
+          <a:prstGeom prst="rect">
+            <a:avLst/>
+          </a:prstGeom>
+          <a:solidFill>
+            <a:schemeClr val="accent2">
+              <a:alpha val="100000"/>
+            </a:schemeClr>
+          </a:solidFill>
+          <a:ln w="50800" cap="rnd" cmpd="dbl" algn="ctr">
+            <a:noFill/>
+            <a:prstDash val="solid"/>
+          </a:ln>
+          <a:effectLst/>
+        </p:spPr>
+        <p:style>
+          <a:lnRef idx="3">
+            <a:schemeClr val="lt1"/>
+          </a:lnRef>
+          <a:fillRef idx="1">
+            <a:schemeClr val="accent1"/>
+          </a:fillRef>
+          <a:effectRef idx="1">
+            <a:schemeClr val="accent1"/>
+          </a:effectRef>
+          <a:fontRef idx="minor">
+            <a:schemeClr val="lt1"/>
+          </a:fontRef>
+        </p:style>
+        <p:txBody>
+          <a:bodyPr anchor="ctr"/>
+          <a:lstStyle/>
+          <a:p>
+            <a:pPr algn="ctr" eaLnBrk="1" latinLnBrk="0" hangingPunct="1"/>
+            <a:endParaRPr kumimoji="0" lang="en-US"/>
+          </a:p>
+        </p:txBody>
+      </p:sp>
+      <p:sp>
+        <p:nvSpPr>
+          <p:cNvPr id="9" name="Rectangle 8"/>
+          <p:cNvSpPr/>
+          <p:nvPr/>
+        </p:nvSpPr>
+        <p:spPr>
+          <a:xfrm>
+            <a:off x="787400" y="1280160"/>
+            <a:ext cx="11404600" cy="228600"/>
+          </a:xfrm>
+          <a:prstGeom prst="rect">
+            <a:avLst/>
+          </a:prstGeom>
+          <a:solidFill>
+            <a:schemeClr val="accent1">
+              <a:alpha val="100000"/>
+            </a:schemeClr>
+          </a:solidFill>
+          <a:ln w="50800" cap="rnd" cmpd="dbl" algn="ctr">
+            <a:noFill/>
+            <a:prstDash val="solid"/>
+          </a:ln>
+          <a:effectLst/>
+        </p:spPr>
+        <p:style>
+          <a:lnRef idx="3">
+            <a:schemeClr val="lt1"/>
+          </a:lnRef>
+          <a:fillRef idx="1">
+            <a:schemeClr val="accent1"/>
+          </a:fillRef>
+          <a:effectRef idx="1">
+            <a:schemeClr val="accent1"/>
+          </a:effectRef>
+          <a:fontRef idx="minor">
+            <a:schemeClr val="lt1"/>
+          </a:fontRef>
+        </p:style>
+        <p:txBody>
+          <a:bodyPr anchor="ctr"/>
+          <a:lstStyle/>
+          <a:p>
+            <a:pPr algn="ctr" eaLnBrk="1" latinLnBrk="0" hangingPunct="1"/>
+            <a:endParaRPr kumimoji="0" lang="en-US"/>
+          </a:p>
+        </p:txBody>
+      </p:sp>
+      <p:sp>
+        <p:nvSpPr>
+          <p:cNvPr id="23" name="Slide Number Placeholder 22"/>
+          <p:cNvSpPr>
+            <a:spLocks noGrp="1"/>
+          </p:cNvSpPr>
+          <p:nvPr>
+            <p:ph type="sldNum" sz="quarter" idx="4"/>
+          </p:nvPr>
+        </p:nvSpPr>
+        <p:spPr>
+          <a:xfrm>
+            <a:off x="0" y="1272222"/>
+            <a:ext cx="711200" cy="244476"/>
+          </a:xfrm>
+          <a:prstGeom prst="rect">
+            <a:avLst/>
+          </a:prstGeom>
+        </p:spPr>
+        <p:txBody>
+          <a:bodyPr vert="horz" anchor="ctr" anchorCtr="0">
+            <a:normAutofit/>
+          </a:bodyPr>
           <a:lstStyle>
-            <a:lvl1pPr algn="r">
-              <a:defRPr sz="1200">
+            <a:lvl1pPr algn="ctr" eaLnBrk="1" latinLnBrk="0" hangingPunct="1">
+              <a:defRPr kumimoji="0" sz="1400" b="1">
                 <a:solidFill>
-                  <a:schemeClr val="tx1">
-                    <a:tint val="75000"/>
-                  </a:schemeClr>
+                  <a:srgbClr val="FFFFFF"/>
                 </a:solidFill>
               </a:defRPr>
             </a:lvl1pPr>
@@ -2693,39 +3413,31 @@
         </p:txBody>
       </p:sp>
     </p:spTree>
-    <p:extLst>
-      <p:ext uri="{BB962C8B-B14F-4D97-AF65-F5344CB8AC3E}">
-        <p14:creationId xmlns:p14="http://schemas.microsoft.com/office/powerpoint/2010/main" val="4222296200"/>
-      </p:ext>
-    </p:extLst>
   </p:cSld>
   <p:clrMap bg1="lt1" tx1="dk1" bg2="lt2" tx2="dk2" accent1="accent1" accent2="accent2" accent3="accent3" accent4="accent4" accent5="accent5" accent6="accent6" hlink="hlink" folHlink="folHlink"/>
   <p:sldLayoutIdLst>
-    <p:sldLayoutId id="2147483696" r:id="rId1"/>
-    <p:sldLayoutId id="2147483697" r:id="rId2"/>
-    <p:sldLayoutId id="2147483698" r:id="rId3"/>
-    <p:sldLayoutId id="2147483699" r:id="rId4"/>
-    <p:sldLayoutId id="2147483700" r:id="rId5"/>
-    <p:sldLayoutId id="2147483701" r:id="rId6"/>
-    <p:sldLayoutId id="2147483702" r:id="rId7"/>
-    <p:sldLayoutId id="2147483703" r:id="rId8"/>
-    <p:sldLayoutId id="2147483704" r:id="rId9"/>
-    <p:sldLayoutId id="2147483705" r:id="rId10"/>
-    <p:sldLayoutId id="2147483706" r:id="rId11"/>
+    <p:sldLayoutId id="2147483756" r:id="rId1"/>
+    <p:sldLayoutId id="2147483757" r:id="rId2"/>
+    <p:sldLayoutId id="2147483758" r:id="rId3"/>
+    <p:sldLayoutId id="2147483759" r:id="rId4"/>
+    <p:sldLayoutId id="2147483760" r:id="rId5"/>
+    <p:sldLayoutId id="2147483761" r:id="rId6"/>
+    <p:sldLayoutId id="2147483762" r:id="rId7"/>
+    <p:sldLayoutId id="2147483763" r:id="rId8"/>
+    <p:sldLayoutId id="2147483764" r:id="rId9"/>
+    <p:sldLayoutId id="2147483765" r:id="rId10"/>
+    <p:sldLayoutId id="2147483766" r:id="rId11"/>
   </p:sldLayoutIdLst>
   <p:txStyles>
     <p:titleStyle>
-      <a:lvl1pPr algn="l" defTabSz="914400" rtl="0" eaLnBrk="1" latinLnBrk="0" hangingPunct="1">
-        <a:lnSpc>
-          <a:spcPct val="90000"/>
-        </a:lnSpc>
+      <a:lvl1pPr algn="l" rtl="0" eaLnBrk="1" latinLnBrk="0" hangingPunct="1">
         <a:spcBef>
           <a:spcPct val="0"/>
         </a:spcBef>
         <a:buNone/>
-        <a:defRPr sz="4400" kern="1200">
+        <a:defRPr kumimoji="0" sz="4400" kern="1200">
           <a:solidFill>
-            <a:schemeClr val="tx1"/>
+            <a:schemeClr val="tx2"/>
           </a:solidFill>
           <a:latin typeface="+mj-lt"/>
           <a:ea typeface="+mj-ea"/>
@@ -2734,16 +3446,17 @@
       </a:lvl1pPr>
     </p:titleStyle>
     <p:bodyStyle>
-      <a:lvl1pPr marL="228600" indent="-228600" algn="l" defTabSz="914400" rtl="0" eaLnBrk="1" latinLnBrk="0" hangingPunct="1">
-        <a:lnSpc>
-          <a:spcPct val="90000"/>
-        </a:lnSpc>
+      <a:lvl1pPr marL="320040" indent="-320040" algn="l" rtl="0" eaLnBrk="1" latinLnBrk="0" hangingPunct="1">
         <a:spcBef>
-          <a:spcPts val="1000"/>
+          <a:spcPts val="700"/>
         </a:spcBef>
-        <a:buFont typeface="Arial" panose="020B0604020202020204" pitchFamily="34" charset="0"/>
-        <a:buChar char="•"/>
-        <a:defRPr sz="2800" kern="1200">
+        <a:buClr>
+          <a:schemeClr val="accent2"/>
+        </a:buClr>
+        <a:buSzPct val="60000"/>
+        <a:buFont typeface="Wingdings"/>
+        <a:buChar char=""/>
+        <a:defRPr kumimoji="0" sz="2900" kern="1200">
           <a:solidFill>
             <a:schemeClr val="tx1"/>
           </a:solidFill>
@@ -2752,16 +3465,17 @@
           <a:cs typeface="+mn-cs"/>
         </a:defRPr>
       </a:lvl1pPr>
-      <a:lvl2pPr marL="685800" indent="-228600" algn="l" defTabSz="914400" rtl="0" eaLnBrk="1" latinLnBrk="0" hangingPunct="1">
-        <a:lnSpc>
-          <a:spcPct val="90000"/>
-        </a:lnSpc>
+      <a:lvl2pPr marL="640080" indent="-274320" algn="l" rtl="0" eaLnBrk="1" latinLnBrk="0" hangingPunct="1">
         <a:spcBef>
-          <a:spcPts val="500"/>
+          <a:spcPts val="550"/>
         </a:spcBef>
-        <a:buFont typeface="Arial" panose="020B0604020202020204" pitchFamily="34" charset="0"/>
-        <a:buChar char="•"/>
-        <a:defRPr sz="2400" kern="1200">
+        <a:buClr>
+          <a:schemeClr val="accent1"/>
+        </a:buClr>
+        <a:buSzPct val="70000"/>
+        <a:buFont typeface="Wingdings 2"/>
+        <a:buChar char=""/>
+        <a:defRPr kumimoji="0" sz="2600" kern="1200">
           <a:solidFill>
             <a:schemeClr val="tx1"/>
           </a:solidFill>
@@ -2770,16 +3484,17 @@
           <a:cs typeface="+mn-cs"/>
         </a:defRPr>
       </a:lvl2pPr>
-      <a:lvl3pPr marL="1143000" indent="-228600" algn="l" defTabSz="914400" rtl="0" eaLnBrk="1" latinLnBrk="0" hangingPunct="1">
-        <a:lnSpc>
-          <a:spcPct val="90000"/>
-        </a:lnSpc>
+      <a:lvl3pPr marL="914400" indent="-228600" algn="l" rtl="0" eaLnBrk="1" latinLnBrk="0" hangingPunct="1">
         <a:spcBef>
           <a:spcPts val="500"/>
         </a:spcBef>
-        <a:buFont typeface="Arial" panose="020B0604020202020204" pitchFamily="34" charset="0"/>
-        <a:buChar char="•"/>
-        <a:defRPr sz="2000" kern="1200">
+        <a:buClr>
+          <a:schemeClr val="accent2"/>
+        </a:buClr>
+        <a:buSzPct val="75000"/>
+        <a:buFont typeface="Wingdings"/>
+        <a:buChar char=""/>
+        <a:defRPr kumimoji="0" sz="2300" kern="1200">
           <a:solidFill>
             <a:schemeClr val="tx1"/>
           </a:solidFill>
@@ -2788,16 +3503,17 @@
           <a:cs typeface="+mn-cs"/>
         </a:defRPr>
       </a:lvl3pPr>
-      <a:lvl4pPr marL="1600200" indent="-228600" algn="l" defTabSz="914400" rtl="0" eaLnBrk="1" latinLnBrk="0" hangingPunct="1">
-        <a:lnSpc>
-          <a:spcPct val="90000"/>
-        </a:lnSpc>
+      <a:lvl4pPr marL="1371600" indent="-228600" algn="l" rtl="0" eaLnBrk="1" latinLnBrk="0" hangingPunct="1">
         <a:spcBef>
-          <a:spcPts val="500"/>
+          <a:spcPts val="400"/>
         </a:spcBef>
-        <a:buFont typeface="Arial" panose="020B0604020202020204" pitchFamily="34" charset="0"/>
-        <a:buChar char="•"/>
-        <a:defRPr sz="1800" kern="1200">
+        <a:buClr>
+          <a:schemeClr val="accent3"/>
+        </a:buClr>
+        <a:buSzPct val="75000"/>
+        <a:buFont typeface="Wingdings"/>
+        <a:buChar char=""/>
+        <a:defRPr kumimoji="0" sz="2000" kern="1200">
           <a:solidFill>
             <a:schemeClr val="tx1"/>
           </a:solidFill>
@@ -2806,16 +3522,17 @@
           <a:cs typeface="+mn-cs"/>
         </a:defRPr>
       </a:lvl4pPr>
-      <a:lvl5pPr marL="2057400" indent="-228600" algn="l" defTabSz="914400" rtl="0" eaLnBrk="1" latinLnBrk="0" hangingPunct="1">
-        <a:lnSpc>
-          <a:spcPct val="90000"/>
-        </a:lnSpc>
+      <a:lvl5pPr marL="1828800" indent="-228600" algn="l" rtl="0" eaLnBrk="1" latinLnBrk="0" hangingPunct="1">
         <a:spcBef>
-          <a:spcPts val="500"/>
+          <a:spcPts val="400"/>
         </a:spcBef>
-        <a:buFont typeface="Arial" panose="020B0604020202020204" pitchFamily="34" charset="0"/>
-        <a:buChar char="•"/>
-        <a:defRPr sz="1800" kern="1200">
+        <a:buClr>
+          <a:schemeClr val="accent4"/>
+        </a:buClr>
+        <a:buSzPct val="65000"/>
+        <a:buFont typeface="Wingdings"/>
+        <a:buChar char=""/>
+        <a:defRPr kumimoji="0" sz="2000" kern="1200">
           <a:solidFill>
             <a:schemeClr val="tx1"/>
           </a:solidFill>
@@ -2824,16 +3541,16 @@
           <a:cs typeface="+mn-cs"/>
         </a:defRPr>
       </a:lvl5pPr>
-      <a:lvl6pPr marL="2514600" indent="-228600" algn="l" defTabSz="914400" rtl="0" eaLnBrk="1" latinLnBrk="0" hangingPunct="1">
-        <a:lnSpc>
-          <a:spcPct val="90000"/>
-        </a:lnSpc>
+      <a:lvl6pPr marL="2103120" indent="-228600" algn="l" rtl="0" eaLnBrk="1" latinLnBrk="0" hangingPunct="1">
         <a:spcBef>
-          <a:spcPts val="500"/>
+          <a:spcPct val="20000"/>
         </a:spcBef>
-        <a:buFont typeface="Arial" panose="020B0604020202020204" pitchFamily="34" charset="0"/>
-        <a:buChar char="•"/>
-        <a:defRPr sz="1800" kern="1200">
+        <a:buClr>
+          <a:schemeClr val="accent1"/>
+        </a:buClr>
+        <a:buFont typeface="Wingdings"/>
+        <a:buChar char="§"/>
+        <a:defRPr kumimoji="0" sz="1800" kern="1200" baseline="0">
           <a:solidFill>
             <a:schemeClr val="tx1"/>
           </a:solidFill>
@@ -2842,16 +3559,16 @@
           <a:cs typeface="+mn-cs"/>
         </a:defRPr>
       </a:lvl6pPr>
-      <a:lvl7pPr marL="2971800" indent="-228600" algn="l" defTabSz="914400" rtl="0" eaLnBrk="1" latinLnBrk="0" hangingPunct="1">
-        <a:lnSpc>
-          <a:spcPct val="90000"/>
-        </a:lnSpc>
+      <a:lvl7pPr marL="2377440" indent="-228600" algn="l" rtl="0" eaLnBrk="1" latinLnBrk="0" hangingPunct="1">
         <a:spcBef>
-          <a:spcPts val="500"/>
+          <a:spcPct val="20000"/>
         </a:spcBef>
-        <a:buFont typeface="Arial" panose="020B0604020202020204" pitchFamily="34" charset="0"/>
-        <a:buChar char="•"/>
-        <a:defRPr sz="1800" kern="1200">
+        <a:buClr>
+          <a:schemeClr val="accent2"/>
+        </a:buClr>
+        <a:buFont typeface="Wingdings"/>
+        <a:buChar char="§"/>
+        <a:defRPr kumimoji="0" sz="1800" kern="1200" baseline="0">
           <a:solidFill>
             <a:schemeClr val="tx1"/>
           </a:solidFill>
@@ -2860,16 +3577,16 @@
           <a:cs typeface="+mn-cs"/>
         </a:defRPr>
       </a:lvl7pPr>
-      <a:lvl8pPr marL="3429000" indent="-228600" algn="l" defTabSz="914400" rtl="0" eaLnBrk="1" latinLnBrk="0" hangingPunct="1">
-        <a:lnSpc>
-          <a:spcPct val="90000"/>
-        </a:lnSpc>
+      <a:lvl8pPr marL="2651760" indent="-228600" algn="l" rtl="0" eaLnBrk="1" latinLnBrk="0" hangingPunct="1">
         <a:spcBef>
-          <a:spcPts val="500"/>
+          <a:spcPct val="20000"/>
         </a:spcBef>
-        <a:buFont typeface="Arial" panose="020B0604020202020204" pitchFamily="34" charset="0"/>
-        <a:buChar char="•"/>
-        <a:defRPr sz="1800" kern="1200">
+        <a:buClr>
+          <a:schemeClr val="accent3"/>
+        </a:buClr>
+        <a:buFont typeface="Wingdings"/>
+        <a:buChar char="§"/>
+        <a:defRPr kumimoji="0" sz="1800" kern="1200" baseline="0">
           <a:solidFill>
             <a:schemeClr val="tx1"/>
           </a:solidFill>
@@ -2878,16 +3595,16 @@
           <a:cs typeface="+mn-cs"/>
         </a:defRPr>
       </a:lvl8pPr>
-      <a:lvl9pPr marL="3886200" indent="-228600" algn="l" defTabSz="914400" rtl="0" eaLnBrk="1" latinLnBrk="0" hangingPunct="1">
-        <a:lnSpc>
-          <a:spcPct val="90000"/>
-        </a:lnSpc>
+      <a:lvl9pPr marL="2926080" indent="-228600" algn="l" rtl="0" eaLnBrk="1" latinLnBrk="0" hangingPunct="1">
         <a:spcBef>
-          <a:spcPts val="500"/>
+          <a:spcPct val="20000"/>
         </a:spcBef>
-        <a:buFont typeface="Arial" panose="020B0604020202020204" pitchFamily="34" charset="0"/>
-        <a:buChar char="•"/>
-        <a:defRPr sz="1800" kern="1200">
+        <a:buClr>
+          <a:schemeClr val="accent4"/>
+        </a:buClr>
+        <a:buFont typeface="Wingdings"/>
+        <a:buChar char="§"/>
+        <a:defRPr kumimoji="0" sz="1800" kern="1200" baseline="0">
           <a:solidFill>
             <a:schemeClr val="tx1"/>
           </a:solidFill>
@@ -2898,11 +3615,8 @@
       </a:lvl9pPr>
     </p:bodyStyle>
     <p:otherStyle>
-      <a:defPPr>
-        <a:defRPr lang="en-US"/>
-      </a:defPPr>
-      <a:lvl1pPr marL="0" algn="l" defTabSz="914400" rtl="0" eaLnBrk="1" latinLnBrk="0" hangingPunct="1">
-        <a:defRPr sz="1800" kern="1200">
+      <a:lvl1pPr marL="0" algn="l" rtl="0" eaLnBrk="1" latinLnBrk="0" hangingPunct="1">
+        <a:defRPr kumimoji="0" kern="1200">
           <a:solidFill>
             <a:schemeClr val="tx1"/>
           </a:solidFill>
@@ -2911,8 +3625,8 @@
           <a:cs typeface="+mn-cs"/>
         </a:defRPr>
       </a:lvl1pPr>
-      <a:lvl2pPr marL="457200" algn="l" defTabSz="914400" rtl="0" eaLnBrk="1" latinLnBrk="0" hangingPunct="1">
-        <a:defRPr sz="1800" kern="1200">
+      <a:lvl2pPr marL="457200" algn="l" rtl="0" eaLnBrk="1" latinLnBrk="0" hangingPunct="1">
+        <a:defRPr kumimoji="0" kern="1200">
           <a:solidFill>
             <a:schemeClr val="tx1"/>
           </a:solidFill>
@@ -2921,8 +3635,8 @@
           <a:cs typeface="+mn-cs"/>
         </a:defRPr>
       </a:lvl2pPr>
-      <a:lvl3pPr marL="914400" algn="l" defTabSz="914400" rtl="0" eaLnBrk="1" latinLnBrk="0" hangingPunct="1">
-        <a:defRPr sz="1800" kern="1200">
+      <a:lvl3pPr marL="914400" algn="l" rtl="0" eaLnBrk="1" latinLnBrk="0" hangingPunct="1">
+        <a:defRPr kumimoji="0" kern="1200">
           <a:solidFill>
             <a:schemeClr val="tx1"/>
           </a:solidFill>
@@ -2931,8 +3645,8 @@
           <a:cs typeface="+mn-cs"/>
         </a:defRPr>
       </a:lvl3pPr>
-      <a:lvl4pPr marL="1371600" algn="l" defTabSz="914400" rtl="0" eaLnBrk="1" latinLnBrk="0" hangingPunct="1">
-        <a:defRPr sz="1800" kern="1200">
+      <a:lvl4pPr marL="1371600" algn="l" rtl="0" eaLnBrk="1" latinLnBrk="0" hangingPunct="1">
+        <a:defRPr kumimoji="0" kern="1200">
           <a:solidFill>
             <a:schemeClr val="tx1"/>
           </a:solidFill>
@@ -2941,8 +3655,8 @@
           <a:cs typeface="+mn-cs"/>
         </a:defRPr>
       </a:lvl4pPr>
-      <a:lvl5pPr marL="1828800" algn="l" defTabSz="914400" rtl="0" eaLnBrk="1" latinLnBrk="0" hangingPunct="1">
-        <a:defRPr sz="1800" kern="1200">
+      <a:lvl5pPr marL="1828800" algn="l" rtl="0" eaLnBrk="1" latinLnBrk="0" hangingPunct="1">
+        <a:defRPr kumimoji="0" kern="1200">
           <a:solidFill>
             <a:schemeClr val="tx1"/>
           </a:solidFill>
@@ -2951,8 +3665,8 @@
           <a:cs typeface="+mn-cs"/>
         </a:defRPr>
       </a:lvl5pPr>
-      <a:lvl6pPr marL="2286000" algn="l" defTabSz="914400" rtl="0" eaLnBrk="1" latinLnBrk="0" hangingPunct="1">
-        <a:defRPr sz="1800" kern="1200">
+      <a:lvl6pPr marL="2286000" algn="l" rtl="0" eaLnBrk="1" latinLnBrk="0" hangingPunct="1">
+        <a:defRPr kumimoji="0" kern="1200">
           <a:solidFill>
             <a:schemeClr val="tx1"/>
           </a:solidFill>
@@ -2961,8 +3675,8 @@
           <a:cs typeface="+mn-cs"/>
         </a:defRPr>
       </a:lvl6pPr>
-      <a:lvl7pPr marL="2743200" algn="l" defTabSz="914400" rtl="0" eaLnBrk="1" latinLnBrk="0" hangingPunct="1">
-        <a:defRPr sz="1800" kern="1200">
+      <a:lvl7pPr marL="2743200" algn="l" rtl="0" eaLnBrk="1" latinLnBrk="0" hangingPunct="1">
+        <a:defRPr kumimoji="0" kern="1200">
           <a:solidFill>
             <a:schemeClr val="tx1"/>
           </a:solidFill>
@@ -2971,8 +3685,8 @@
           <a:cs typeface="+mn-cs"/>
         </a:defRPr>
       </a:lvl7pPr>
-      <a:lvl8pPr marL="3200400" algn="l" defTabSz="914400" rtl="0" eaLnBrk="1" latinLnBrk="0" hangingPunct="1">
-        <a:defRPr sz="1800" kern="1200">
+      <a:lvl8pPr marL="3200400" algn="l" rtl="0" eaLnBrk="1" latinLnBrk="0" hangingPunct="1">
+        <a:defRPr kumimoji="0" kern="1200">
           <a:solidFill>
             <a:schemeClr val="tx1"/>
           </a:solidFill>
@@ -2981,8 +3695,8 @@
           <a:cs typeface="+mn-cs"/>
         </a:defRPr>
       </a:lvl8pPr>
-      <a:lvl9pPr marL="3657600" algn="l" defTabSz="914400" rtl="0" eaLnBrk="1" latinLnBrk="0" hangingPunct="1">
-        <a:defRPr sz="1800" kern="1200">
+      <a:lvl9pPr marL="3657600" algn="l" rtl="0" eaLnBrk="1" latinLnBrk="0" hangingPunct="1">
+        <a:defRPr kumimoji="0" kern="1200">
           <a:solidFill>
             <a:schemeClr val="tx1"/>
           </a:solidFill>
@@ -3077,7 +3791,7 @@
     </p:spTree>
     <p:extLst>
       <p:ext uri="{BB962C8B-B14F-4D97-AF65-F5344CB8AC3E}">
-        <p14:creationId xmlns:p14="http://schemas.microsoft.com/office/powerpoint/2010/main" val="2018534654"/>
+        <p14:creationId xmlns:p14="http://schemas.microsoft.com/office/powerpoint/2010/main" xmlns="" val="2018534654"/>
       </p:ext>
     </p:extLst>
   </p:cSld>
@@ -3156,7 +3870,7 @@
     </p:spTree>
     <p:extLst>
       <p:ext uri="{BB962C8B-B14F-4D97-AF65-F5344CB8AC3E}">
-        <p14:creationId xmlns:p14="http://schemas.microsoft.com/office/powerpoint/2010/main" val="2655071220"/>
+        <p14:creationId xmlns:p14="http://schemas.microsoft.com/office/powerpoint/2010/main" xmlns="" val="2655071220"/>
       </p:ext>
     </p:extLst>
   </p:cSld>
@@ -3213,7 +3927,7 @@
             <a:spLocks noGrp="1"/>
           </p:cNvSpPr>
           <p:nvPr>
-            <p:ph idx="1"/>
+            <p:ph sz="quarter" idx="1"/>
           </p:nvPr>
         </p:nvSpPr>
         <p:spPr/>
@@ -3259,7 +3973,7 @@
     </p:spTree>
     <p:extLst>
       <p:ext uri="{BB962C8B-B14F-4D97-AF65-F5344CB8AC3E}">
-        <p14:creationId xmlns:p14="http://schemas.microsoft.com/office/powerpoint/2010/main" val="1346543847"/>
+        <p14:creationId xmlns:p14="http://schemas.microsoft.com/office/powerpoint/2010/main" xmlns="" val="1346543847"/>
       </p:ext>
     </p:extLst>
   </p:cSld>
@@ -3323,7 +4037,7 @@
             <a:spLocks noGrp="1"/>
           </p:cNvSpPr>
           <p:nvPr>
-            <p:ph idx="1"/>
+            <p:ph sz="quarter" idx="1"/>
           </p:nvPr>
         </p:nvSpPr>
         <p:spPr/>
@@ -3368,7 +4082,7 @@
     </p:spTree>
     <p:extLst>
       <p:ext uri="{BB962C8B-B14F-4D97-AF65-F5344CB8AC3E}">
-        <p14:creationId xmlns:p14="http://schemas.microsoft.com/office/powerpoint/2010/main" val="4198086196"/>
+        <p14:creationId xmlns:p14="http://schemas.microsoft.com/office/powerpoint/2010/main" xmlns="" val="4198086196"/>
       </p:ext>
     </p:extLst>
   </p:cSld>
@@ -3425,7 +4139,7 @@
             <a:spLocks noGrp="1"/>
           </p:cNvSpPr>
           <p:nvPr>
-            <p:ph sz="half" idx="1"/>
+            <p:ph sz="quarter" idx="1"/>
           </p:nvPr>
         </p:nvSpPr>
         <p:spPr/>
@@ -3455,14 +4169,14 @@
             <a:picLocks noGrp="1" noChangeAspect="1"/>
           </p:cNvPicPr>
           <p:nvPr>
-            <p:ph sz="half" idx="2"/>
+            <p:ph sz="quarter" idx="2"/>
           </p:nvPr>
         </p:nvPicPr>
         <p:blipFill>
           <a:blip r:embed="rId2" cstate="print">
             <a:extLst>
               <a:ext uri="{28A0092B-C50C-407E-A947-70E740481C1C}">
-                <a14:useLocalDpi xmlns:a14="http://schemas.microsoft.com/office/drawing/2010/main" val="0"/>
+                <a14:useLocalDpi xmlns:a14="http://schemas.microsoft.com/office/drawing/2010/main" xmlns="" val="0"/>
               </a:ext>
             </a:extLst>
           </a:blip>
@@ -3472,15 +4186,15 @@
         </p:blipFill>
         <p:spPr>
           <a:xfrm>
-            <a:off x="7539186" y="1825625"/>
-            <a:ext cx="2447627" cy="4351338"/>
+            <a:off x="7824151" y="1697048"/>
+            <a:ext cx="2452373" cy="4356079"/>
           </a:xfrm>
         </p:spPr>
       </p:pic>
     </p:spTree>
     <p:extLst>
       <p:ext uri="{BB962C8B-B14F-4D97-AF65-F5344CB8AC3E}">
-        <p14:creationId xmlns:p14="http://schemas.microsoft.com/office/powerpoint/2010/main" val="1150150330"/>
+        <p14:creationId xmlns:p14="http://schemas.microsoft.com/office/powerpoint/2010/main" xmlns="" val="1150150330"/>
       </p:ext>
     </p:extLst>
   </p:cSld>
@@ -3544,7 +4258,7 @@
             <a:spLocks noGrp="1"/>
           </p:cNvSpPr>
           <p:nvPr>
-            <p:ph sz="half" idx="1"/>
+            <p:ph sz="quarter" idx="1"/>
           </p:nvPr>
         </p:nvSpPr>
         <p:spPr/>
@@ -3574,14 +4288,14 @@
             <a:picLocks noGrp="1" noChangeAspect="1"/>
           </p:cNvPicPr>
           <p:nvPr>
-            <p:ph sz="half" idx="2"/>
+            <p:ph sz="quarter" idx="2"/>
           </p:nvPr>
         </p:nvPicPr>
         <p:blipFill>
           <a:blip r:embed="rId2" cstate="print">
             <a:extLst>
               <a:ext uri="{28A0092B-C50C-407E-A947-70E740481C1C}">
-                <a14:useLocalDpi xmlns:a14="http://schemas.microsoft.com/office/drawing/2010/main" val="0"/>
+                <a14:useLocalDpi xmlns:a14="http://schemas.microsoft.com/office/drawing/2010/main" xmlns="" val="0"/>
               </a:ext>
             </a:extLst>
           </a:blip>
@@ -3623,7 +4337,7 @@
     </p:spTree>
     <p:extLst>
       <p:ext uri="{BB962C8B-B14F-4D97-AF65-F5344CB8AC3E}">
-        <p14:creationId xmlns:p14="http://schemas.microsoft.com/office/powerpoint/2010/main" val="2750992887"/>
+        <p14:creationId xmlns:p14="http://schemas.microsoft.com/office/powerpoint/2010/main" xmlns="" val="2750992887"/>
       </p:ext>
     </p:extLst>
   </p:cSld>
@@ -3687,7 +4401,7 @@
             <a:spLocks noGrp="1"/>
           </p:cNvSpPr>
           <p:nvPr>
-            <p:ph sz="half" idx="1"/>
+            <p:ph sz="quarter" idx="1"/>
           </p:nvPr>
         </p:nvSpPr>
         <p:spPr/>
@@ -3710,14 +4424,14 @@
             <a:picLocks noGrp="1" noChangeAspect="1"/>
           </p:cNvPicPr>
           <p:nvPr>
-            <p:ph sz="half" idx="2"/>
+            <p:ph sz="quarter" idx="2"/>
           </p:nvPr>
         </p:nvPicPr>
         <p:blipFill>
           <a:blip r:embed="rId2" cstate="print">
             <a:extLst>
               <a:ext uri="{28A0092B-C50C-407E-A947-70E740481C1C}">
-                <a14:useLocalDpi xmlns:a14="http://schemas.microsoft.com/office/drawing/2010/main" val="0"/>
+                <a14:useLocalDpi xmlns:a14="http://schemas.microsoft.com/office/drawing/2010/main" xmlns="" val="0"/>
               </a:ext>
             </a:extLst>
           </a:blip>
@@ -3759,7 +4473,7 @@
     </p:spTree>
     <p:extLst>
       <p:ext uri="{BB962C8B-B14F-4D97-AF65-F5344CB8AC3E}">
-        <p14:creationId xmlns:p14="http://schemas.microsoft.com/office/powerpoint/2010/main" val="2132250628"/>
+        <p14:creationId xmlns:p14="http://schemas.microsoft.com/office/powerpoint/2010/main" xmlns="" val="2132250628"/>
       </p:ext>
     </p:extLst>
   </p:cSld>
@@ -3823,7 +4537,7 @@
             <a:spLocks noGrp="1"/>
           </p:cNvSpPr>
           <p:nvPr>
-            <p:ph sz="half" idx="1"/>
+            <p:ph sz="quarter" idx="1"/>
           </p:nvPr>
         </p:nvSpPr>
         <p:spPr/>
@@ -3867,14 +4581,14 @@
             <a:picLocks noGrp="1" noChangeAspect="1"/>
           </p:cNvPicPr>
           <p:nvPr>
-            <p:ph sz="half" idx="2"/>
+            <p:ph sz="quarter" idx="2"/>
           </p:nvPr>
         </p:nvPicPr>
         <p:blipFill>
           <a:blip r:embed="rId2" cstate="print">
             <a:extLst>
               <a:ext uri="{28A0092B-C50C-407E-A947-70E740481C1C}">
-                <a14:useLocalDpi xmlns:a14="http://schemas.microsoft.com/office/drawing/2010/main" val="0"/>
+                <a14:useLocalDpi xmlns:a14="http://schemas.microsoft.com/office/drawing/2010/main" xmlns="" val="0"/>
               </a:ext>
             </a:extLst>
           </a:blip>
@@ -3884,15 +4598,15 @@
         </p:blipFill>
         <p:spPr>
           <a:xfrm>
-            <a:off x="7539186" y="1825625"/>
-            <a:ext cx="2447627" cy="4351338"/>
+            <a:off x="7824151" y="1697048"/>
+            <a:ext cx="2452373" cy="4356079"/>
           </a:xfrm>
         </p:spPr>
       </p:pic>
     </p:spTree>
     <p:extLst>
       <p:ext uri="{BB962C8B-B14F-4D97-AF65-F5344CB8AC3E}">
-        <p14:creationId xmlns:p14="http://schemas.microsoft.com/office/powerpoint/2010/main" val="1567769392"/>
+        <p14:creationId xmlns:p14="http://schemas.microsoft.com/office/powerpoint/2010/main" xmlns="" val="1567769392"/>
       </p:ext>
     </p:extLst>
   </p:cSld>
@@ -3956,7 +4670,7 @@
             <a:spLocks noGrp="1"/>
           </p:cNvSpPr>
           <p:nvPr>
-            <p:ph sz="half" idx="1"/>
+            <p:ph sz="quarter" idx="1"/>
           </p:nvPr>
         </p:nvSpPr>
         <p:spPr>
@@ -4064,7 +4778,7 @@
             <a:spLocks noGrp="1"/>
           </p:cNvSpPr>
           <p:nvPr>
-            <p:ph sz="half" idx="1"/>
+            <p:ph sz="quarter" idx="1"/>
           </p:nvPr>
         </p:nvSpPr>
         <p:spPr>
@@ -4177,9 +4891,9 @@
 </file>
 
 <file path=ppt/theme/theme1.xml><?xml version="1.0" encoding="utf-8"?>
-<a:theme xmlns:a="http://schemas.openxmlformats.org/drawingml/2006/main" name="Office Theme">
+<a:theme xmlns:a="http://schemas.openxmlformats.org/drawingml/2006/main" name="Median">
   <a:themeElements>
-    <a:clrScheme name="Office">
+    <a:clrScheme name="Aspect">
       <a:dk1>
         <a:sysClr val="windowText" lastClr="000000"/>
       </a:dk1>
@@ -4187,83 +4901,50 @@
         <a:sysClr val="window" lastClr="FFFFFF"/>
       </a:lt1>
       <a:dk2>
-        <a:srgbClr val="44546A"/>
+        <a:srgbClr val="323232"/>
       </a:dk2>
       <a:lt2>
-        <a:srgbClr val="E7E6E6"/>
+        <a:srgbClr val="E3DED1"/>
       </a:lt2>
       <a:accent1>
-        <a:srgbClr val="5B9BD5"/>
+        <a:srgbClr val="F07F09"/>
       </a:accent1>
       <a:accent2>
-        <a:srgbClr val="ED7D31"/>
+        <a:srgbClr val="9F2936"/>
       </a:accent2>
       <a:accent3>
-        <a:srgbClr val="A5A5A5"/>
+        <a:srgbClr val="1B587C"/>
       </a:accent3>
       <a:accent4>
-        <a:srgbClr val="FFC000"/>
+        <a:srgbClr val="4E8542"/>
       </a:accent4>
       <a:accent5>
-        <a:srgbClr val="4472C4"/>
+        <a:srgbClr val="604878"/>
       </a:accent5>
       <a:accent6>
-        <a:srgbClr val="70AD47"/>
+        <a:srgbClr val="C19859"/>
       </a:accent6>
       <a:hlink>
-        <a:srgbClr val="0563C1"/>
+        <a:srgbClr val="6B9F25"/>
       </a:hlink>
       <a:folHlink>
-        <a:srgbClr val="954F72"/>
+        <a:srgbClr val="B26B02"/>
       </a:folHlink>
     </a:clrScheme>
-    <a:fontScheme name="Office">
+    <a:fontScheme name="Median">
       <a:majorFont>
-        <a:latin typeface="Calibri Light"/>
+        <a:latin typeface="Tw Cen MT"/>
         <a:ea typeface=""/>
         <a:cs typeface=""/>
-        <a:font script="Jpan" typeface="ＭＳ Ｐゴシック"/>
-        <a:font script="Hang" typeface="맑은 고딕"/>
-        <a:font script="Hans" typeface="宋体"/>
-        <a:font script="Hant" typeface="新細明體"/>
-        <a:font script="Arab" typeface="Times New Roman"/>
-        <a:font script="Hebr" typeface="Times New Roman"/>
-        <a:font script="Thai" typeface="Angsana New"/>
-        <a:font script="Ethi" typeface="Nyala"/>
-        <a:font script="Beng" typeface="Vrinda"/>
-        <a:font script="Gujr" typeface="Shruti"/>
-        <a:font script="Khmr" typeface="MoolBoran"/>
-        <a:font script="Knda" typeface="Tunga"/>
-        <a:font script="Guru" typeface="Raavi"/>
-        <a:font script="Cans" typeface="Euphemia"/>
-        <a:font script="Cher" typeface="Plantagenet Cherokee"/>
-        <a:font script="Yiii" typeface="Microsoft Yi Baiti"/>
-        <a:font script="Tibt" typeface="Microsoft Himalaya"/>
-        <a:font script="Thaa" typeface="MV Boli"/>
-        <a:font script="Deva" typeface="Mangal"/>
-        <a:font script="Telu" typeface="Gautami"/>
-        <a:font script="Taml" typeface="Latha"/>
-        <a:font script="Syrc" typeface="Estrangelo Edessa"/>
-        <a:font script="Orya" typeface="Kalinga"/>
-        <a:font script="Mlym" typeface="Kartika"/>
-        <a:font script="Laoo" typeface="DokChampa"/>
-        <a:font script="Sinh" typeface="Iskoola Pota"/>
-        <a:font script="Mong" typeface="Mongolian Baiti"/>
-        <a:font script="Viet" typeface="Times New Roman"/>
-        <a:font script="Uigh" typeface="Microsoft Uighur"/>
-        <a:font script="Geor" typeface="Sylfaen"/>
-      </a:majorFont>
-      <a:minorFont>
-        <a:latin typeface="Calibri"/>
-        <a:ea typeface=""/>
-        <a:cs typeface=""/>
-        <a:font script="Jpan" typeface="ＭＳ Ｐゴシック"/>
-        <a:font script="Hang" typeface="맑은 고딕"/>
-        <a:font script="Hans" typeface="宋体"/>
-        <a:font script="Hant" typeface="新細明體"/>
+        <a:font script="Grek" typeface="Calibri"/>
+        <a:font script="Cyrl" typeface="Calibri"/>
+        <a:font script="Jpan" typeface="HGPｺﾞｼｯｸE"/>
+        <a:font script="Hang" typeface="HY얕은샘물M"/>
+        <a:font script="Hans" typeface="华文仿宋"/>
+        <a:font script="Hant" typeface="微軟正黑體"/>
         <a:font script="Arab" typeface="Arial"/>
-        <a:font script="Hebr" typeface="Arial"/>
-        <a:font script="Thai" typeface="Cordia New"/>
+        <a:font script="Hebr" typeface="Levenim MT"/>
+        <a:font script="Thai" typeface="FreesiaUPC"/>
         <a:font script="Ethi" typeface="Nyala"/>
         <a:font script="Beng" typeface="Vrinda"/>
         <a:font script="Gujr" typeface="Shruti"/>
@@ -4284,155 +4965,159 @@
         <a:font script="Laoo" typeface="DokChampa"/>
         <a:font script="Sinh" typeface="Iskoola Pota"/>
         <a:font script="Mong" typeface="Mongolian Baiti"/>
-        <a:font script="Viet" typeface="Arial"/>
+        <a:font script="Viet" typeface="Tahoma"/>
         <a:font script="Uigh" typeface="Microsoft Uighur"/>
-        <a:font script="Geor" typeface="Sylfaen"/>
+      </a:majorFont>
+      <a:minorFont>
+        <a:latin typeface="Tw Cen MT"/>
+        <a:ea typeface=""/>
+        <a:cs typeface=""/>
+        <a:font script="Grek" typeface="Calibri"/>
+        <a:font script="Cyrl" typeface="Calibri"/>
+        <a:font script="Jpan" typeface="HGPｺﾞｼｯｸE"/>
+        <a:font script="Hang" typeface="HY얕은샘물M"/>
+        <a:font script="Hans" typeface="华文仿宋"/>
+        <a:font script="Hant" typeface="微軟正黑體"/>
+        <a:font script="Arab" typeface="Arial"/>
+        <a:font script="Hebr" typeface="Levenim MT"/>
+        <a:font script="Thai" typeface="FreesiaUPC"/>
+        <a:font script="Ethi" typeface="Nyala"/>
+        <a:font script="Beng" typeface="Vrinda"/>
+        <a:font script="Gujr" typeface="Shruti"/>
+        <a:font script="Khmr" typeface="DaunPenh"/>
+        <a:font script="Knda" typeface="Tunga"/>
+        <a:font script="Guru" typeface="Raavi"/>
+        <a:font script="Cans" typeface="Euphemia"/>
+        <a:font script="Cher" typeface="Plantagenet Cherokee"/>
+        <a:font script="Yiii" typeface="Microsoft Yi Baiti"/>
+        <a:font script="Tibt" typeface="Microsoft Himalaya"/>
+        <a:font script="Thaa" typeface="MV Boli"/>
+        <a:font script="Deva" typeface="Mangal"/>
+        <a:font script="Telu" typeface="Gautami"/>
+        <a:font script="Taml" typeface="Latha"/>
+        <a:font script="Syrc" typeface="Estrangelo Edessa"/>
+        <a:font script="Orya" typeface="Kalinga"/>
+        <a:font script="Mlym" typeface="Kartika"/>
+        <a:font script="Laoo" typeface="DokChampa"/>
+        <a:font script="Sinh" typeface="Iskoola Pota"/>
+        <a:font script="Mong" typeface="Mongolian Baiti"/>
+        <a:font script="Viet" typeface="Tahoma"/>
+        <a:font script="Uigh" typeface="Microsoft Uighur"/>
       </a:minorFont>
     </a:fontScheme>
-    <a:fmtScheme name="Office">
+    <a:fmtScheme name="Median">
       <a:fillStyleLst>
         <a:solidFill>
           <a:schemeClr val="phClr"/>
         </a:solidFill>
-        <a:gradFill rotWithShape="1">
-          <a:gsLst>
-            <a:gs pos="0">
-              <a:schemeClr val="phClr">
-                <a:lumMod val="110000"/>
-                <a:satMod val="105000"/>
-                <a:tint val="67000"/>
-              </a:schemeClr>
-            </a:gs>
-            <a:gs pos="50000">
-              <a:schemeClr val="phClr">
-                <a:lumMod val="105000"/>
-                <a:satMod val="103000"/>
-                <a:tint val="73000"/>
-              </a:schemeClr>
-            </a:gs>
-            <a:gs pos="100000">
-              <a:schemeClr val="phClr">
-                <a:lumMod val="105000"/>
-                <a:satMod val="109000"/>
-                <a:tint val="81000"/>
-              </a:schemeClr>
-            </a:gs>
-          </a:gsLst>
-          <a:lin ang="5400000" scaled="0"/>
-        </a:gradFill>
-        <a:gradFill rotWithShape="1">
-          <a:gsLst>
-            <a:gs pos="0">
-              <a:schemeClr val="phClr">
-                <a:satMod val="103000"/>
-                <a:lumMod val="102000"/>
-                <a:tint val="94000"/>
-              </a:schemeClr>
-            </a:gs>
-            <a:gs pos="50000">
-              <a:schemeClr val="phClr">
-                <a:satMod val="110000"/>
-                <a:lumMod val="100000"/>
-                <a:shade val="100000"/>
-              </a:schemeClr>
-            </a:gs>
-            <a:gs pos="100000">
-              <a:schemeClr val="phClr">
-                <a:lumMod val="99000"/>
-                <a:satMod val="120000"/>
-                <a:shade val="78000"/>
-              </a:schemeClr>
-            </a:gs>
-          </a:gsLst>
-          <a:lin ang="5400000" scaled="0"/>
-        </a:gradFill>
+        <a:solidFill>
+          <a:schemeClr val="phClr">
+            <a:tint val="50000"/>
+          </a:schemeClr>
+        </a:solidFill>
+        <a:solidFill>
+          <a:schemeClr val="phClr"/>
+        </a:solidFill>
       </a:fillStyleLst>
       <a:lnStyleLst>
-        <a:ln w="6350" cap="flat" cmpd="sng" algn="ctr">
+        <a:ln w="10000" cap="flat" cmpd="sng" algn="ctr">
           <a:solidFill>
             <a:schemeClr val="phClr"/>
           </a:solidFill>
           <a:prstDash val="solid"/>
-          <a:miter lim="800000"/>
-        </a:ln>
-        <a:ln w="12700" cap="flat" cmpd="sng" algn="ctr">
-          <a:solidFill>
-            <a:schemeClr val="phClr"/>
-          </a:solidFill>
-          <a:prstDash val="solid"/>
-          <a:miter lim="800000"/>
         </a:ln>
         <a:ln w="19050" cap="flat" cmpd="sng" algn="ctr">
           <a:solidFill>
             <a:schemeClr val="phClr"/>
           </a:solidFill>
           <a:prstDash val="solid"/>
-          <a:miter lim="800000"/>
+        </a:ln>
+        <a:ln w="47625" cap="flat" cmpd="dbl" algn="ctr">
+          <a:solidFill>
+            <a:schemeClr val="phClr"/>
+          </a:solidFill>
+          <a:prstDash val="solid"/>
         </a:ln>
       </a:lnStyleLst>
       <a:effectStyleLst>
         <a:effectStyle>
-          <a:effectLst/>
-        </a:effectStyle>
-        <a:effectStyle>
-          <a:effectLst/>
+          <a:effectLst>
+            <a:outerShdw blurRad="38100" dist="30000" dir="5400000" rotWithShape="0">
+              <a:srgbClr val="000000">
+                <a:alpha val="45000"/>
+              </a:srgbClr>
+            </a:outerShdw>
+          </a:effectLst>
         </a:effectStyle>
         <a:effectStyle>
           <a:effectLst>
-            <a:outerShdw blurRad="57150" dist="19050" dir="5400000" algn="ctr" rotWithShape="0">
+            <a:outerShdw blurRad="38100" dist="30000" dir="5400000" rotWithShape="0">
               <a:srgbClr val="000000">
-                <a:alpha val="63000"/>
+                <a:alpha val="45000"/>
               </a:srgbClr>
             </a:outerShdw>
           </a:effectLst>
+        </a:effectStyle>
+        <a:effectStyle>
+          <a:effectLst>
+            <a:outerShdw blurRad="38100" dist="25400" dir="5400000" rotWithShape="0">
+              <a:srgbClr val="000000">
+                <a:alpha val="35000"/>
+              </a:srgbClr>
+            </a:outerShdw>
+          </a:effectLst>
+          <a:scene3d>
+            <a:camera prst="isometricTopDown" fov="0">
+              <a:rot lat="0" lon="0" rev="0"/>
+            </a:camera>
+            <a:lightRig rig="balanced" dir="t">
+              <a:rot lat="0" lon="0" rev="13800000"/>
+            </a:lightRig>
+          </a:scene3d>
+          <a:sp3d extrusionH="12700" prstMaterial="plastic">
+            <a:bevelT w="38100" h="25400" prst="softRound"/>
+            <a:contourClr>
+              <a:schemeClr val="phClr"/>
+            </a:contourClr>
+          </a:sp3d>
         </a:effectStyle>
       </a:effectStyleLst>
       <a:bgFillStyleLst>
         <a:solidFill>
           <a:schemeClr val="phClr"/>
         </a:solidFill>
-        <a:solidFill>
-          <a:schemeClr val="phClr">
-            <a:tint val="95000"/>
-            <a:satMod val="170000"/>
-          </a:schemeClr>
-        </a:solidFill>
-        <a:gradFill rotWithShape="1">
-          <a:gsLst>
-            <a:gs pos="0">
+        <a:blipFill>
+          <a:blip xmlns:r="http://schemas.openxmlformats.org/officeDocument/2006/relationships" r:embed="rId1">
+            <a:duotone>
               <a:schemeClr val="phClr">
-                <a:tint val="93000"/>
-                <a:satMod val="150000"/>
-                <a:shade val="98000"/>
-                <a:lumMod val="102000"/>
+                <a:shade val="90000"/>
+                <a:satMod val="140000"/>
               </a:schemeClr>
-            </a:gs>
-            <a:gs pos="50000">
               <a:schemeClr val="phClr">
-                <a:tint val="98000"/>
-                <a:satMod val="130000"/>
-                <a:shade val="90000"/>
-                <a:lumMod val="103000"/>
-              </a:schemeClr>
-            </a:gs>
-            <a:gs pos="100000">
-              <a:schemeClr val="phClr">
-                <a:shade val="63000"/>
                 <a:satMod val="120000"/>
               </a:schemeClr>
-            </a:gs>
-          </a:gsLst>
-          <a:lin ang="5400000" scaled="0"/>
-        </a:gradFill>
+            </a:duotone>
+          </a:blip>
+          <a:tile tx="0" ty="0" sx="100000" sy="100000" flip="none" algn="tl"/>
+        </a:blipFill>
+        <a:blipFill>
+          <a:blip xmlns:r="http://schemas.openxmlformats.org/officeDocument/2006/relationships" r:embed="rId2">
+            <a:duotone>
+              <a:schemeClr val="phClr">
+                <a:shade val="90000"/>
+                <a:satMod val="140000"/>
+              </a:schemeClr>
+              <a:schemeClr val="phClr">
+                <a:satMod val="120000"/>
+              </a:schemeClr>
+            </a:duotone>
+          </a:blip>
+          <a:tile tx="0" ty="0" sx="100000" sy="100000" flip="none" algn="tl"/>
+        </a:blipFill>
       </a:bgFillStyleLst>
     </a:fmtScheme>
   </a:themeElements>
   <a:objectDefaults/>
   <a:extraClrSchemeLst/>
-  <a:extLst>
-    <a:ext uri="{05A4C25C-085E-4340-85A3-A5531E510DB2}">
-      <thm15:themeFamily xmlns:thm15="http://schemas.microsoft.com/office/thememl/2012/main" name="Office Theme" id="{62F939B6-93AF-4DB8-9C6B-D6C7DFDC589F}" vid="{4A3C46E8-61CC-4603-A589-7422A47A8E4A}"/>
-    </a:ext>
-  </a:extLst>
 </a:theme>
 </file>
--- a/DataBridgePresentation.pptx
+++ b/DataBridgePresentation.pptx
@@ -115,7 +115,7 @@
   </p:defaultTextStyle>
   <p:extLst>
     <p:ext uri="{EFAFB233-063F-42B5-8137-9DF3F51BA10A}">
-      <p15:sldGuideLst xmlns:p15="http://schemas.microsoft.com/office/powerpoint/2012/main" xmlns="">
+      <p15:sldGuideLst xmlns:p15="http://schemas.microsoft.com/office/powerpoint/2012/main">
         <p15:guide id="1" orient="horz" pos="2160">
           <p15:clr>
             <a:srgbClr val="A4A3A4"/>
@@ -3791,7 +3791,7 @@
     </p:spTree>
     <p:extLst>
       <p:ext uri="{BB962C8B-B14F-4D97-AF65-F5344CB8AC3E}">
-        <p14:creationId xmlns:p14="http://schemas.microsoft.com/office/powerpoint/2010/main" xmlns="" val="2018534654"/>
+        <p14:creationId xmlns:p14="http://schemas.microsoft.com/office/powerpoint/2010/main" val="2018534654"/>
       </p:ext>
     </p:extLst>
   </p:cSld>
@@ -3870,7 +3870,7 @@
     </p:spTree>
     <p:extLst>
       <p:ext uri="{BB962C8B-B14F-4D97-AF65-F5344CB8AC3E}">
-        <p14:creationId xmlns:p14="http://schemas.microsoft.com/office/powerpoint/2010/main" xmlns="" val="2655071220"/>
+        <p14:creationId xmlns:p14="http://schemas.microsoft.com/office/powerpoint/2010/main" val="2655071220"/>
       </p:ext>
     </p:extLst>
   </p:cSld>
@@ -3970,10 +3970,40 @@
           </a:p>
         </p:txBody>
       </p:sp>
+      <p:pic>
+        <p:nvPicPr>
+          <p:cNvPr id="4" name="Picture 3"/>
+          <p:cNvPicPr>
+            <a:picLocks noChangeAspect="1"/>
+          </p:cNvPicPr>
+          <p:nvPr/>
+        </p:nvPicPr>
+        <p:blipFill>
+          <a:blip r:embed="rId2">
+            <a:extLst>
+              <a:ext uri="{28A0092B-C50C-407E-A947-70E740481C1C}">
+                <a14:useLocalDpi xmlns:a14="http://schemas.microsoft.com/office/drawing/2010/main" val="0"/>
+              </a:ext>
+            </a:extLst>
+          </a:blip>
+          <a:stretch>
+            <a:fillRect/>
+          </a:stretch>
+        </p:blipFill>
+        <p:spPr>
+          <a:xfrm>
+            <a:off x="7877532" y="3527796"/>
+            <a:ext cx="3810532" cy="2467319"/>
+          </a:xfrm>
+          <a:prstGeom prst="rect">
+            <a:avLst/>
+          </a:prstGeom>
+        </p:spPr>
+      </p:pic>
     </p:spTree>
     <p:extLst>
       <p:ext uri="{BB962C8B-B14F-4D97-AF65-F5344CB8AC3E}">
-        <p14:creationId xmlns:p14="http://schemas.microsoft.com/office/powerpoint/2010/main" xmlns="" val="1346543847"/>
+        <p14:creationId xmlns:p14="http://schemas.microsoft.com/office/powerpoint/2010/main" val="1346543847"/>
       </p:ext>
     </p:extLst>
   </p:cSld>
@@ -4082,7 +4112,7 @@
     </p:spTree>
     <p:extLst>
       <p:ext uri="{BB962C8B-B14F-4D97-AF65-F5344CB8AC3E}">
-        <p14:creationId xmlns:p14="http://schemas.microsoft.com/office/powerpoint/2010/main" xmlns="" val="4198086196"/>
+        <p14:creationId xmlns:p14="http://schemas.microsoft.com/office/powerpoint/2010/main" val="4198086196"/>
       </p:ext>
     </p:extLst>
   </p:cSld>
@@ -4176,7 +4206,7 @@
           <a:blip r:embed="rId2" cstate="print">
             <a:extLst>
               <a:ext uri="{28A0092B-C50C-407E-A947-70E740481C1C}">
-                <a14:useLocalDpi xmlns:a14="http://schemas.microsoft.com/office/drawing/2010/main" xmlns="" val="0"/>
+                <a14:useLocalDpi xmlns:a14="http://schemas.microsoft.com/office/drawing/2010/main" val="0"/>
               </a:ext>
             </a:extLst>
           </a:blip>
@@ -4194,7 +4224,7 @@
     </p:spTree>
     <p:extLst>
       <p:ext uri="{BB962C8B-B14F-4D97-AF65-F5344CB8AC3E}">
-        <p14:creationId xmlns:p14="http://schemas.microsoft.com/office/powerpoint/2010/main" xmlns="" val="1150150330"/>
+        <p14:creationId xmlns:p14="http://schemas.microsoft.com/office/powerpoint/2010/main" val="1150150330"/>
       </p:ext>
     </p:extLst>
   </p:cSld>
@@ -4295,7 +4325,7 @@
           <a:blip r:embed="rId2" cstate="print">
             <a:extLst>
               <a:ext uri="{28A0092B-C50C-407E-A947-70E740481C1C}">
-                <a14:useLocalDpi xmlns:a14="http://schemas.microsoft.com/office/drawing/2010/main" xmlns="" val="0"/>
+                <a14:useLocalDpi xmlns:a14="http://schemas.microsoft.com/office/drawing/2010/main" val="0"/>
               </a:ext>
             </a:extLst>
           </a:blip>
@@ -4337,7 +4367,7 @@
     </p:spTree>
     <p:extLst>
       <p:ext uri="{BB962C8B-B14F-4D97-AF65-F5344CB8AC3E}">
-        <p14:creationId xmlns:p14="http://schemas.microsoft.com/office/powerpoint/2010/main" xmlns="" val="2750992887"/>
+        <p14:creationId xmlns:p14="http://schemas.microsoft.com/office/powerpoint/2010/main" val="2750992887"/>
       </p:ext>
     </p:extLst>
   </p:cSld>
@@ -4431,7 +4461,7 @@
           <a:blip r:embed="rId2" cstate="print">
             <a:extLst>
               <a:ext uri="{28A0092B-C50C-407E-A947-70E740481C1C}">
-                <a14:useLocalDpi xmlns:a14="http://schemas.microsoft.com/office/drawing/2010/main" xmlns="" val="0"/>
+                <a14:useLocalDpi xmlns:a14="http://schemas.microsoft.com/office/drawing/2010/main" val="0"/>
               </a:ext>
             </a:extLst>
           </a:blip>
@@ -4473,7 +4503,7 @@
     </p:spTree>
     <p:extLst>
       <p:ext uri="{BB962C8B-B14F-4D97-AF65-F5344CB8AC3E}">
-        <p14:creationId xmlns:p14="http://schemas.microsoft.com/office/powerpoint/2010/main" xmlns="" val="2132250628"/>
+        <p14:creationId xmlns:p14="http://schemas.microsoft.com/office/powerpoint/2010/main" val="2132250628"/>
       </p:ext>
     </p:extLst>
   </p:cSld>
@@ -4588,7 +4618,7 @@
           <a:blip r:embed="rId2" cstate="print">
             <a:extLst>
               <a:ext uri="{28A0092B-C50C-407E-A947-70E740481C1C}">
-                <a14:useLocalDpi xmlns:a14="http://schemas.microsoft.com/office/drawing/2010/main" xmlns="" val="0"/>
+                <a14:useLocalDpi xmlns:a14="http://schemas.microsoft.com/office/drawing/2010/main" val="0"/>
               </a:ext>
             </a:extLst>
           </a:blip>
@@ -4606,7 +4636,7 @@
     </p:spTree>
     <p:extLst>
       <p:ext uri="{BB962C8B-B14F-4D97-AF65-F5344CB8AC3E}">
-        <p14:creationId xmlns:p14="http://schemas.microsoft.com/office/powerpoint/2010/main" xmlns="" val="1567769392"/>
+        <p14:creationId xmlns:p14="http://schemas.microsoft.com/office/powerpoint/2010/main" val="1567769392"/>
       </p:ext>
     </p:extLst>
   </p:cSld>

--- a/DataBridgePresentation.pptx
+++ b/DataBridgePresentation.pptx
@@ -15,6 +15,7 @@
     <p:sldId id="263" r:id="rId9"/>
     <p:sldId id="264" r:id="rId10"/>
     <p:sldId id="265" r:id="rId11"/>
+    <p:sldId id="266" r:id="rId12"/>
   </p:sldIdLst>
   <p:sldSz cx="12192000" cy="6858000"/>
   <p:notesSz cx="6858000" cy="9144000"/>
@@ -3880,6 +3881,89 @@
 </p:sld>
 </file>
 
+<file path=ppt/slides/slide11.xml><?xml version="1.0" encoding="utf-8"?>
+<p:sld xmlns:a="http://schemas.openxmlformats.org/drawingml/2006/main" xmlns:r="http://schemas.openxmlformats.org/officeDocument/2006/relationships" xmlns:p="http://schemas.openxmlformats.org/presentationml/2006/main">
+  <p:cSld>
+    <p:spTree>
+      <p:nvGrpSpPr>
+        <p:cNvPr id="1" name=""/>
+        <p:cNvGrpSpPr/>
+        <p:nvPr/>
+      </p:nvGrpSpPr>
+      <p:grpSpPr>
+        <a:xfrm>
+          <a:off x="0" y="0"/>
+          <a:ext cx="0" cy="0"/>
+          <a:chOff x="0" y="0"/>
+          <a:chExt cx="0" cy="0"/>
+        </a:xfrm>
+      </p:grpSpPr>
+      <p:sp>
+        <p:nvSpPr>
+          <p:cNvPr id="2" name="Title 1"/>
+          <p:cNvSpPr>
+            <a:spLocks noGrp="1"/>
+          </p:cNvSpPr>
+          <p:nvPr>
+            <p:ph type="title"/>
+          </p:nvPr>
+        </p:nvSpPr>
+        <p:spPr/>
+        <p:txBody>
+          <a:bodyPr/>
+          <a:lstStyle/>
+          <a:p>
+            <a:r>
+              <a:rPr lang="en-US" dirty="0" smtClean="0"/>
+              <a:t>Source</a:t>
+            </a:r>
+            <a:endParaRPr lang="en-US" dirty="0"/>
+          </a:p>
+        </p:txBody>
+      </p:sp>
+      <p:sp>
+        <p:nvSpPr>
+          <p:cNvPr id="3" name="Content Placeholder 2"/>
+          <p:cNvSpPr>
+            <a:spLocks noGrp="1"/>
+          </p:cNvSpPr>
+          <p:nvPr>
+            <p:ph sz="quarter" idx="1"/>
+          </p:nvPr>
+        </p:nvSpPr>
+        <p:spPr/>
+        <p:txBody>
+          <a:bodyPr/>
+          <a:lstStyle/>
+          <a:p>
+            <a:r>
+              <a:rPr lang="en-US" smtClean="0"/>
+              <a:t>Image:</a:t>
+            </a:r>
+            <a:endParaRPr lang="en-US" dirty="0" smtClean="0"/>
+          </a:p>
+          <a:p>
+            <a:pPr lvl="1"/>
+            <a:r>
+              <a:rPr lang="en-US" dirty="0"/>
+              <a:t>http://38ccda.medialib.glogster.com/media/ac57b46d05ee61023f6c297d44aaea9349af2f721b70e868bf78fda40a49fbb3/cartoon-bridge.jpg</a:t>
+            </a:r>
+          </a:p>
+        </p:txBody>
+      </p:sp>
+    </p:spTree>
+    <p:extLst>
+      <p:ext uri="{BB962C8B-B14F-4D97-AF65-F5344CB8AC3E}">
+        <p14:creationId xmlns:p14="http://schemas.microsoft.com/office/powerpoint/2010/main" val="2748530241"/>
+      </p:ext>
+    </p:extLst>
+  </p:cSld>
+  <p:clrMapOvr>
+    <a:masterClrMapping/>
+  </p:clrMapOvr>
+</p:sld>
+</file>
+
 <file path=ppt/slides/slide2.xml><?xml version="1.0" encoding="utf-8"?>
 <p:sld xmlns:a="http://schemas.openxmlformats.org/drawingml/2006/main" xmlns:r="http://schemas.openxmlformats.org/officeDocument/2006/relationships" xmlns:p="http://schemas.openxmlformats.org/presentationml/2006/main">
   <p:cSld>

--- a/DataBridgePresentation.pptx
+++ b/DataBridgePresentation.pptx
@@ -13,9 +13,9 @@
     <p:sldId id="260" r:id="rId7"/>
     <p:sldId id="261" r:id="rId8"/>
     <p:sldId id="263" r:id="rId9"/>
-    <p:sldId id="264" r:id="rId10"/>
-    <p:sldId id="265" r:id="rId11"/>
-    <p:sldId id="266" r:id="rId12"/>
+    <p:sldId id="266" r:id="rId10"/>
+    <p:sldId id="264" r:id="rId11"/>
+    <p:sldId id="265" r:id="rId12"/>
   </p:sldIdLst>
   <p:sldSz cx="12192000" cy="6858000"/>
   <p:notesSz cx="6858000" cy="9144000"/>
@@ -116,7 +116,7 @@
   </p:defaultTextStyle>
   <p:extLst>
     <p:ext uri="{EFAFB233-063F-42B5-8137-9DF3F51BA10A}">
-      <p15:sldGuideLst xmlns:p15="http://schemas.microsoft.com/office/powerpoint/2012/main">
+      <p15:sldGuideLst xmlns:p15="http://schemas.microsoft.com/office/powerpoint/2012/main" xmlns="">
         <p15:guide id="1" orient="horz" pos="2160">
           <p15:clr>
             <a:srgbClr val="A4A3A4"/>
@@ -3792,7 +3792,7 @@
     </p:spTree>
     <p:extLst>
       <p:ext uri="{BB962C8B-B14F-4D97-AF65-F5344CB8AC3E}">
-        <p14:creationId xmlns:p14="http://schemas.microsoft.com/office/powerpoint/2010/main" val="2018534654"/>
+        <p14:creationId xmlns:p14="http://schemas.microsoft.com/office/powerpoint/2010/main" xmlns="" val="2018534654"/>
       </p:ext>
     </p:extLst>
   </p:cSld>
@@ -3828,12 +3828,12 @@
       </p:grpSpPr>
       <p:sp>
         <p:nvSpPr>
-          <p:cNvPr id="5" name="Title 4"/>
-          <p:cNvSpPr>
-            <a:spLocks noGrp="1"/>
-          </p:cNvSpPr>
-          <p:nvPr>
-            <p:ph type="ctrTitle"/>
+          <p:cNvPr id="2" name="Title 1"/>
+          <p:cNvSpPr>
+            <a:spLocks noGrp="1"/>
+          </p:cNvSpPr>
+          <p:nvPr>
+            <p:ph type="title"/>
           </p:nvPr>
         </p:nvSpPr>
         <p:spPr/>
@@ -3842,38 +3842,125 @@
           <a:lstStyle/>
           <a:p>
             <a:r>
-              <a:rPr lang="en-US" smtClean="0"/>
-              <a:t>Questions?</a:t>
-            </a:r>
-            <a:endParaRPr lang="en-US"/>
-          </a:p>
-        </p:txBody>
-      </p:sp>
-      <p:sp>
-        <p:nvSpPr>
-          <p:cNvPr id="6" name="Subtitle 5"/>
-          <p:cNvSpPr>
-            <a:spLocks noGrp="1"/>
-          </p:cNvSpPr>
-          <p:nvPr>
-            <p:ph type="subTitle" idx="1"/>
-          </p:nvPr>
-        </p:nvSpPr>
-        <p:spPr/>
-        <p:txBody>
-          <a:bodyPr/>
-          <a:lstStyle/>
-          <a:p>
-            <a:endParaRPr lang="en-US"/>
+              <a:rPr lang="en-US" dirty="0" err="1" smtClean="0"/>
+              <a:t>GitHubs</a:t>
+            </a:r>
+            <a:endParaRPr lang="en-US" dirty="0"/>
+          </a:p>
+        </p:txBody>
+      </p:sp>
+      <p:sp>
+        <p:nvSpPr>
+          <p:cNvPr id="3" name="Content Placeholder 2"/>
+          <p:cNvSpPr>
+            <a:spLocks noGrp="1"/>
+          </p:cNvSpPr>
+          <p:nvPr>
+            <p:ph sz="quarter" idx="1"/>
+          </p:nvPr>
+        </p:nvSpPr>
+        <p:spPr>
+          <a:xfrm>
+            <a:off x="838199" y="1825625"/>
+            <a:ext cx="10161897" cy="4351338"/>
+          </a:xfrm>
+        </p:spPr>
+        <p:txBody>
+          <a:bodyPr/>
+          <a:lstStyle/>
+          <a:p>
+            <a:pPr marL="514350" indent="-514350">
+              <a:buAutoNum type="arabicPeriod"/>
+            </a:pPr>
+            <a:r>
+              <a:rPr lang="en-US" dirty="0" smtClean="0">
+                <a:hlinkClick r:id="rId2"/>
+              </a:rPr>
+              <a:t>https://github.com/rferrance/DataBridge</a:t>
+            </a:r>
+            <a:endParaRPr lang="en-US" dirty="0" smtClean="0"/>
+          </a:p>
+          <a:p>
+            <a:pPr marL="971550" lvl="1" indent="-514350"/>
+            <a:r>
+              <a:rPr lang="en-US" dirty="0" smtClean="0"/>
+              <a:t>Final Application Repo</a:t>
+            </a:r>
+          </a:p>
+          <a:p>
+            <a:pPr marL="514350" indent="-514350">
+              <a:buAutoNum type="arabicPeriod"/>
+            </a:pPr>
+            <a:r>
+              <a:rPr lang="en-US" dirty="0" smtClean="0">
+                <a:hlinkClick r:id="rId3"/>
+              </a:rPr>
+              <a:t>https://github.com/castlebravo/DataBridgeServer</a:t>
+            </a:r>
+            <a:endParaRPr lang="en-US" dirty="0" smtClean="0"/>
+          </a:p>
+          <a:p>
+            <a:pPr marL="971550" lvl="1" indent="-514350"/>
+            <a:r>
+              <a:rPr lang="en-US" dirty="0" smtClean="0"/>
+              <a:t>Final Server Repo</a:t>
+            </a:r>
+          </a:p>
+          <a:p>
+            <a:pPr marL="514350" indent="-514350">
+              <a:buAutoNum type="arabicPeriod"/>
+            </a:pPr>
+            <a:r>
+              <a:rPr lang="en-US" dirty="0" smtClean="0">
+                <a:solidFill>
+                  <a:schemeClr val="bg2">
+                    <a:lumMod val="50000"/>
+                  </a:schemeClr>
+                </a:solidFill>
+                <a:hlinkClick r:id="rId4"/>
+              </a:rPr>
+              <a:t>https://github.com/aywong/finalServer</a:t>
+            </a:r>
+            <a:endParaRPr lang="en-US" dirty="0" smtClean="0">
+              <a:solidFill>
+                <a:schemeClr val="bg2">
+                  <a:lumMod val="50000"/>
+                </a:schemeClr>
+              </a:solidFill>
+            </a:endParaRPr>
+          </a:p>
+          <a:p>
+            <a:pPr marL="971550" lvl="1" indent="-514350"/>
+            <a:r>
+              <a:rPr lang="en-US" smtClean="0">
+                <a:solidFill>
+                  <a:schemeClr val="bg2">
+                    <a:lumMod val="50000"/>
+                  </a:schemeClr>
+                </a:solidFill>
+              </a:rPr>
+              <a:t>Working repo, </a:t>
+            </a:r>
+            <a:r>
+              <a:rPr lang="en-US" dirty="0" smtClean="0">
+                <a:solidFill>
+                  <a:schemeClr val="bg2">
+                    <a:lumMod val="50000"/>
+                  </a:schemeClr>
+                </a:solidFill>
+              </a:rPr>
+              <a:t>not final</a:t>
+            </a:r>
+          </a:p>
+          <a:p>
+            <a:pPr>
+              <a:buNone/>
+            </a:pPr>
+            <a:endParaRPr lang="en-US" dirty="0"/>
           </a:p>
         </p:txBody>
       </p:sp>
     </p:spTree>
-    <p:extLst>
-      <p:ext uri="{BB962C8B-B14F-4D97-AF65-F5344CB8AC3E}">
-        <p14:creationId xmlns:p14="http://schemas.microsoft.com/office/powerpoint/2010/main" val="2655071220"/>
-      </p:ext>
-    </p:extLst>
   </p:cSld>
   <p:clrMapOvr>
     <a:masterClrMapping/>
@@ -3900,12 +3987,12 @@
       </p:grpSpPr>
       <p:sp>
         <p:nvSpPr>
-          <p:cNvPr id="2" name="Title 1"/>
-          <p:cNvSpPr>
-            <a:spLocks noGrp="1"/>
-          </p:cNvSpPr>
-          <p:nvPr>
-            <p:ph type="title"/>
+          <p:cNvPr id="5" name="Title 4"/>
+          <p:cNvSpPr>
+            <a:spLocks noGrp="1"/>
+          </p:cNvSpPr>
+          <p:nvPr>
+            <p:ph type="ctrTitle"/>
           </p:nvPr>
         </p:nvSpPr>
         <p:spPr/>
@@ -3914,8 +4001,8 @@
           <a:lstStyle/>
           <a:p>
             <a:r>
-              <a:rPr lang="en-US" dirty="0" smtClean="0"/>
-              <a:t>Source</a:t>
+              <a:rPr lang="en-US" smtClean="0"/>
+              <a:t>DEMO &amp; Questions</a:t>
             </a:r>
             <a:endParaRPr lang="en-US" dirty="0"/>
           </a:p>
@@ -3923,12 +4010,12 @@
       </p:sp>
       <p:sp>
         <p:nvSpPr>
-          <p:cNvPr id="3" name="Content Placeholder 2"/>
-          <p:cNvSpPr>
-            <a:spLocks noGrp="1"/>
-          </p:cNvSpPr>
-          <p:nvPr>
-            <p:ph sz="quarter" idx="1"/>
+          <p:cNvPr id="6" name="Subtitle 5"/>
+          <p:cNvSpPr>
+            <a:spLocks noGrp="1"/>
+          </p:cNvSpPr>
+          <p:nvPr>
+            <p:ph type="subTitle" idx="1"/>
           </p:nvPr>
         </p:nvSpPr>
         <p:spPr/>
@@ -3936,25 +4023,14 @@
           <a:bodyPr/>
           <a:lstStyle/>
           <a:p>
-            <a:r>
-              <a:rPr lang="en-US" smtClean="0"/>
-              <a:t>Image:</a:t>
-            </a:r>
-            <a:endParaRPr lang="en-US" dirty="0" smtClean="0"/>
-          </a:p>
-          <a:p>
-            <a:pPr lvl="1"/>
-            <a:r>
-              <a:rPr lang="en-US" dirty="0"/>
-              <a:t>http://38ccda.medialib.glogster.com/media/ac57b46d05ee61023f6c297d44aaea9349af2f721b70e868bf78fda40a49fbb3/cartoon-bridge.jpg</a:t>
-            </a:r>
+            <a:endParaRPr lang="en-US"/>
           </a:p>
         </p:txBody>
       </p:sp>
     </p:spTree>
     <p:extLst>
       <p:ext uri="{BB962C8B-B14F-4D97-AF65-F5344CB8AC3E}">
-        <p14:creationId xmlns:p14="http://schemas.microsoft.com/office/powerpoint/2010/main" val="2748530241"/>
+        <p14:creationId xmlns:p14="http://schemas.microsoft.com/office/powerpoint/2010/main" xmlns="" val="2655071220"/>
       </p:ext>
     </p:extLst>
   </p:cSld>
@@ -4035,7 +4111,7 @@
             <a:pPr lvl="2"/>
             <a:r>
               <a:rPr lang="en-US" dirty="0" smtClean="0"/>
-              <a:t>Mouse Emulation</a:t>
+              <a:t>Mouse and Keyboard Emulation</a:t>
             </a:r>
           </a:p>
           <a:p>
@@ -4054,40 +4130,10 @@
           </a:p>
         </p:txBody>
       </p:sp>
-      <p:pic>
-        <p:nvPicPr>
-          <p:cNvPr id="4" name="Picture 3"/>
-          <p:cNvPicPr>
-            <a:picLocks noChangeAspect="1"/>
-          </p:cNvPicPr>
-          <p:nvPr/>
-        </p:nvPicPr>
-        <p:blipFill>
-          <a:blip r:embed="rId2">
-            <a:extLst>
-              <a:ext uri="{28A0092B-C50C-407E-A947-70E740481C1C}">
-                <a14:useLocalDpi xmlns:a14="http://schemas.microsoft.com/office/drawing/2010/main" val="0"/>
-              </a:ext>
-            </a:extLst>
-          </a:blip>
-          <a:stretch>
-            <a:fillRect/>
-          </a:stretch>
-        </p:blipFill>
-        <p:spPr>
-          <a:xfrm>
-            <a:off x="7877532" y="3527796"/>
-            <a:ext cx="3810532" cy="2467319"/>
-          </a:xfrm>
-          <a:prstGeom prst="rect">
-            <a:avLst/>
-          </a:prstGeom>
-        </p:spPr>
-      </p:pic>
     </p:spTree>
     <p:extLst>
       <p:ext uri="{BB962C8B-B14F-4D97-AF65-F5344CB8AC3E}">
-        <p14:creationId xmlns:p14="http://schemas.microsoft.com/office/powerpoint/2010/main" val="1346543847"/>
+        <p14:creationId xmlns:p14="http://schemas.microsoft.com/office/powerpoint/2010/main" xmlns="" val="1346543847"/>
       </p:ext>
     </p:extLst>
   </p:cSld>
@@ -4196,7 +4242,7 @@
     </p:spTree>
     <p:extLst>
       <p:ext uri="{BB962C8B-B14F-4D97-AF65-F5344CB8AC3E}">
-        <p14:creationId xmlns:p14="http://schemas.microsoft.com/office/powerpoint/2010/main" val="4198086196"/>
+        <p14:creationId xmlns:p14="http://schemas.microsoft.com/office/powerpoint/2010/main" xmlns="" val="4198086196"/>
       </p:ext>
     </p:extLst>
   </p:cSld>
@@ -4240,7 +4286,7 @@
           <a:p>
             <a:r>
               <a:rPr lang="en-US" dirty="0" smtClean="0"/>
-              <a:t>Mouse Emulator</a:t>
+              <a:t>Mouse and Keyboard Emulator</a:t>
             </a:r>
             <a:endParaRPr lang="en-US" dirty="0"/>
           </a:p>
@@ -4272,7 +4318,17 @@
               <a:rPr lang="en-US" dirty="0" smtClean="0"/>
               <a:t>Uses phone movement</a:t>
             </a:r>
-            <a:endParaRPr lang="en-US" dirty="0"/>
+            <a:r>
+              <a:rPr lang="en-US" dirty="0"/>
+              <a:t> </a:t>
+            </a:r>
+            <a:endParaRPr lang="en-US" dirty="0" smtClean="0"/>
+          </a:p>
+          <a:p>
+            <a:r>
+              <a:rPr lang="en-US" dirty="0" smtClean="0"/>
+              <a:t>Allows client control of server keyboard</a:t>
+            </a:r>
           </a:p>
         </p:txBody>
       </p:sp>
@@ -4290,7 +4346,7 @@
           <a:blip r:embed="rId2" cstate="print">
             <a:extLst>
               <a:ext uri="{28A0092B-C50C-407E-A947-70E740481C1C}">
-                <a14:useLocalDpi xmlns:a14="http://schemas.microsoft.com/office/drawing/2010/main" val="0"/>
+                <a14:useLocalDpi xmlns:a14="http://schemas.microsoft.com/office/drawing/2010/main" xmlns="" val="0"/>
               </a:ext>
             </a:extLst>
           </a:blip>
@@ -4308,7 +4364,7 @@
     </p:spTree>
     <p:extLst>
       <p:ext uri="{BB962C8B-B14F-4D97-AF65-F5344CB8AC3E}">
-        <p14:creationId xmlns:p14="http://schemas.microsoft.com/office/powerpoint/2010/main" val="1150150330"/>
+        <p14:creationId xmlns:p14="http://schemas.microsoft.com/office/powerpoint/2010/main" xmlns="" val="1150150330"/>
       </p:ext>
     </p:extLst>
   </p:cSld>
@@ -4409,7 +4465,7 @@
           <a:blip r:embed="rId2" cstate="print">
             <a:extLst>
               <a:ext uri="{28A0092B-C50C-407E-A947-70E740481C1C}">
-                <a14:useLocalDpi xmlns:a14="http://schemas.microsoft.com/office/drawing/2010/main" val="0"/>
+                <a14:useLocalDpi xmlns:a14="http://schemas.microsoft.com/office/drawing/2010/main" xmlns="" val="0"/>
               </a:ext>
             </a:extLst>
           </a:blip>
@@ -4451,7 +4507,7 @@
     </p:spTree>
     <p:extLst>
       <p:ext uri="{BB962C8B-B14F-4D97-AF65-F5344CB8AC3E}">
-        <p14:creationId xmlns:p14="http://schemas.microsoft.com/office/powerpoint/2010/main" val="2750992887"/>
+        <p14:creationId xmlns:p14="http://schemas.microsoft.com/office/powerpoint/2010/main" xmlns="" val="2750992887"/>
       </p:ext>
     </p:extLst>
   </p:cSld>
@@ -4545,7 +4601,7 @@
           <a:blip r:embed="rId2" cstate="print">
             <a:extLst>
               <a:ext uri="{28A0092B-C50C-407E-A947-70E740481C1C}">
-                <a14:useLocalDpi xmlns:a14="http://schemas.microsoft.com/office/drawing/2010/main" val="0"/>
+                <a14:useLocalDpi xmlns:a14="http://schemas.microsoft.com/office/drawing/2010/main" xmlns="" val="0"/>
               </a:ext>
             </a:extLst>
           </a:blip>
@@ -4587,7 +4643,7 @@
     </p:spTree>
     <p:extLst>
       <p:ext uri="{BB962C8B-B14F-4D97-AF65-F5344CB8AC3E}">
-        <p14:creationId xmlns:p14="http://schemas.microsoft.com/office/powerpoint/2010/main" val="2132250628"/>
+        <p14:creationId xmlns:p14="http://schemas.microsoft.com/office/powerpoint/2010/main" xmlns="" val="2132250628"/>
       </p:ext>
     </p:extLst>
   </p:cSld>
@@ -4702,7 +4758,7 @@
           <a:blip r:embed="rId2" cstate="print">
             <a:extLst>
               <a:ext uri="{28A0092B-C50C-407E-A947-70E740481C1C}">
-                <a14:useLocalDpi xmlns:a14="http://schemas.microsoft.com/office/drawing/2010/main" val="0"/>
+                <a14:useLocalDpi xmlns:a14="http://schemas.microsoft.com/office/drawing/2010/main" xmlns="" val="0"/>
               </a:ext>
             </a:extLst>
           </a:blip>
@@ -4720,7 +4776,7 @@
     </p:spTree>
     <p:extLst>
       <p:ext uri="{BB962C8B-B14F-4D97-AF65-F5344CB8AC3E}">
-        <p14:creationId xmlns:p14="http://schemas.microsoft.com/office/powerpoint/2010/main" val="1567769392"/>
+        <p14:creationId xmlns:p14="http://schemas.microsoft.com/office/powerpoint/2010/main" xmlns="" val="1567769392"/>
       </p:ext>
     </p:extLst>
   </p:cSld>
@@ -4878,8 +4934,8 @@
           <a:lstStyle/>
           <a:p>
             <a:r>
-              <a:rPr lang="en-US" dirty="0" err="1" smtClean="0"/>
-              <a:t>GitHubs</a:t>
+              <a:rPr lang="en-US" dirty="0" smtClean="0"/>
+              <a:t>Future Goals</a:t>
             </a:r>
             <a:endParaRPr lang="en-US" dirty="0"/>
           </a:p>
@@ -4897,101 +4953,24 @@
         </p:nvSpPr>
         <p:spPr>
           <a:xfrm>
-            <a:off x="838199" y="1825625"/>
-            <a:ext cx="10161897" cy="4351338"/>
-          </a:xfrm>
-        </p:spPr>
-        <p:txBody>
-          <a:bodyPr/>
-          <a:lstStyle/>
-          <a:p>
-            <a:pPr marL="514350" indent="-514350">
-              <a:buAutoNum type="arabicPeriod"/>
-            </a:pPr>
-            <a:r>
-              <a:rPr lang="en-US" dirty="0" smtClean="0">
-                <a:hlinkClick r:id="rId2"/>
-              </a:rPr>
-              <a:t>https://github.com/rferrance/DataBridge</a:t>
-            </a:r>
-            <a:endParaRPr lang="en-US" dirty="0" smtClean="0"/>
-          </a:p>
-          <a:p>
-            <a:pPr marL="971550" lvl="1" indent="-514350"/>
+            <a:off x="812800" y="1589567"/>
+            <a:ext cx="8672394" cy="4572000"/>
+          </a:xfrm>
+        </p:spPr>
+        <p:txBody>
+          <a:bodyPr/>
+          <a:lstStyle/>
+          <a:p>
             <a:r>
               <a:rPr lang="en-US" dirty="0" smtClean="0"/>
-              <a:t>Final Application Repo</a:t>
-            </a:r>
-          </a:p>
-          <a:p>
-            <a:pPr marL="514350" indent="-514350">
-              <a:buAutoNum type="arabicPeriod"/>
-            </a:pPr>
-            <a:r>
-              <a:rPr lang="en-US" dirty="0" smtClean="0">
-                <a:hlinkClick r:id="rId3"/>
-              </a:rPr>
-              <a:t>https://github.com/castlebravo/DataBridgeServer</a:t>
-            </a:r>
-            <a:endParaRPr lang="en-US" dirty="0" smtClean="0"/>
-          </a:p>
-          <a:p>
-            <a:pPr marL="971550" lvl="1" indent="-514350"/>
+              <a:t>Added security</a:t>
+            </a:r>
+          </a:p>
+          <a:p>
             <a:r>
               <a:rPr lang="en-US" dirty="0" smtClean="0"/>
-              <a:t>Final Server Repo</a:t>
-            </a:r>
-          </a:p>
-          <a:p>
-            <a:pPr marL="514350" indent="-514350">
-              <a:buAutoNum type="arabicPeriod"/>
-            </a:pPr>
-            <a:r>
-              <a:rPr lang="en-US" dirty="0" smtClean="0">
-                <a:solidFill>
-                  <a:schemeClr val="bg2">
-                    <a:lumMod val="50000"/>
-                  </a:schemeClr>
-                </a:solidFill>
-                <a:hlinkClick r:id="rId4"/>
-              </a:rPr>
-              <a:t>https://github.com/aywong/finalServer</a:t>
-            </a:r>
-            <a:endParaRPr lang="en-US" dirty="0" smtClean="0">
-              <a:solidFill>
-                <a:schemeClr val="bg2">
-                  <a:lumMod val="50000"/>
-                </a:schemeClr>
-              </a:solidFill>
-            </a:endParaRPr>
-          </a:p>
-          <a:p>
-            <a:pPr marL="971550" lvl="1" indent="-514350"/>
-            <a:r>
-              <a:rPr lang="en-US" smtClean="0">
-                <a:solidFill>
-                  <a:schemeClr val="bg2">
-                    <a:lumMod val="50000"/>
-                  </a:schemeClr>
-                </a:solidFill>
-              </a:rPr>
-              <a:t>Working repo, </a:t>
-            </a:r>
-            <a:r>
-              <a:rPr lang="en-US" dirty="0" smtClean="0">
-                <a:solidFill>
-                  <a:schemeClr val="bg2">
-                    <a:lumMod val="50000"/>
-                  </a:schemeClr>
-                </a:solidFill>
-              </a:rPr>
-              <a:t>not final</a:t>
-            </a:r>
-          </a:p>
-          <a:p>
-            <a:pPr>
-              <a:buNone/>
-            </a:pPr>
+              <a:t>More CLI functionality</a:t>
+            </a:r>
             <a:endParaRPr lang="en-US" dirty="0"/>
           </a:p>
         </p:txBody>

--- a/DataBridgePresentation.pptx
+++ b/DataBridgePresentation.pptx
@@ -116,7 +116,7 @@
   </p:defaultTextStyle>
   <p:extLst>
     <p:ext uri="{EFAFB233-063F-42B5-8137-9DF3F51BA10A}">
-      <p15:sldGuideLst xmlns:p15="http://schemas.microsoft.com/office/powerpoint/2012/main" xmlns="">
+      <p15:sldGuideLst xmlns="" xmlns:p15="http://schemas.microsoft.com/office/powerpoint/2012/main">
         <p15:guide id="1" orient="horz" pos="2160">
           <p15:clr>
             <a:srgbClr val="A4A3A4"/>
@@ -425,7 +425,7 @@
             <a:fld id="{0AE88629-A717-430A-A4D5-955241148433}" type="datetimeFigureOut">
               <a:rPr lang="en-US" smtClean="0"/>
               <a:pPr/>
-              <a:t>12/3/2013</a:t>
+              <a:t>12/4/2013</a:t>
             </a:fld>
             <a:endParaRPr lang="en-US"/>
           </a:p>
@@ -618,7 +618,7 @@
             <a:fld id="{0AE88629-A717-430A-A4D5-955241148433}" type="datetimeFigureOut">
               <a:rPr lang="en-US" smtClean="0"/>
               <a:pPr/>
-              <a:t>12/3/2013</a:t>
+              <a:t>12/4/2013</a:t>
             </a:fld>
             <a:endParaRPr lang="en-US"/>
           </a:p>
@@ -805,7 +805,7 @@
             <a:fld id="{0AE88629-A717-430A-A4D5-955241148433}" type="datetimeFigureOut">
               <a:rPr lang="en-US" smtClean="0"/>
               <a:pPr/>
-              <a:t>12/3/2013</a:t>
+              <a:t>12/4/2013</a:t>
             </a:fld>
             <a:endParaRPr lang="en-US"/>
           </a:p>
@@ -1070,7 +1070,7 @@
             <a:fld id="{0AE88629-A717-430A-A4D5-955241148433}" type="datetimeFigureOut">
               <a:rPr lang="en-US" smtClean="0"/>
               <a:pPr/>
-              <a:t>12/3/2013</a:t>
+              <a:t>12/4/2013</a:t>
             </a:fld>
             <a:endParaRPr lang="en-US"/>
           </a:p>
@@ -1488,7 +1488,7 @@
             <a:fld id="{0AE88629-A717-430A-A4D5-955241148433}" type="datetimeFigureOut">
               <a:rPr lang="en-US" smtClean="0"/>
               <a:pPr/>
-              <a:t>12/3/2013</a:t>
+              <a:t>12/4/2013</a:t>
             </a:fld>
             <a:endParaRPr lang="en-US"/>
           </a:p>
@@ -1732,7 +1732,7 @@
             <a:fld id="{0AE88629-A717-430A-A4D5-955241148433}" type="datetimeFigureOut">
               <a:rPr lang="en-US" smtClean="0"/>
               <a:pPr/>
-              <a:t>12/3/2013</a:t>
+              <a:t>12/4/2013</a:t>
             </a:fld>
             <a:endParaRPr lang="en-US"/>
           </a:p>
@@ -1970,7 +1970,7 @@
             <a:fld id="{0AE88629-A717-430A-A4D5-955241148433}" type="datetimeFigureOut">
               <a:rPr lang="en-US" smtClean="0"/>
               <a:pPr/>
-              <a:t>12/3/2013</a:t>
+              <a:t>12/4/2013</a:t>
             </a:fld>
             <a:endParaRPr lang="en-US"/>
           </a:p>
@@ -2167,7 +2167,7 @@
             <a:fld id="{0AE88629-A717-430A-A4D5-955241148433}" type="datetimeFigureOut">
               <a:rPr lang="en-US" smtClean="0"/>
               <a:pPr/>
-              <a:t>12/3/2013</a:t>
+              <a:t>12/4/2013</a:t>
             </a:fld>
             <a:endParaRPr lang="en-US"/>
           </a:p>
@@ -2267,7 +2267,7 @@
             <a:fld id="{0AE88629-A717-430A-A4D5-955241148433}" type="datetimeFigureOut">
               <a:rPr lang="en-US" smtClean="0"/>
               <a:pPr/>
-              <a:t>12/3/2013</a:t>
+              <a:t>12/4/2013</a:t>
             </a:fld>
             <a:endParaRPr lang="en-US"/>
           </a:p>
@@ -2405,7 +2405,7 @@
             <a:fld id="{0AE88629-A717-430A-A4D5-955241148433}" type="datetimeFigureOut">
               <a:rPr lang="en-US" smtClean="0"/>
               <a:pPr/>
-              <a:t>12/3/2013</a:t>
+              <a:t>12/4/2013</a:t>
             </a:fld>
             <a:endParaRPr lang="en-US"/>
           </a:p>
@@ -2925,7 +2925,7 @@
             <a:fld id="{0AE88629-A717-430A-A4D5-955241148433}" type="datetimeFigureOut">
               <a:rPr lang="en-US" smtClean="0"/>
               <a:pPr/>
-              <a:t>12/3/2013</a:t>
+              <a:t>12/4/2013</a:t>
             </a:fld>
             <a:endParaRPr lang="en-US"/>
           </a:p>
@@ -3188,7 +3188,7 @@
             <a:fld id="{0AE88629-A717-430A-A4D5-955241148433}" type="datetimeFigureOut">
               <a:rPr lang="en-US" smtClean="0"/>
               <a:pPr/>
-              <a:t>12/3/2013</a:t>
+              <a:t>12/4/2013</a:t>
             </a:fld>
             <a:endParaRPr lang="en-US"/>
           </a:p>
@@ -3768,7 +3768,7 @@
           <a:p>
             <a:r>
               <a:rPr lang="en-US" dirty="0" smtClean="0"/>
-              <a:t>Annie Wong, Brian </a:t>
+              <a:t>Brian </a:t>
             </a:r>
             <a:r>
               <a:rPr lang="en-US" dirty="0" err="1" smtClean="0"/>
@@ -3781,6 +3781,18 @@
             <a:r>
               <a:rPr lang="en-US" dirty="0" err="1" smtClean="0"/>
               <a:t>Ferrance</a:t>
+            </a:r>
+            <a:r>
+              <a:rPr lang="en-US" smtClean="0"/>
+              <a:t>, </a:t>
+            </a:r>
+            <a:r>
+              <a:rPr lang="en-US" smtClean="0"/>
+              <a:t>Annie </a:t>
+            </a:r>
+            <a:r>
+              <a:rPr lang="en-US" smtClean="0"/>
+              <a:t>Wong</a:t>
             </a:r>
             <a:endParaRPr lang="en-US" dirty="0" smtClean="0"/>
           </a:p>
@@ -3792,7 +3804,7 @@
     </p:spTree>
     <p:extLst>
       <p:ext uri="{BB962C8B-B14F-4D97-AF65-F5344CB8AC3E}">
-        <p14:creationId xmlns:p14="http://schemas.microsoft.com/office/powerpoint/2010/main" xmlns="" val="2018534654"/>
+        <p14:creationId xmlns="" xmlns:p14="http://schemas.microsoft.com/office/powerpoint/2010/main" val="2018534654"/>
       </p:ext>
     </p:extLst>
   </p:cSld>
@@ -4030,7 +4042,7 @@
     </p:spTree>
     <p:extLst>
       <p:ext uri="{BB962C8B-B14F-4D97-AF65-F5344CB8AC3E}">
-        <p14:creationId xmlns:p14="http://schemas.microsoft.com/office/powerpoint/2010/main" xmlns="" val="2655071220"/>
+        <p14:creationId xmlns="" xmlns:p14="http://schemas.microsoft.com/office/powerpoint/2010/main" val="2655071220"/>
       </p:ext>
     </p:extLst>
   </p:cSld>
@@ -4111,7 +4123,7 @@
             <a:pPr lvl="2"/>
             <a:r>
               <a:rPr lang="en-US" dirty="0" smtClean="0"/>
-              <a:t>Mouse and Keyboard Emulation</a:t>
+              <a:t>Mouse Emulation</a:t>
             </a:r>
           </a:p>
           <a:p>
@@ -4133,7 +4145,7 @@
     </p:spTree>
     <p:extLst>
       <p:ext uri="{BB962C8B-B14F-4D97-AF65-F5344CB8AC3E}">
-        <p14:creationId xmlns:p14="http://schemas.microsoft.com/office/powerpoint/2010/main" xmlns="" val="1346543847"/>
+        <p14:creationId xmlns="" xmlns:p14="http://schemas.microsoft.com/office/powerpoint/2010/main" val="1346543847"/>
       </p:ext>
     </p:extLst>
   </p:cSld>
@@ -4242,7 +4254,7 @@
     </p:spTree>
     <p:extLst>
       <p:ext uri="{BB962C8B-B14F-4D97-AF65-F5344CB8AC3E}">
-        <p14:creationId xmlns:p14="http://schemas.microsoft.com/office/powerpoint/2010/main" xmlns="" val="4198086196"/>
+        <p14:creationId xmlns="" xmlns:p14="http://schemas.microsoft.com/office/powerpoint/2010/main" val="4198086196"/>
       </p:ext>
     </p:extLst>
   </p:cSld>
@@ -4318,17 +4330,6 @@
               <a:rPr lang="en-US" dirty="0" smtClean="0"/>
               <a:t>Uses phone movement</a:t>
             </a:r>
-            <a:r>
-              <a:rPr lang="en-US" dirty="0"/>
-              <a:t> </a:t>
-            </a:r>
-            <a:endParaRPr lang="en-US" dirty="0" smtClean="0"/>
-          </a:p>
-          <a:p>
-            <a:r>
-              <a:rPr lang="en-US" dirty="0" smtClean="0"/>
-              <a:t>Allows client control of server keyboard</a:t>
-            </a:r>
           </a:p>
         </p:txBody>
       </p:sp>
@@ -4346,7 +4347,7 @@
           <a:blip r:embed="rId2" cstate="print">
             <a:extLst>
               <a:ext uri="{28A0092B-C50C-407E-A947-70E740481C1C}">
-                <a14:useLocalDpi xmlns:a14="http://schemas.microsoft.com/office/drawing/2010/main" xmlns="" val="0"/>
+                <a14:useLocalDpi xmlns="" xmlns:a14="http://schemas.microsoft.com/office/drawing/2010/main" val="0"/>
               </a:ext>
             </a:extLst>
           </a:blip>
@@ -4364,7 +4365,7 @@
     </p:spTree>
     <p:extLst>
       <p:ext uri="{BB962C8B-B14F-4D97-AF65-F5344CB8AC3E}">
-        <p14:creationId xmlns:p14="http://schemas.microsoft.com/office/powerpoint/2010/main" xmlns="" val="1150150330"/>
+        <p14:creationId xmlns="" xmlns:p14="http://schemas.microsoft.com/office/powerpoint/2010/main" val="1150150330"/>
       </p:ext>
     </p:extLst>
   </p:cSld>
@@ -4465,7 +4466,7 @@
           <a:blip r:embed="rId2" cstate="print">
             <a:extLst>
               <a:ext uri="{28A0092B-C50C-407E-A947-70E740481C1C}">
-                <a14:useLocalDpi xmlns:a14="http://schemas.microsoft.com/office/drawing/2010/main" xmlns="" val="0"/>
+                <a14:useLocalDpi xmlns="" xmlns:a14="http://schemas.microsoft.com/office/drawing/2010/main" val="0"/>
               </a:ext>
             </a:extLst>
           </a:blip>
@@ -4507,7 +4508,7 @@
     </p:spTree>
     <p:extLst>
       <p:ext uri="{BB962C8B-B14F-4D97-AF65-F5344CB8AC3E}">
-        <p14:creationId xmlns:p14="http://schemas.microsoft.com/office/powerpoint/2010/main" xmlns="" val="2750992887"/>
+        <p14:creationId xmlns="" xmlns:p14="http://schemas.microsoft.com/office/powerpoint/2010/main" val="2750992887"/>
       </p:ext>
     </p:extLst>
   </p:cSld>
@@ -4601,7 +4602,7 @@
           <a:blip r:embed="rId2" cstate="print">
             <a:extLst>
               <a:ext uri="{28A0092B-C50C-407E-A947-70E740481C1C}">
-                <a14:useLocalDpi xmlns:a14="http://schemas.microsoft.com/office/drawing/2010/main" xmlns="" val="0"/>
+                <a14:useLocalDpi xmlns="" xmlns:a14="http://schemas.microsoft.com/office/drawing/2010/main" val="0"/>
               </a:ext>
             </a:extLst>
           </a:blip>
@@ -4643,7 +4644,7 @@
     </p:spTree>
     <p:extLst>
       <p:ext uri="{BB962C8B-B14F-4D97-AF65-F5344CB8AC3E}">
-        <p14:creationId xmlns:p14="http://schemas.microsoft.com/office/powerpoint/2010/main" xmlns="" val="2132250628"/>
+        <p14:creationId xmlns="" xmlns:p14="http://schemas.microsoft.com/office/powerpoint/2010/main" val="2132250628"/>
       </p:ext>
     </p:extLst>
   </p:cSld>
@@ -4758,7 +4759,7 @@
           <a:blip r:embed="rId2" cstate="print">
             <a:extLst>
               <a:ext uri="{28A0092B-C50C-407E-A947-70E740481C1C}">
-                <a14:useLocalDpi xmlns:a14="http://schemas.microsoft.com/office/drawing/2010/main" xmlns="" val="0"/>
+                <a14:useLocalDpi xmlns="" xmlns:a14="http://schemas.microsoft.com/office/drawing/2010/main" val="0"/>
               </a:ext>
             </a:extLst>
           </a:blip>
@@ -4776,7 +4777,7 @@
     </p:spTree>
     <p:extLst>
       <p:ext uri="{BB962C8B-B14F-4D97-AF65-F5344CB8AC3E}">
-        <p14:creationId xmlns:p14="http://schemas.microsoft.com/office/powerpoint/2010/main" xmlns="" val="1567769392"/>
+        <p14:creationId xmlns="" xmlns:p14="http://schemas.microsoft.com/office/powerpoint/2010/main" val="1567769392"/>
       </p:ext>
     </p:extLst>
   </p:cSld>
@@ -4863,7 +4864,20 @@
               <a:rPr lang="en-US" dirty="0" smtClean="0"/>
               <a:t>Chatting with your android phone</a:t>
             </a:r>
-            <a:endParaRPr lang="en-US" dirty="0"/>
+          </a:p>
+          <a:p>
+            <a:r>
+              <a:rPr lang="en-US" dirty="0" smtClean="0"/>
+              <a:t>Also GUI portion that shows mouse movement</a:t>
+            </a:r>
+            <a:r>
+              <a:rPr lang="en-US" dirty="0"/>
+              <a:t> </a:t>
+            </a:r>
+            <a:r>
+              <a:rPr lang="en-US" dirty="0" smtClean="0"/>
+              <a:t>stats</a:t>
+            </a:r>
           </a:p>
         </p:txBody>
       </p:sp>
@@ -4963,6 +4977,19 @@
           <a:p>
             <a:r>
               <a:rPr lang="en-US" dirty="0" smtClean="0"/>
+              <a:t>Keyboard Emulation</a:t>
+            </a:r>
+          </a:p>
+          <a:p>
+            <a:pPr lvl="1"/>
+            <a:r>
+              <a:rPr lang="en-US" dirty="0" smtClean="0"/>
+              <a:t>Allowing client control of server keyboard</a:t>
+            </a:r>
+          </a:p>
+          <a:p>
+            <a:r>
+              <a:rPr lang="en-US" dirty="0" smtClean="0"/>
               <a:t>Added security</a:t>
             </a:r>
           </a:p>
@@ -4970,6 +4997,20 @@
             <a:r>
               <a:rPr lang="en-US" dirty="0" smtClean="0"/>
               <a:t>More CLI functionality</a:t>
+            </a:r>
+          </a:p>
+          <a:p>
+            <a:pPr lvl="1"/>
+            <a:r>
+              <a:rPr lang="en-US" dirty="0" smtClean="0"/>
+              <a:t>Supporting more than one command at a time</a:t>
+            </a:r>
+          </a:p>
+          <a:p>
+            <a:pPr lvl="1"/>
+            <a:r>
+              <a:rPr lang="en-US" dirty="0" smtClean="0"/>
+              <a:t>Commands that require interaction</a:t>
             </a:r>
             <a:endParaRPr lang="en-US" dirty="0"/>
           </a:p>
